--- a/08-refactoring_for_multiple_platforms.pptx
+++ b/08-refactoring_for_multiple_platforms.pptx
@@ -973,33 +973,8 @@
             </a:pPr>
             <a:r>
               <a:rPr lang="en-US" baseline="0" dirty="0" smtClean="0"/>
-              <a:t>When we started developing this cookbook I told you that we were going continue to refactor this cookbook until it supported multiple </a:t>
-            </a:r>
-            <a:r>
-              <a:rPr lang="en-US" baseline="0" dirty="0" smtClean="0"/>
-              <a:t>platforms. We could have started with that goal. Instead we started small</a:t>
-            </a:r>
-            <a:r>
-              <a:rPr lang="en-US" baseline="0" dirty="0" smtClean="0"/>
-              <a:t>. One test. One recipe. Refactor. Add more tests. Refactor. </a:t>
-            </a:r>
-            <a:r>
-              <a:rPr lang="en-US" baseline="0" dirty="0" smtClean="0"/>
-              <a:t>This process allowed </a:t>
-            </a:r>
-            <a:r>
-              <a:rPr lang="en-US" baseline="0" dirty="0" smtClean="0"/>
-              <a:t>us to deliver a reliable cookbook in confident </a:t>
-            </a:r>
-            <a:r>
-              <a:rPr lang="en-US" baseline="0" dirty="0" smtClean="0"/>
-              <a:t>way. But testing was not </a:t>
-            </a:r>
-            <a:r>
-              <a:rPr lang="en-US" baseline="0" dirty="0" smtClean="0"/>
-              <a:t>the only thing that aided us in building this cookbook. </a:t>
-            </a:r>
-            <a:endParaRPr lang="en-US" baseline="0" dirty="0" smtClean="0"/>
+              <a:t>When we started developing this cookbook I told you that we were going continue to refactor this cookbook until it supported multiple platforms. We could have started with that goal. Instead we started small. One test. One recipe. Refactor. Add more tests. Refactor. This process allowed us to deliver a reliable cookbook in confident way. But testing was not the only thing that aided us in building this cookbook. </a:t>
+            </a:r>
           </a:p>
           <a:p>
             <a:pPr marL="0" marR="0" indent="0" algn="l" defTabSz="1217613" rtl="0" eaLnBrk="1" fontAlgn="base" latinLnBrk="0" hangingPunct="1">
@@ -1041,11 +1016,7 @@
             </a:pPr>
             <a:r>
               <a:rPr lang="en-US" baseline="0" dirty="0" smtClean="0"/>
-              <a:t>Instrumental </a:t>
-            </a:r>
-            <a:r>
-              <a:rPr lang="en-US" baseline="0" dirty="0" smtClean="0"/>
-              <a:t>to software development and test-driven development is learning how to divide the work into these small increments. Small, deliverable, verifiable steps are essential to developing code with confidence. Now that you have seen and experienced the Test Driven Development (TDD) workflow and understand the basics, the real work that lay before you is to understand how to find these divisions in the requirements you are given.</a:t>
+              <a:t>Instrumental to software development and test-driven development is learning how to divide the work into these small increments. Small, deliverable, verifiable steps are essential to developing code with confidence. Now that you have seen and experienced the Test Driven Development (TDD) workflow and understand the basics, the real work that lay before you is to understand how to find these divisions in the requirements you are given.</a:t>
             </a:r>
           </a:p>
           <a:p>
@@ -1088,11 +1059,7 @@
             </a:pPr>
             <a:r>
               <a:rPr lang="en-US" baseline="0" dirty="0" smtClean="0"/>
-              <a:t>This was </a:t>
-            </a:r>
-            <a:r>
-              <a:rPr lang="en-US" baseline="0" dirty="0" smtClean="0"/>
-              <a:t>a hand-picked experience. That moves we made may have seemed contrived. As with any knowledge transfer the best we can do is give you a model to play with and hope the forms hold true when it comes time for you to solve a problem with real requirements.</a:t>
+              <a:t>This was a hand-picked experience. That moves we made may have seemed contrived. As with any knowledge transfer the best we can do is give you a model to play with and hope the forms hold true when it comes time for you to solve a problem with real requirements.</a:t>
             </a:r>
           </a:p>
         </p:txBody>
@@ -1666,11 +1633,7 @@
             </a:r>
             <a:r>
               <a:rPr lang="en-US" baseline="0" dirty="0" smtClean="0"/>
-              <a:t> platform. That change is purely </a:t>
-            </a:r>
-            <a:r>
-              <a:rPr lang="en-US" baseline="0" dirty="0" smtClean="0"/>
-              <a:t>cosmetic.</a:t>
+              <a:t> platform. That change is purely cosmetic.</a:t>
             </a:r>
           </a:p>
           <a:p>
@@ -1697,7 +1660,6 @@
               <a:rPr lang="en-US" baseline="0" dirty="0" smtClean="0"/>
               <a:t> project.</a:t>
             </a:r>
-            <a:endParaRPr lang="en-US" baseline="0" dirty="0" smtClean="0"/>
           </a:p>
           <a:p>
             <a:endParaRPr lang="en-US" baseline="0" dirty="0" smtClean="0"/>
@@ -4345,15 +4307,7 @@
             </a:r>
             <a:r>
               <a:rPr lang="en-US" baseline="0" dirty="0" smtClean="0"/>
-              <a:t> we are going to develop solution in the opposite of the way we started. Instead of </a:t>
-            </a:r>
-            <a:r>
-              <a:rPr lang="en-US" baseline="0" dirty="0" smtClean="0"/>
-              <a:t>approaching </a:t>
-            </a:r>
-            <a:r>
-              <a:rPr lang="en-US" baseline="0" dirty="0" smtClean="0"/>
-              <a:t>this problem from the outside-in we are going to build it inside-out.</a:t>
+              <a:t> we are going to develop solution in the opposite of the way we started. Instead of approaching this problem from the outside-in we are going to build it inside-out.</a:t>
             </a:r>
           </a:p>
           <a:p>
@@ -4683,7 +4637,6 @@
               <a:rPr lang="en-US" dirty="0" smtClean="0"/>
               <a:t>Instructor Note: Allow 10 minutes to complete this exercise</a:t>
             </a:r>
-            <a:endParaRPr lang="en-US" dirty="0" smtClean="0"/>
           </a:p>
         </p:txBody>
       </p:sp>
@@ -8147,11 +8100,7 @@
             </a:r>
             <a:r>
               <a:rPr lang="en-US" baseline="0" dirty="0" smtClean="0"/>
-              <a:t>' platform is set </a:t>
-            </a:r>
-            <a:r>
-              <a:rPr lang="en-US" baseline="0" dirty="0" smtClean="0"/>
-              <a:t>by the </a:t>
+              <a:t>' platform is set by the </a:t>
             </a:r>
             <a:r>
               <a:rPr lang="en-US" baseline="0" dirty="0" err="1" smtClean="0"/>
@@ -8191,15 +8140,7 @@
             </a:r>
             <a:r>
               <a:rPr lang="en-US" baseline="0" dirty="0" smtClean="0"/>
-              <a:t> to provide fake </a:t>
-            </a:r>
-            <a:r>
-              <a:rPr lang="en-US" baseline="0" dirty="0" smtClean="0"/>
-              <a:t>node object data for various </a:t>
-            </a:r>
-            <a:r>
-              <a:rPr lang="en-US" baseline="0" dirty="0" smtClean="0"/>
-              <a:t>platforms.</a:t>
+              <a:t> to provide fake node object data for various platforms.</a:t>
             </a:r>
           </a:p>
           <a:p>
@@ -8509,11 +8450,7 @@
           <a:p>
             <a:r>
               <a:rPr lang="en-US" baseline="0" dirty="0" smtClean="0"/>
-              <a:t>Learning this powerful skill of gathering details will help you solve mysteries and provide more details and queries when searching for help on the Internet. The better you can get at understanding when to employ Pry and how to use it will eventually have you using documentation </a:t>
-            </a:r>
-            <a:r>
-              <a:rPr lang="en-US" baseline="0" dirty="0" smtClean="0"/>
-              <a:t>less and using executing code and source code more.</a:t>
+              <a:t>Learning this powerful skill of gathering details will help you solve mysteries and provide more details and queries when searching for help on the Internet. The better you can get at understanding when to employ Pry and how to use it will eventually have you using documentation less and using executing code and source code more.</a:t>
             </a:r>
           </a:p>
           <a:p>
@@ -15663,10 +15600,21 @@
                 <a:ea typeface="+mn-ea"/>
                 <a:cs typeface="+mn-cs"/>
               </a:rPr>
-              <a:t>1-</a:t>
+              <a:t>8</a:t>
+            </a:r>
+            <a:r>
+              <a:rPr lang="en-US" dirty="0" smtClean="0">
+                <a:solidFill>
+                  <a:srgbClr val="7F7F7F"/>
+                </a:solidFill>
+                <a:latin typeface="+mn-lt"/>
+                <a:ea typeface="+mn-ea"/>
+                <a:cs typeface="+mn-cs"/>
+              </a:rPr>
+              <a:t>-</a:t>
             </a:r>
             <a:fld id="{F0B79B2F-E1DD-4D43-95B3-EA08C411D807}" type="slidenum">
-              <a:rPr lang="en-US">
+              <a:rPr lang="en-US" smtClean="0">
                 <a:solidFill>
                   <a:srgbClr val="7F7F7F"/>
                 </a:solidFill>
@@ -16445,10 +16393,21 @@
                 <a:ea typeface="+mn-ea"/>
                 <a:cs typeface="+mn-cs"/>
               </a:rPr>
-              <a:t>1-</a:t>
+              <a:t>8</a:t>
+            </a:r>
+            <a:r>
+              <a:rPr lang="en-US" dirty="0" smtClean="0">
+                <a:solidFill>
+                  <a:srgbClr val="7F7F7F"/>
+                </a:solidFill>
+                <a:latin typeface="+mn-lt"/>
+                <a:ea typeface="+mn-ea"/>
+                <a:cs typeface="+mn-cs"/>
+              </a:rPr>
+              <a:t>-</a:t>
             </a:r>
             <a:fld id="{F0B79B2F-E1DD-4D43-95B3-EA08C411D807}" type="slidenum">
-              <a:rPr lang="en-US">
+              <a:rPr lang="en-US" smtClean="0">
                 <a:solidFill>
                   <a:srgbClr val="7F7F7F"/>
                 </a:solidFill>
@@ -18413,11 +18372,7 @@
           <a:p>
             <a:r>
               <a:rPr lang="en-US" dirty="0" smtClean="0"/>
-              <a:t>Execute the Tests to See it </a:t>
-            </a:r>
-            <a:r>
-              <a:rPr lang="en-US" dirty="0" smtClean="0"/>
-              <a:t>Pass</a:t>
+              <a:t>Execute the Tests to See it Pass</a:t>
             </a:r>
             <a:endParaRPr lang="en-US" dirty="0"/>
           </a:p>
@@ -19862,7 +19817,6 @@
               <a:rPr lang="en-US" sz="2400" b="1" dirty="0" smtClean="0"/>
               <a:t>'</a:t>
             </a:r>
-            <a:endParaRPr lang="en-US" sz="2400" b="1" dirty="0" smtClean="0"/>
           </a:p>
           <a:p>
             <a:r>
@@ -20867,11 +20821,7 @@
             </a:r>
             <a:r>
               <a:rPr lang="en-US" b="1" dirty="0" smtClean="0"/>
-              <a:t>(platform: 'centos', version: </a:t>
-            </a:r>
-            <a:r>
-              <a:rPr lang="en-US" b="1" dirty="0" smtClean="0"/>
-              <a:t>'</a:t>
+              <a:t>(platform: 'centos', version: '</a:t>
             </a:r>
             <a:r>
               <a:rPr lang="hr-HR" b="1" dirty="0" smtClean="0"/>
@@ -23606,11 +23556,7 @@
             </a:r>
             <a:r>
               <a:rPr lang="en-US" sz="2400" b="1" dirty="0" smtClean="0"/>
-              <a:t>(platform: 'centos', version: </a:t>
-            </a:r>
-            <a:r>
-              <a:rPr lang="en-US" sz="2400" b="1" dirty="0" smtClean="0"/>
-              <a:t>'</a:t>
+              <a:t>(platform: 'centos', version: '</a:t>
             </a:r>
             <a:r>
               <a:rPr lang="hr-HR" sz="2400" b="1" dirty="0" smtClean="0"/>

--- a/08-refactoring_for_multiple_platforms.pptx
+++ b/08-refactoring_for_multiple_platforms.pptx
@@ -324,7 +324,7 @@
               <a:pPr>
                 <a:defRPr/>
               </a:pPr>
-              <a:t>2016-02-27</a:t>
+              <a:t>2016-02-28</a:t>
             </a:fld>
             <a:endParaRPr lang="en-US" dirty="0"/>
           </a:p>
@@ -507,7 +507,7 @@
               <a:pPr>
                 <a:defRPr/>
               </a:pPr>
-              <a:t>2016-02-27</a:t>
+              <a:t>2016-02-28</a:t>
             </a:fld>
             <a:endParaRPr lang="en-US" dirty="0"/>
           </a:p>
@@ -9139,14 +9139,14 @@
           </a:ln>
           <a:extLst>
             <a:ext uri="{909E8E84-426E-40dd-AFC4-6F175D3DCCD1}">
-              <a14:hiddenFill xmlns="" xmlns:a14="http://schemas.microsoft.com/office/drawing/2010/main">
+              <a14:hiddenFill xmlns:a14="http://schemas.microsoft.com/office/drawing/2010/main" xmlns="">
                 <a:solidFill>
                   <a:srgbClr val="FFFFFF"/>
                 </a:solidFill>
               </a14:hiddenFill>
             </a:ext>
             <a:ext uri="{91240B29-F687-4f45-9708-019B960494DF}">
-              <a14:hiddenLine xmlns="" xmlns:a14="http://schemas.microsoft.com/office/drawing/2010/main" w="9525">
+              <a14:hiddenLine xmlns:a14="http://schemas.microsoft.com/office/drawing/2010/main" xmlns="" w="9525">
                 <a:solidFill>
                   <a:srgbClr val="000000"/>
                 </a:solidFill>
@@ -9294,14 +9294,14 @@
           </a:ln>
           <a:extLst>
             <a:ext uri="{909E8E84-426E-40dd-AFC4-6F175D3DCCD1}">
-              <a14:hiddenFill xmlns="" xmlns:a14="http://schemas.microsoft.com/office/drawing/2010/main">
+              <a14:hiddenFill xmlns:a14="http://schemas.microsoft.com/office/drawing/2010/main" xmlns="">
                 <a:solidFill>
                   <a:srgbClr val="FFFFFF"/>
                 </a:solidFill>
               </a14:hiddenFill>
             </a:ext>
             <a:ext uri="{91240B29-F687-4f45-9708-019B960494DF}">
-              <a14:hiddenLine xmlns="" xmlns:a14="http://schemas.microsoft.com/office/drawing/2010/main" w="9525">
+              <a14:hiddenLine xmlns:a14="http://schemas.microsoft.com/office/drawing/2010/main" xmlns="" w="9525">
                 <a:solidFill>
                   <a:srgbClr val="000000"/>
                 </a:solidFill>
@@ -9792,14 +9792,14 @@
           </a:ln>
           <a:extLst>
             <a:ext uri="{909E8E84-426E-40dd-AFC4-6F175D3DCCD1}">
-              <a14:hiddenFill xmlns="" xmlns:a14="http://schemas.microsoft.com/office/drawing/2010/main">
+              <a14:hiddenFill xmlns:a14="http://schemas.microsoft.com/office/drawing/2010/main" xmlns="">
                 <a:solidFill>
                   <a:srgbClr val="FFFFFF"/>
                 </a:solidFill>
               </a14:hiddenFill>
             </a:ext>
             <a:ext uri="{91240B29-F687-4f45-9708-019B960494DF}">
-              <a14:hiddenLine xmlns="" xmlns:a14="http://schemas.microsoft.com/office/drawing/2010/main" w="9525">
+              <a14:hiddenLine xmlns:a14="http://schemas.microsoft.com/office/drawing/2010/main" xmlns="" w="9525">
                 <a:solidFill>
                   <a:srgbClr val="000000"/>
                 </a:solidFill>
@@ -10038,14 +10038,14 @@
           </a:ln>
           <a:extLst>
             <a:ext uri="{909E8E84-426E-40dd-AFC4-6F175D3DCCD1}">
-              <a14:hiddenFill xmlns="" xmlns:a14="http://schemas.microsoft.com/office/drawing/2010/main">
+              <a14:hiddenFill xmlns:a14="http://schemas.microsoft.com/office/drawing/2010/main" xmlns="">
                 <a:solidFill>
                   <a:srgbClr val="FFFFFF"/>
                 </a:solidFill>
               </a14:hiddenFill>
             </a:ext>
             <a:ext uri="{91240B29-F687-4f45-9708-019B960494DF}">
-              <a14:hiddenLine xmlns="" xmlns:a14="http://schemas.microsoft.com/office/drawing/2010/main" w="9525">
+              <a14:hiddenLine xmlns:a14="http://schemas.microsoft.com/office/drawing/2010/main" xmlns="" w="9525">
                 <a:solidFill>
                   <a:srgbClr val="000000"/>
                 </a:solidFill>
@@ -11957,14 +11957,14 @@
           </a:ln>
           <a:extLst>
             <a:ext uri="{909E8E84-426E-40dd-AFC4-6F175D3DCCD1}">
-              <a14:hiddenFill xmlns="" xmlns:a14="http://schemas.microsoft.com/office/drawing/2010/main">
+              <a14:hiddenFill xmlns:a14="http://schemas.microsoft.com/office/drawing/2010/main" xmlns="">
                 <a:solidFill>
                   <a:srgbClr val="FFFFFF"/>
                 </a:solidFill>
               </a14:hiddenFill>
             </a:ext>
             <a:ext uri="{91240B29-F687-4f45-9708-019B960494DF}">
-              <a14:hiddenLine xmlns="" xmlns:a14="http://schemas.microsoft.com/office/drawing/2010/main" w="9525">
+              <a14:hiddenLine xmlns:a14="http://schemas.microsoft.com/office/drawing/2010/main" xmlns="" w="9525">
                 <a:solidFill>
                   <a:srgbClr val="000000"/>
                 </a:solidFill>
@@ -13318,14 +13318,14 @@
           </a:ln>
           <a:extLst>
             <a:ext uri="{909E8E84-426E-40dd-AFC4-6F175D3DCCD1}">
-              <a14:hiddenFill xmlns="" xmlns:a14="http://schemas.microsoft.com/office/drawing/2010/main">
+              <a14:hiddenFill xmlns:a14="http://schemas.microsoft.com/office/drawing/2010/main" xmlns="">
                 <a:solidFill>
                   <a:srgbClr val="FFFFFF"/>
                 </a:solidFill>
               </a14:hiddenFill>
             </a:ext>
             <a:ext uri="{91240B29-F687-4f45-9708-019B960494DF}">
-              <a14:hiddenLine xmlns="" xmlns:a14="http://schemas.microsoft.com/office/drawing/2010/main" w="9525">
+              <a14:hiddenLine xmlns:a14="http://schemas.microsoft.com/office/drawing/2010/main" xmlns="" w="9525">
                 <a:solidFill>
                   <a:srgbClr val="000000"/>
                 </a:solidFill>
@@ -13883,14 +13883,14 @@
           </a:ln>
           <a:extLst>
             <a:ext uri="{909E8E84-426E-40dd-AFC4-6F175D3DCCD1}">
-              <a14:hiddenFill xmlns="" xmlns:a14="http://schemas.microsoft.com/office/drawing/2010/main">
+              <a14:hiddenFill xmlns:a14="http://schemas.microsoft.com/office/drawing/2010/main" xmlns="">
                 <a:solidFill>
                   <a:srgbClr val="FFFFFF"/>
                 </a:solidFill>
               </a14:hiddenFill>
             </a:ext>
             <a:ext uri="{91240B29-F687-4f45-9708-019B960494DF}">
-              <a14:hiddenLine xmlns="" xmlns:a14="http://schemas.microsoft.com/office/drawing/2010/main" w="9525">
+              <a14:hiddenLine xmlns:a14="http://schemas.microsoft.com/office/drawing/2010/main" xmlns="" w="9525">
                 <a:solidFill>
                   <a:srgbClr val="000000"/>
                 </a:solidFill>
@@ -14457,14 +14457,14 @@
           </a:ln>
           <a:extLst>
             <a:ext uri="{909E8E84-426E-40dd-AFC4-6F175D3DCCD1}">
-              <a14:hiddenFill xmlns="" xmlns:a14="http://schemas.microsoft.com/office/drawing/2010/main">
+              <a14:hiddenFill xmlns:a14="http://schemas.microsoft.com/office/drawing/2010/main" xmlns="">
                 <a:solidFill>
                   <a:srgbClr val="FFFFFF"/>
                 </a:solidFill>
               </a14:hiddenFill>
             </a:ext>
             <a:ext uri="{91240B29-F687-4f45-9708-019B960494DF}">
-              <a14:hiddenLine xmlns="" xmlns:a14="http://schemas.microsoft.com/office/drawing/2010/main" w="9525">
+              <a14:hiddenLine xmlns:a14="http://schemas.microsoft.com/office/drawing/2010/main" xmlns="" w="9525">
                 <a:solidFill>
                   <a:srgbClr val="000000"/>
                 </a:solidFill>
@@ -15404,14 +15404,14 @@
           </a:ln>
           <a:extLst>
             <a:ext uri="{909E8E84-426E-40dd-AFC4-6F175D3DCCD1}">
-              <a14:hiddenFill xmlns="" xmlns:a14="http://schemas.microsoft.com/office/drawing/2010/main">
+              <a14:hiddenFill xmlns:a14="http://schemas.microsoft.com/office/drawing/2010/main" xmlns="">
                 <a:solidFill>
                   <a:srgbClr val="FFFFFF"/>
                 </a:solidFill>
               </a14:hiddenFill>
             </a:ext>
             <a:ext uri="{91240B29-F687-4f45-9708-019B960494DF}">
-              <a14:hiddenLine xmlns="" xmlns:a14="http://schemas.microsoft.com/office/drawing/2010/main" w="9525">
+              <a14:hiddenLine xmlns:a14="http://schemas.microsoft.com/office/drawing/2010/main" xmlns="" w="9525">
                 <a:solidFill>
                   <a:srgbClr val="000000"/>
                 </a:solidFill>
@@ -16197,14 +16197,14 @@
           </a:ln>
           <a:extLst>
             <a:ext uri="{909E8E84-426E-40dd-AFC4-6F175D3DCCD1}">
-              <a14:hiddenFill xmlns="" xmlns:a14="http://schemas.microsoft.com/office/drawing/2010/main">
+              <a14:hiddenFill xmlns:a14="http://schemas.microsoft.com/office/drawing/2010/main" xmlns="">
                 <a:solidFill>
                   <a:srgbClr val="FFFFFF"/>
                 </a:solidFill>
               </a14:hiddenFill>
             </a:ext>
             <a:ext uri="{91240B29-F687-4f45-9708-019B960494DF}">
-              <a14:hiddenLine xmlns="" xmlns:a14="http://schemas.microsoft.com/office/drawing/2010/main" w="9525">
+              <a14:hiddenLine xmlns:a14="http://schemas.microsoft.com/office/drawing/2010/main" xmlns="" w="9525">
                 <a:solidFill>
                   <a:srgbClr val="000000"/>
                 </a:solidFill>

--- a/08-refactoring_for_multiple_platforms.pptx
+++ b/08-refactoring_for_multiple_platforms.pptx
@@ -193,7 +193,7 @@
   </p:defaultTextStyle>
   <p:extLst>
     <p:ext uri="{EFAFB233-063F-42B5-8137-9DF3F51BA10A}">
-      <p15:sldGuideLst xmlns:p15="http://schemas.microsoft.com/office/powerpoint/2012/main">
+      <p15:sldGuideLst xmlns="" xmlns:p15="http://schemas.microsoft.com/office/powerpoint/2012/main">
         <p15:guide id="1" orient="horz" pos="894">
           <p15:clr>
             <a:srgbClr val="A4A3A4"/>
@@ -207,7 +207,7 @@
       </p15:sldGuideLst>
     </p:ext>
     <p:ext uri="{2D200454-40CA-4A62-9FC3-DE9A4176ACB9}">
-      <p15:notesGuideLst xmlns:p15="http://schemas.microsoft.com/office/powerpoint/2012/main"/>
+      <p15:notesGuideLst xmlns="" xmlns:p15="http://schemas.microsoft.com/office/powerpoint/2012/main"/>
     </p:ext>
   </p:extLst>
 </p:presentation>
@@ -324,7 +324,7 @@
               <a:pPr>
                 <a:defRPr/>
               </a:pPr>
-              <a:t>2016-02-28</a:t>
+              <a:t>5/10/16</a:t>
             </a:fld>
             <a:endParaRPr lang="en-US" dirty="0"/>
           </a:p>
@@ -507,7 +507,7 @@
               <a:pPr>
                 <a:defRPr/>
               </a:pPr>
-              <a:t>2016-02-28</a:t>
+              <a:t>5/10/16</a:t>
             </a:fld>
             <a:endParaRPr lang="en-US" dirty="0"/>
           </a:p>
@@ -8711,7 +8711,7 @@
   <p:clrMapOvr>
     <a:masterClrMapping/>
   </p:clrMapOvr>
-  <p:transition spd="med">
+  <p:transition xmlns:p14="http://schemas.microsoft.com/office/powerpoint/2010/main" spd="med">
     <p:fade/>
   </p:transition>
 </p:sldLayout>
@@ -9006,7 +9006,7 @@
   <p:clrMapOvr>
     <a:overrideClrMapping bg1="lt1" tx1="dk1" bg2="lt2" tx2="dk2" accent1="accent1" accent2="accent2" accent3="accent3" accent4="accent4" accent5="accent5" accent6="accent6" hlink="hlink" folHlink="folHlink"/>
   </p:clrMapOvr>
-  <p:transition spd="med">
+  <p:transition xmlns:p14="http://schemas.microsoft.com/office/powerpoint/2010/main" spd="med">
     <p:fade/>
   </p:transition>
 </p:sldLayout>
@@ -9139,14 +9139,14 @@
           </a:ln>
           <a:extLst>
             <a:ext uri="{909E8E84-426E-40dd-AFC4-6F175D3DCCD1}">
-              <a14:hiddenFill xmlns:a14="http://schemas.microsoft.com/office/drawing/2010/main" xmlns="">
+              <a14:hiddenFill xmlns:a14="http://schemas.microsoft.com/office/drawing/2010/main">
                 <a:solidFill>
                   <a:srgbClr val="FFFFFF"/>
                 </a:solidFill>
               </a14:hiddenFill>
             </a:ext>
             <a:ext uri="{91240B29-F687-4f45-9708-019B960494DF}">
-              <a14:hiddenLine xmlns:a14="http://schemas.microsoft.com/office/drawing/2010/main" xmlns="" w="9525">
+              <a14:hiddenLine xmlns:a14="http://schemas.microsoft.com/office/drawing/2010/main" w="9525">
                 <a:solidFill>
                   <a:srgbClr val="000000"/>
                 </a:solidFill>
@@ -9294,14 +9294,14 @@
           </a:ln>
           <a:extLst>
             <a:ext uri="{909E8E84-426E-40dd-AFC4-6F175D3DCCD1}">
-              <a14:hiddenFill xmlns:a14="http://schemas.microsoft.com/office/drawing/2010/main" xmlns="">
+              <a14:hiddenFill xmlns:a14="http://schemas.microsoft.com/office/drawing/2010/main">
                 <a:solidFill>
                   <a:srgbClr val="FFFFFF"/>
                 </a:solidFill>
               </a14:hiddenFill>
             </a:ext>
             <a:ext uri="{91240B29-F687-4f45-9708-019B960494DF}">
-              <a14:hiddenLine xmlns:a14="http://schemas.microsoft.com/office/drawing/2010/main" xmlns="" w="9525">
+              <a14:hiddenLine xmlns:a14="http://schemas.microsoft.com/office/drawing/2010/main" w="9525">
                 <a:solidFill>
                   <a:srgbClr val="000000"/>
                 </a:solidFill>
@@ -9699,7 +9699,7 @@
   <p:clrMapOvr>
     <a:overrideClrMapping bg1="lt1" tx1="dk1" bg2="lt2" tx2="dk2" accent1="accent1" accent2="accent2" accent3="accent3" accent4="accent4" accent5="accent5" accent6="accent6" hlink="hlink" folHlink="folHlink"/>
   </p:clrMapOvr>
-  <p:transition spd="med">
+  <p:transition xmlns:p14="http://schemas.microsoft.com/office/powerpoint/2010/main" spd="med">
     <p:fade/>
   </p:transition>
 </p:sldLayout>
@@ -9792,14 +9792,14 @@
           </a:ln>
           <a:extLst>
             <a:ext uri="{909E8E84-426E-40dd-AFC4-6F175D3DCCD1}">
-              <a14:hiddenFill xmlns:a14="http://schemas.microsoft.com/office/drawing/2010/main" xmlns="">
+              <a14:hiddenFill xmlns:a14="http://schemas.microsoft.com/office/drawing/2010/main">
                 <a:solidFill>
                   <a:srgbClr val="FFFFFF"/>
                 </a:solidFill>
               </a14:hiddenFill>
             </a:ext>
             <a:ext uri="{91240B29-F687-4f45-9708-019B960494DF}">
-              <a14:hiddenLine xmlns:a14="http://schemas.microsoft.com/office/drawing/2010/main" xmlns="" w="9525">
+              <a14:hiddenLine xmlns:a14="http://schemas.microsoft.com/office/drawing/2010/main" w="9525">
                 <a:solidFill>
                   <a:srgbClr val="000000"/>
                 </a:solidFill>
@@ -9821,7 +9821,7 @@
   <p:clrMapOvr>
     <a:masterClrMapping/>
   </p:clrMapOvr>
-  <p:transition spd="med">
+  <p:transition xmlns:p14="http://schemas.microsoft.com/office/powerpoint/2010/main" spd="med">
     <p:fade/>
   </p:transition>
 </p:sldLayout>
@@ -10038,14 +10038,14 @@
           </a:ln>
           <a:extLst>
             <a:ext uri="{909E8E84-426E-40dd-AFC4-6F175D3DCCD1}">
-              <a14:hiddenFill xmlns:a14="http://schemas.microsoft.com/office/drawing/2010/main" xmlns="">
+              <a14:hiddenFill xmlns:a14="http://schemas.microsoft.com/office/drawing/2010/main">
                 <a:solidFill>
                   <a:srgbClr val="FFFFFF"/>
                 </a:solidFill>
               </a14:hiddenFill>
             </a:ext>
             <a:ext uri="{91240B29-F687-4f45-9708-019B960494DF}">
-              <a14:hiddenLine xmlns:a14="http://schemas.microsoft.com/office/drawing/2010/main" xmlns="" w="9525">
+              <a14:hiddenLine xmlns:a14="http://schemas.microsoft.com/office/drawing/2010/main" w="9525">
                 <a:solidFill>
                   <a:srgbClr val="000000"/>
                 </a:solidFill>
@@ -10242,7 +10242,7 @@
   <p:clrMapOvr>
     <a:masterClrMapping/>
   </p:clrMapOvr>
-  <p:transition spd="med">
+  <p:transition xmlns:p14="http://schemas.microsoft.com/office/powerpoint/2010/main" spd="med">
     <p:fade/>
   </p:transition>
 </p:sldLayout>
@@ -10530,7 +10530,7 @@
   <p:clrMapOvr>
     <a:masterClrMapping/>
   </p:clrMapOvr>
-  <p:transition spd="med">
+  <p:transition xmlns:p14="http://schemas.microsoft.com/office/powerpoint/2010/main" spd="med">
     <p:fade/>
   </p:transition>
 </p:sldLayout>
@@ -10817,7 +10817,7 @@
   <p:clrMapOvr>
     <a:masterClrMapping/>
   </p:clrMapOvr>
-  <p:transition spd="med">
+  <p:transition xmlns:p14="http://schemas.microsoft.com/office/powerpoint/2010/main" spd="med">
     <p:fade/>
   </p:transition>
 </p:sldLayout>
@@ -11104,7 +11104,7 @@
   <p:clrMapOvr>
     <a:masterClrMapping/>
   </p:clrMapOvr>
-  <p:transition spd="med">
+  <p:transition xmlns:p14="http://schemas.microsoft.com/office/powerpoint/2010/main" spd="med">
     <p:fade/>
   </p:transition>
 </p:sldLayout>
@@ -11453,7 +11453,7 @@
   <p:clrMapOvr>
     <a:masterClrMapping/>
   </p:clrMapOvr>
-  <p:transition spd="med">
+  <p:transition xmlns:p14="http://schemas.microsoft.com/office/powerpoint/2010/main" spd="med">
     <p:fade/>
   </p:transition>
 </p:sldLayout>
@@ -11740,7 +11740,7 @@
   <p:clrMapOvr>
     <a:masterClrMapping/>
   </p:clrMapOvr>
-  <p:transition spd="med">
+  <p:transition xmlns:p14="http://schemas.microsoft.com/office/powerpoint/2010/main" spd="med">
     <p:fade/>
   </p:transition>
 </p:sldLayout>
@@ -11957,14 +11957,14 @@
           </a:ln>
           <a:extLst>
             <a:ext uri="{909E8E84-426E-40dd-AFC4-6F175D3DCCD1}">
-              <a14:hiddenFill xmlns:a14="http://schemas.microsoft.com/office/drawing/2010/main" xmlns="">
+              <a14:hiddenFill xmlns:a14="http://schemas.microsoft.com/office/drawing/2010/main">
                 <a:solidFill>
                   <a:srgbClr val="FFFFFF"/>
                 </a:solidFill>
               </a14:hiddenFill>
             </a:ext>
             <a:ext uri="{91240B29-F687-4f45-9708-019B960494DF}">
-              <a14:hiddenLine xmlns:a14="http://schemas.microsoft.com/office/drawing/2010/main" xmlns="" w="9525">
+              <a14:hiddenLine xmlns:a14="http://schemas.microsoft.com/office/drawing/2010/main" w="9525">
                 <a:solidFill>
                   <a:srgbClr val="000000"/>
                 </a:solidFill>
@@ -12161,7 +12161,7 @@
   <p:clrMapOvr>
     <a:masterClrMapping/>
   </p:clrMapOvr>
-  <p:transition spd="med">
+  <p:transition xmlns:p14="http://schemas.microsoft.com/office/powerpoint/2010/main" spd="med">
     <p:fade/>
   </p:transition>
 </p:sldLayout>
@@ -12338,7 +12338,7 @@
   <p:clrMapOvr>
     <a:masterClrMapping/>
   </p:clrMapOvr>
-  <p:transition spd="med">
+  <p:transition xmlns:p14="http://schemas.microsoft.com/office/powerpoint/2010/main" spd="med">
     <p:fade/>
   </p:transition>
 </p:sldLayout>
@@ -12626,7 +12626,7 @@
   <p:clrMapOvr>
     <a:masterClrMapping/>
   </p:clrMapOvr>
-  <p:transition spd="med">
+  <p:transition xmlns:p14="http://schemas.microsoft.com/office/powerpoint/2010/main" spd="med">
     <p:fade/>
   </p:transition>
 </p:sldLayout>
@@ -12938,7 +12938,7 @@
   <p:clrMapOvr>
     <a:masterClrMapping/>
   </p:clrMapOvr>
-  <p:transition spd="med">
+  <p:transition xmlns:p14="http://schemas.microsoft.com/office/powerpoint/2010/main" spd="med">
     <p:fade/>
   </p:transition>
 </p:sldLayout>
@@ -13242,7 +13242,7 @@
   <p:clrMapOvr>
     <a:masterClrMapping/>
   </p:clrMapOvr>
-  <p:transition spd="med">
+  <p:transition xmlns:p14="http://schemas.microsoft.com/office/powerpoint/2010/main" spd="med">
     <p:fade/>
   </p:transition>
 </p:sldLayout>
@@ -13318,14 +13318,14 @@
           </a:ln>
           <a:extLst>
             <a:ext uri="{909E8E84-426E-40dd-AFC4-6F175D3DCCD1}">
-              <a14:hiddenFill xmlns:a14="http://schemas.microsoft.com/office/drawing/2010/main" xmlns="">
+              <a14:hiddenFill xmlns:a14="http://schemas.microsoft.com/office/drawing/2010/main">
                 <a:solidFill>
                   <a:srgbClr val="FFFFFF"/>
                 </a:solidFill>
               </a14:hiddenFill>
             </a:ext>
             <a:ext uri="{91240B29-F687-4f45-9708-019B960494DF}">
-              <a14:hiddenLine xmlns:a14="http://schemas.microsoft.com/office/drawing/2010/main" xmlns="" w="9525">
+              <a14:hiddenLine xmlns:a14="http://schemas.microsoft.com/office/drawing/2010/main" w="9525">
                 <a:solidFill>
                   <a:srgbClr val="000000"/>
                 </a:solidFill>
@@ -13601,7 +13601,7 @@
   <p:clrMapOvr>
     <a:overrideClrMapping bg1="lt1" tx1="dk1" bg2="lt2" tx2="dk2" accent1="accent1" accent2="accent2" accent3="accent3" accent4="accent4" accent5="accent5" accent6="accent6" hlink="hlink" folHlink="folHlink"/>
   </p:clrMapOvr>
-  <p:transition spd="med">
+  <p:transition xmlns:p14="http://schemas.microsoft.com/office/powerpoint/2010/main" spd="med">
     <p:fade/>
   </p:transition>
 </p:sldLayout>
@@ -13807,7 +13807,7 @@
   <p:clrMapOvr>
     <a:overrideClrMapping bg1="lt1" tx1="dk1" bg2="lt2" tx2="dk2" accent1="accent1" accent2="accent2" accent3="accent3" accent4="accent4" accent5="accent5" accent6="accent6" hlink="hlink" folHlink="folHlink"/>
   </p:clrMapOvr>
-  <p:transition spd="med">
+  <p:transition xmlns:p14="http://schemas.microsoft.com/office/powerpoint/2010/main" spd="med">
     <p:fade/>
   </p:transition>
 </p:sldLayout>
@@ -13883,14 +13883,14 @@
           </a:ln>
           <a:extLst>
             <a:ext uri="{909E8E84-426E-40dd-AFC4-6F175D3DCCD1}">
-              <a14:hiddenFill xmlns:a14="http://schemas.microsoft.com/office/drawing/2010/main" xmlns="">
+              <a14:hiddenFill xmlns:a14="http://schemas.microsoft.com/office/drawing/2010/main">
                 <a:solidFill>
                   <a:srgbClr val="FFFFFF"/>
                 </a:solidFill>
               </a14:hiddenFill>
             </a:ext>
             <a:ext uri="{91240B29-F687-4f45-9708-019B960494DF}">
-              <a14:hiddenLine xmlns:a14="http://schemas.microsoft.com/office/drawing/2010/main" xmlns="" w="9525">
+              <a14:hiddenLine xmlns:a14="http://schemas.microsoft.com/office/drawing/2010/main" w="9525">
                 <a:solidFill>
                   <a:srgbClr val="000000"/>
                 </a:solidFill>
@@ -14173,7 +14173,7 @@
   <p:clrMapOvr>
     <a:overrideClrMapping bg1="lt1" tx1="dk1" bg2="lt2" tx2="dk2" accent1="accent1" accent2="accent2" accent3="accent3" accent4="accent4" accent5="accent5" accent6="accent6" hlink="hlink" folHlink="folHlink"/>
   </p:clrMapOvr>
-  <p:transition spd="med">
+  <p:transition xmlns:p14="http://schemas.microsoft.com/office/powerpoint/2010/main" spd="med">
     <p:fade/>
   </p:transition>
 </p:sldLayout>
@@ -14381,7 +14381,7 @@
   <p:clrMapOvr>
     <a:overrideClrMapping bg1="lt1" tx1="dk1" bg2="lt2" tx2="dk2" accent1="accent1" accent2="accent2" accent3="accent3" accent4="accent4" accent5="accent5" accent6="accent6" hlink="hlink" folHlink="folHlink"/>
   </p:clrMapOvr>
-  <p:transition spd="med">
+  <p:transition xmlns:p14="http://schemas.microsoft.com/office/powerpoint/2010/main" spd="med">
     <p:fade/>
   </p:transition>
 </p:sldLayout>
@@ -14457,14 +14457,14 @@
           </a:ln>
           <a:extLst>
             <a:ext uri="{909E8E84-426E-40dd-AFC4-6F175D3DCCD1}">
-              <a14:hiddenFill xmlns:a14="http://schemas.microsoft.com/office/drawing/2010/main" xmlns="">
+              <a14:hiddenFill xmlns:a14="http://schemas.microsoft.com/office/drawing/2010/main">
                 <a:solidFill>
                   <a:srgbClr val="FFFFFF"/>
                 </a:solidFill>
               </a14:hiddenFill>
             </a:ext>
             <a:ext uri="{91240B29-F687-4f45-9708-019B960494DF}">
-              <a14:hiddenLine xmlns:a14="http://schemas.microsoft.com/office/drawing/2010/main" xmlns="" w="9525">
+              <a14:hiddenLine xmlns:a14="http://schemas.microsoft.com/office/drawing/2010/main" w="9525">
                 <a:solidFill>
                   <a:srgbClr val="000000"/>
                 </a:solidFill>
@@ -14732,7 +14732,7 @@
   <p:clrMapOvr>
     <a:overrideClrMapping bg1="lt1" tx1="dk1" bg2="lt2" tx2="dk2" accent1="accent1" accent2="accent2" accent3="accent3" accent4="accent4" accent5="accent5" accent6="accent6" hlink="hlink" folHlink="folHlink"/>
   </p:clrMapOvr>
-  <p:transition spd="med">
+  <p:transition xmlns:p14="http://schemas.microsoft.com/office/powerpoint/2010/main" spd="med">
     <p:fade/>
   </p:transition>
 </p:sldLayout>
@@ -14960,7 +14960,7 @@
   <p:clrMapOvr>
     <a:overrideClrMapping bg1="lt1" tx1="dk1" bg2="lt2" tx2="dk2" accent1="accent1" accent2="accent2" accent3="accent3" accent4="accent4" accent5="accent5" accent6="accent6" hlink="hlink" folHlink="folHlink"/>
   </p:clrMapOvr>
-  <p:transition spd="med">
+  <p:transition xmlns:p14="http://schemas.microsoft.com/office/powerpoint/2010/main" spd="med">
     <p:fade/>
   </p:transition>
 </p:sldLayout>
@@ -15248,7 +15248,7 @@
   <p:clrMapOvr>
     <a:overrideClrMapping bg1="lt1" tx1="dk1" bg2="lt2" tx2="dk2" accent1="accent1" accent2="accent2" accent3="accent3" accent4="accent4" accent5="accent5" accent6="accent6" hlink="hlink" folHlink="folHlink"/>
   </p:clrMapOvr>
-  <p:transition spd="med">
+  <p:transition xmlns:p14="http://schemas.microsoft.com/office/powerpoint/2010/main" spd="med">
     <p:fade/>
   </p:transition>
 </p:sldLayout>
@@ -15404,14 +15404,14 @@
           </a:ln>
           <a:extLst>
             <a:ext uri="{909E8E84-426E-40dd-AFC4-6F175D3DCCD1}">
-              <a14:hiddenFill xmlns:a14="http://schemas.microsoft.com/office/drawing/2010/main" xmlns="">
+              <a14:hiddenFill xmlns:a14="http://schemas.microsoft.com/office/drawing/2010/main">
                 <a:solidFill>
                   <a:srgbClr val="FFFFFF"/>
                 </a:solidFill>
               </a14:hiddenFill>
             </a:ext>
             <a:ext uri="{91240B29-F687-4f45-9708-019B960494DF}">
-              <a14:hiddenLine xmlns:a14="http://schemas.microsoft.com/office/drawing/2010/main" xmlns="" w="9525">
+              <a14:hiddenLine xmlns:a14="http://schemas.microsoft.com/office/drawing/2010/main" w="9525">
                 <a:solidFill>
                   <a:srgbClr val="000000"/>
                 </a:solidFill>
@@ -15663,13 +15663,13 @@
     <p:sldLayoutId id="2147483867" r:id="rId13"/>
     <p:sldLayoutId id="2147483868" r:id="rId14"/>
   </p:sldLayoutIdLst>
-  <p:transition spd="med">
+  <p:transition xmlns:p14="http://schemas.microsoft.com/office/powerpoint/2010/main" spd="med">
     <p:fade/>
   </p:transition>
   <p:timing>
     <p:tnLst>
       <p:par>
-        <p:cTn id="1" dur="indefinite" restart="never" nodeType="tmRoot"/>
+        <p:cTn xmlns:p14="http://schemas.microsoft.com/office/powerpoint/2010/main" id="1" dur="indefinite" restart="never" nodeType="tmRoot"/>
       </p:par>
     </p:tnLst>
   </p:timing>
@@ -16197,14 +16197,14 @@
           </a:ln>
           <a:extLst>
             <a:ext uri="{909E8E84-426E-40dd-AFC4-6F175D3DCCD1}">
-              <a14:hiddenFill xmlns:a14="http://schemas.microsoft.com/office/drawing/2010/main" xmlns="">
+              <a14:hiddenFill xmlns:a14="http://schemas.microsoft.com/office/drawing/2010/main">
                 <a:solidFill>
                   <a:srgbClr val="FFFFFF"/>
                 </a:solidFill>
               </a14:hiddenFill>
             </a:ext>
             <a:ext uri="{91240B29-F687-4f45-9708-019B960494DF}">
-              <a14:hiddenLine xmlns:a14="http://schemas.microsoft.com/office/drawing/2010/main" xmlns="" w="9525">
+              <a14:hiddenLine xmlns:a14="http://schemas.microsoft.com/office/drawing/2010/main" w="9525">
                 <a:solidFill>
                   <a:srgbClr val="000000"/>
                 </a:solidFill>
@@ -16525,13 +16525,13 @@
     <p:sldLayoutId id="2147483856" r:id="rId7"/>
     <p:sldLayoutId id="2147483866" r:id="rId8"/>
   </p:sldLayoutIdLst>
-  <p:transition spd="med">
+  <p:transition xmlns:p14="http://schemas.microsoft.com/office/powerpoint/2010/main" spd="med">
     <p:fade/>
   </p:transition>
   <p:timing>
     <p:tnLst>
       <p:par>
-        <p:cTn id="1" dur="indefinite" restart="never" nodeType="tmRoot"/>
+        <p:cTn xmlns:p14="http://schemas.microsoft.com/office/powerpoint/2010/main" id="1" dur="indefinite" restart="never" nodeType="tmRoot"/>
       </p:par>
     </p:tnLst>
   </p:timing>
@@ -17088,13 +17088,13 @@
   <p:clrMapOvr>
     <a:masterClrMapping/>
   </p:clrMapOvr>
-  <p:transition spd="med">
+  <p:transition xmlns:p14="http://schemas.microsoft.com/office/powerpoint/2010/main" spd="med">
     <p:fade/>
   </p:transition>
   <p:timing>
     <p:tnLst>
       <p:par>
-        <p:cTn id="1" dur="indefinite" restart="never" nodeType="tmRoot"/>
+        <p:cTn xmlns:p14="http://schemas.microsoft.com/office/powerpoint/2010/main" id="1" dur="indefinite" restart="never" nodeType="tmRoot"/>
       </p:par>
     </p:tnLst>
   </p:timing>
@@ -17328,13 +17328,13 @@
   <p:clrMapOvr>
     <a:masterClrMapping/>
   </p:clrMapOvr>
-  <p:transition spd="med">
+  <p:transition xmlns:p14="http://schemas.microsoft.com/office/powerpoint/2010/main" spd="med">
     <p:fade/>
   </p:transition>
   <p:timing>
     <p:tnLst>
       <p:par>
-        <p:cTn id="1" dur="indefinite" restart="never" nodeType="tmRoot"/>
+        <p:cTn xmlns:p14="http://schemas.microsoft.com/office/powerpoint/2010/main" id="1" dur="indefinite" restart="never" nodeType="tmRoot"/>
       </p:par>
     </p:tnLst>
   </p:timing>
@@ -17639,13 +17639,13 @@
   <p:clrMapOvr>
     <a:masterClrMapping/>
   </p:clrMapOvr>
-  <p:transition spd="med">
+  <p:transition xmlns:p14="http://schemas.microsoft.com/office/powerpoint/2010/main" spd="med">
     <p:fade/>
   </p:transition>
   <p:timing>
     <p:tnLst>
       <p:par>
-        <p:cTn id="1" dur="indefinite" restart="never" nodeType="tmRoot"/>
+        <p:cTn xmlns:p14="http://schemas.microsoft.com/office/powerpoint/2010/main" id="1" dur="indefinite" restart="never" nodeType="tmRoot"/>
       </p:par>
     </p:tnLst>
   </p:timing>
@@ -17808,13 +17808,13 @@
   <p:clrMapOvr>
     <a:masterClrMapping/>
   </p:clrMapOvr>
-  <p:transition spd="med">
+  <p:transition xmlns:p14="http://schemas.microsoft.com/office/powerpoint/2010/main" spd="med">
     <p:fade/>
   </p:transition>
   <p:timing>
     <p:tnLst>
       <p:par>
-        <p:cTn id="1" dur="indefinite" restart="never" nodeType="tmRoot"/>
+        <p:cTn xmlns:p14="http://schemas.microsoft.com/office/powerpoint/2010/main" id="1" dur="indefinite" restart="never" nodeType="tmRoot"/>
       </p:par>
     </p:tnLst>
   </p:timing>
@@ -18215,13 +18215,13 @@
   <p:clrMapOvr>
     <a:masterClrMapping/>
   </p:clrMapOvr>
-  <p:transition spd="med">
+  <p:transition xmlns:p14="http://schemas.microsoft.com/office/powerpoint/2010/main" spd="med">
     <p:fade/>
   </p:transition>
   <p:timing>
     <p:tnLst>
       <p:par>
-        <p:cTn id="1" dur="indefinite" restart="never" nodeType="tmRoot"/>
+        <p:cTn xmlns:p14="http://schemas.microsoft.com/office/powerpoint/2010/main" id="1" dur="indefinite" restart="never" nodeType="tmRoot"/>
       </p:par>
     </p:tnLst>
   </p:timing>
@@ -18388,13 +18388,13 @@
   <p:clrMapOvr>
     <a:masterClrMapping/>
   </p:clrMapOvr>
-  <p:transition spd="med">
+  <p:transition xmlns:p14="http://schemas.microsoft.com/office/powerpoint/2010/main" spd="med">
     <p:fade/>
   </p:transition>
   <p:timing>
     <p:tnLst>
       <p:par>
-        <p:cTn id="1" dur="indefinite" restart="never" nodeType="tmRoot"/>
+        <p:cTn xmlns:p14="http://schemas.microsoft.com/office/powerpoint/2010/main" id="1" dur="indefinite" restart="never" nodeType="tmRoot"/>
       </p:par>
     </p:tnLst>
   </p:timing>
@@ -18830,13 +18830,13 @@
   <p:clrMapOvr>
     <a:masterClrMapping/>
   </p:clrMapOvr>
-  <p:transition spd="med">
+  <p:transition xmlns:p14="http://schemas.microsoft.com/office/powerpoint/2010/main" spd="med">
     <p:fade/>
   </p:transition>
   <p:timing>
     <p:tnLst>
       <p:par>
-        <p:cTn id="1" dur="indefinite" restart="never" nodeType="tmRoot"/>
+        <p:cTn xmlns:p14="http://schemas.microsoft.com/office/powerpoint/2010/main" id="1" dur="indefinite" restart="never" nodeType="tmRoot"/>
       </p:par>
     </p:tnLst>
   </p:timing>
@@ -18997,13 +18997,13 @@
   <p:clrMapOvr>
     <a:masterClrMapping/>
   </p:clrMapOvr>
-  <p:transition spd="med">
+  <p:transition xmlns:p14="http://schemas.microsoft.com/office/powerpoint/2010/main" spd="med">
     <p:fade/>
   </p:transition>
   <p:timing>
     <p:tnLst>
       <p:par>
-        <p:cTn id="1" dur="indefinite" restart="never" nodeType="tmRoot"/>
+        <p:cTn xmlns:p14="http://schemas.microsoft.com/office/powerpoint/2010/main" id="1" dur="indefinite" restart="never" nodeType="tmRoot"/>
       </p:par>
     </p:tnLst>
   </p:timing>
@@ -19221,13 +19221,13 @@
   <p:clrMapOvr>
     <a:masterClrMapping/>
   </p:clrMapOvr>
-  <p:transition spd="med">
+  <p:transition xmlns:p14="http://schemas.microsoft.com/office/powerpoint/2010/main" spd="med">
     <p:fade/>
   </p:transition>
   <p:timing>
     <p:tnLst>
       <p:par>
-        <p:cTn id="1" dur="indefinite" restart="never" nodeType="tmRoot"/>
+        <p:cTn xmlns:p14="http://schemas.microsoft.com/office/powerpoint/2010/main" id="1" dur="indefinite" restart="never" nodeType="tmRoot"/>
       </p:par>
     </p:tnLst>
   </p:timing>
@@ -19388,13 +19388,13 @@
   <p:clrMapOvr>
     <a:masterClrMapping/>
   </p:clrMapOvr>
-  <p:transition spd="med">
+  <p:transition xmlns:p14="http://schemas.microsoft.com/office/powerpoint/2010/main" spd="med">
     <p:fade/>
   </p:transition>
   <p:timing>
     <p:tnLst>
       <p:par>
-        <p:cTn id="1" dur="indefinite" restart="never" nodeType="tmRoot"/>
+        <p:cTn xmlns:p14="http://schemas.microsoft.com/office/powerpoint/2010/main" id="1" dur="indefinite" restart="never" nodeType="tmRoot"/>
       </p:par>
     </p:tnLst>
   </p:timing>
@@ -19512,9 +19512,16 @@
   <p:clrMapOvr>
     <a:masterClrMapping/>
   </p:clrMapOvr>
-  <p:transition spd="med">
+  <p:transition xmlns:p14="http://schemas.microsoft.com/office/powerpoint/2010/main" spd="med">
     <p:fade/>
   </p:transition>
+  <p:timing>
+    <p:tnLst>
+      <p:par>
+        <p:cTn xmlns:p14="http://schemas.microsoft.com/office/powerpoint/2010/main" id="1" dur="indefinite" restart="never" nodeType="tmRoot"/>
+      </p:par>
+    </p:tnLst>
+  </p:timing>
 </p:sld>
 </file>
 
@@ -19614,13 +19621,13 @@
   <p:clrMapOvr>
     <a:masterClrMapping/>
   </p:clrMapOvr>
-  <p:transition spd="med">
+  <p:transition xmlns:p14="http://schemas.microsoft.com/office/powerpoint/2010/main" spd="med">
     <p:fade/>
   </p:transition>
   <p:timing>
     <p:tnLst>
       <p:par>
-        <p:cTn id="1" dur="indefinite" restart="never" nodeType="tmRoot"/>
+        <p:cTn xmlns:p14="http://schemas.microsoft.com/office/powerpoint/2010/main" id="1" dur="indefinite" restart="never" nodeType="tmRoot"/>
       </p:par>
     </p:tnLst>
   </p:timing>
@@ -19974,10 +19981,6 @@
           <a:bodyPr/>
           <a:lstStyle/>
           <a:p>
-            <a:r>
-              <a:rPr lang="en-US" dirty="0" smtClean="0"/>
-              <a:t>`</a:t>
-            </a:r>
             <a:endParaRPr lang="en-US" dirty="0"/>
           </a:p>
         </p:txBody>
@@ -19992,13 +19995,13 @@
   <p:clrMapOvr>
     <a:masterClrMapping/>
   </p:clrMapOvr>
-  <p:transition spd="med">
+  <p:transition xmlns:p14="http://schemas.microsoft.com/office/powerpoint/2010/main" spd="med">
     <p:fade/>
   </p:transition>
   <p:timing>
     <p:tnLst>
       <p:par>
-        <p:cTn id="1" dur="indefinite" restart="never" nodeType="tmRoot"/>
+        <p:cTn xmlns:p14="http://schemas.microsoft.com/office/powerpoint/2010/main" id="1" dur="indefinite" restart="never" nodeType="tmRoot"/>
       </p:par>
     </p:tnLst>
   </p:timing>
@@ -20159,13 +20162,13 @@
   <p:clrMapOvr>
     <a:masterClrMapping/>
   </p:clrMapOvr>
-  <p:transition spd="med">
+  <p:transition xmlns:p14="http://schemas.microsoft.com/office/powerpoint/2010/main" spd="med">
     <p:fade/>
   </p:transition>
   <p:timing>
     <p:tnLst>
       <p:par>
-        <p:cTn id="1" dur="indefinite" restart="never" nodeType="tmRoot"/>
+        <p:cTn xmlns:p14="http://schemas.microsoft.com/office/powerpoint/2010/main" id="1" dur="indefinite" restart="never" nodeType="tmRoot"/>
       </p:par>
     </p:tnLst>
   </p:timing>
@@ -20318,13 +20321,13 @@
   <p:clrMapOvr>
     <a:masterClrMapping/>
   </p:clrMapOvr>
-  <p:transition spd="med">
+  <p:transition xmlns:p14="http://schemas.microsoft.com/office/powerpoint/2010/main" spd="med">
     <p:fade/>
   </p:transition>
   <p:timing>
     <p:tnLst>
       <p:par>
-        <p:cTn id="1" dur="indefinite" restart="never" nodeType="tmRoot"/>
+        <p:cTn xmlns:p14="http://schemas.microsoft.com/office/powerpoint/2010/main" id="1" dur="indefinite" restart="never" nodeType="tmRoot"/>
       </p:par>
     </p:tnLst>
   </p:timing>
@@ -20485,13 +20488,13 @@
   <p:clrMapOvr>
     <a:masterClrMapping/>
   </p:clrMapOvr>
-  <p:transition spd="med">
+  <p:transition xmlns:p14="http://schemas.microsoft.com/office/powerpoint/2010/main" spd="med">
     <p:fade/>
   </p:transition>
   <p:timing>
     <p:tnLst>
       <p:par>
-        <p:cTn id="1" dur="indefinite" restart="never" nodeType="tmRoot"/>
+        <p:cTn xmlns:p14="http://schemas.microsoft.com/office/powerpoint/2010/main" id="1" dur="indefinite" restart="never" nodeType="tmRoot"/>
       </p:par>
     </p:tnLst>
   </p:timing>
@@ -20673,13 +20676,13 @@
   <p:clrMapOvr>
     <a:masterClrMapping/>
   </p:clrMapOvr>
-  <p:transition spd="med">
+  <p:transition xmlns:p14="http://schemas.microsoft.com/office/powerpoint/2010/main" spd="med">
     <p:fade/>
   </p:transition>
   <p:timing>
     <p:tnLst>
       <p:par>
-        <p:cTn id="1" dur="indefinite" restart="never" nodeType="tmRoot"/>
+        <p:cTn xmlns:p14="http://schemas.microsoft.com/office/powerpoint/2010/main" id="1" dur="indefinite" restart="never" nodeType="tmRoot"/>
       </p:par>
     </p:tnLst>
   </p:timing>
@@ -21105,13 +21108,13 @@
   <p:clrMapOvr>
     <a:masterClrMapping/>
   </p:clrMapOvr>
-  <p:transition spd="med">
+  <p:transition xmlns:p14="http://schemas.microsoft.com/office/powerpoint/2010/main" spd="med">
     <p:fade/>
   </p:transition>
   <p:timing>
     <p:tnLst>
       <p:par>
-        <p:cTn id="1" dur="indefinite" restart="never" nodeType="tmRoot"/>
+        <p:cTn xmlns:p14="http://schemas.microsoft.com/office/powerpoint/2010/main" id="1" dur="indefinite" restart="never" nodeType="tmRoot"/>
       </p:par>
     </p:tnLst>
   </p:timing>
@@ -21605,13 +21608,13 @@
   <p:clrMapOvr>
     <a:masterClrMapping/>
   </p:clrMapOvr>
-  <p:transition spd="med">
+  <p:transition xmlns:p14="http://schemas.microsoft.com/office/powerpoint/2010/main" spd="med">
     <p:fade/>
   </p:transition>
   <p:timing>
     <p:tnLst>
       <p:par>
-        <p:cTn id="1" dur="indefinite" restart="never" nodeType="tmRoot"/>
+        <p:cTn xmlns:p14="http://schemas.microsoft.com/office/powerpoint/2010/main" id="1" dur="indefinite" restart="never" nodeType="tmRoot"/>
       </p:par>
     </p:tnLst>
   </p:timing>
@@ -21821,13 +21824,13 @@
   <p:clrMapOvr>
     <a:masterClrMapping/>
   </p:clrMapOvr>
-  <p:transition spd="med">
+  <p:transition xmlns:p14="http://schemas.microsoft.com/office/powerpoint/2010/main" spd="med">
     <p:fade/>
   </p:transition>
   <p:timing>
     <p:tnLst>
       <p:par>
-        <p:cTn id="1" dur="indefinite" restart="never" nodeType="tmRoot"/>
+        <p:cTn xmlns:p14="http://schemas.microsoft.com/office/powerpoint/2010/main" id="1" dur="indefinite" restart="never" nodeType="tmRoot"/>
       </p:par>
     </p:tnLst>
   </p:timing>
@@ -22301,13 +22304,13 @@
   <p:clrMapOvr>
     <a:masterClrMapping/>
   </p:clrMapOvr>
-  <p:transition spd="med">
+  <p:transition xmlns:p14="http://schemas.microsoft.com/office/powerpoint/2010/main" spd="med">
     <p:fade/>
   </p:transition>
   <p:timing>
     <p:tnLst>
       <p:par>
-        <p:cTn id="1" dur="indefinite" restart="never" nodeType="tmRoot"/>
+        <p:cTn xmlns:p14="http://schemas.microsoft.com/office/powerpoint/2010/main" id="1" dur="indefinite" restart="never" nodeType="tmRoot"/>
       </p:par>
     </p:tnLst>
   </p:timing>
@@ -22460,13 +22463,13 @@
   <p:clrMapOvr>
     <a:masterClrMapping/>
   </p:clrMapOvr>
-  <p:transition spd="med">
+  <p:transition xmlns:p14="http://schemas.microsoft.com/office/powerpoint/2010/main" spd="med">
     <p:fade/>
   </p:transition>
   <p:timing>
     <p:tnLst>
       <p:par>
-        <p:cTn id="1" dur="indefinite" restart="never" nodeType="tmRoot"/>
+        <p:cTn xmlns:p14="http://schemas.microsoft.com/office/powerpoint/2010/main" id="1" dur="indefinite" restart="never" nodeType="tmRoot"/>
       </p:par>
     </p:tnLst>
   </p:timing>
@@ -22860,13 +22863,13 @@
   <p:clrMapOvr>
     <a:masterClrMapping/>
   </p:clrMapOvr>
-  <p:transition spd="med">
+  <p:transition xmlns:p14="http://schemas.microsoft.com/office/powerpoint/2010/main" spd="med">
     <p:fade/>
   </p:transition>
   <p:timing>
     <p:tnLst>
       <p:par>
-        <p:cTn id="1" dur="indefinite" restart="never" nodeType="tmRoot"/>
+        <p:cTn xmlns:p14="http://schemas.microsoft.com/office/powerpoint/2010/main" id="1" dur="indefinite" restart="never" nodeType="tmRoot"/>
       </p:par>
     </p:tnLst>
   </p:timing>
@@ -23051,13 +23054,13 @@
   <p:clrMapOvr>
     <a:masterClrMapping/>
   </p:clrMapOvr>
-  <p:transition spd="med">
+  <p:transition xmlns:p14="http://schemas.microsoft.com/office/powerpoint/2010/main" spd="med">
     <p:fade/>
   </p:transition>
   <p:timing>
     <p:tnLst>
       <p:par>
-        <p:cTn id="1" dur="indefinite" restart="never" nodeType="tmRoot"/>
+        <p:cTn xmlns:p14="http://schemas.microsoft.com/office/powerpoint/2010/main" id="1" dur="indefinite" restart="never" nodeType="tmRoot"/>
       </p:par>
     </p:tnLst>
   </p:timing>
@@ -23412,13 +23415,13 @@
   <p:clrMapOvr>
     <a:masterClrMapping/>
   </p:clrMapOvr>
-  <p:transition spd="med">
+  <p:transition xmlns:p14="http://schemas.microsoft.com/office/powerpoint/2010/main" spd="med">
     <p:fade/>
   </p:transition>
   <p:timing>
     <p:tnLst>
       <p:par>
-        <p:cTn id="1" dur="indefinite" restart="never" nodeType="tmRoot"/>
+        <p:cTn xmlns:p14="http://schemas.microsoft.com/office/powerpoint/2010/main" id="1" dur="indefinite" restart="never" nodeType="tmRoot"/>
       </p:par>
     </p:tnLst>
   </p:timing>
@@ -23807,13 +23810,13 @@
   <p:clrMapOvr>
     <a:masterClrMapping/>
   </p:clrMapOvr>
-  <p:transition spd="med">
+  <p:transition xmlns:p14="http://schemas.microsoft.com/office/powerpoint/2010/main" spd="med">
     <p:fade/>
   </p:transition>
   <p:timing>
     <p:tnLst>
       <p:par>
-        <p:cTn id="1" dur="indefinite" restart="never" nodeType="tmRoot"/>
+        <p:cTn xmlns:p14="http://schemas.microsoft.com/office/powerpoint/2010/main" id="1" dur="indefinite" restart="never" nodeType="tmRoot"/>
       </p:par>
     </p:tnLst>
   </p:timing>
@@ -24203,13 +24206,13 @@
   <p:clrMapOvr>
     <a:masterClrMapping/>
   </p:clrMapOvr>
-  <p:transition spd="med">
+  <p:transition xmlns:p14="http://schemas.microsoft.com/office/powerpoint/2010/main" spd="med">
     <p:fade/>
   </p:transition>
   <p:timing>
     <p:tnLst>
       <p:par>
-        <p:cTn id="1" dur="indefinite" restart="never" nodeType="tmRoot"/>
+        <p:cTn xmlns:p14="http://schemas.microsoft.com/office/powerpoint/2010/main" id="1" dur="indefinite" restart="never" nodeType="tmRoot"/>
       </p:par>
     </p:tnLst>
   </p:timing>
@@ -24371,13 +24374,13 @@
   <p:clrMapOvr>
     <a:masterClrMapping/>
   </p:clrMapOvr>
-  <p:transition spd="med">
+  <p:transition xmlns:p14="http://schemas.microsoft.com/office/powerpoint/2010/main" spd="med">
     <p:fade/>
   </p:transition>
   <p:timing>
     <p:tnLst>
       <p:par>
-        <p:cTn id="1" dur="indefinite" restart="never" nodeType="tmRoot"/>
+        <p:cTn xmlns:p14="http://schemas.microsoft.com/office/powerpoint/2010/main" id="1" dur="indefinite" restart="never" nodeType="tmRoot"/>
       </p:par>
     </p:tnLst>
   </p:timing>
@@ -24947,13 +24950,13 @@
   <p:clrMapOvr>
     <a:masterClrMapping/>
   </p:clrMapOvr>
-  <p:transition spd="med">
+  <p:transition xmlns:p14="http://schemas.microsoft.com/office/powerpoint/2010/main" spd="med">
     <p:fade/>
   </p:transition>
   <p:timing>
     <p:tnLst>
       <p:par>
-        <p:cTn id="1" dur="indefinite" restart="never" nodeType="tmRoot"/>
+        <p:cTn xmlns:p14="http://schemas.microsoft.com/office/powerpoint/2010/main" id="1" dur="indefinite" restart="never" nodeType="tmRoot"/>
       </p:par>
     </p:tnLst>
   </p:timing>
@@ -25115,13 +25118,13 @@
   <p:clrMapOvr>
     <a:masterClrMapping/>
   </p:clrMapOvr>
-  <p:transition spd="med">
+  <p:transition xmlns:p14="http://schemas.microsoft.com/office/powerpoint/2010/main" spd="med">
     <p:fade/>
   </p:transition>
   <p:timing>
     <p:tnLst>
       <p:par>
-        <p:cTn id="1" dur="indefinite" restart="never" nodeType="tmRoot"/>
+        <p:cTn xmlns:p14="http://schemas.microsoft.com/office/powerpoint/2010/main" id="1" dur="indefinite" restart="never" nodeType="tmRoot"/>
       </p:par>
     </p:tnLst>
   </p:timing>
@@ -25477,71 +25480,6 @@
       </p:sp>
       <p:sp>
         <p:nvSpPr>
-          <p:cNvPr id="7" name="Rectangle 6"/>
-          <p:cNvSpPr/>
-          <p:nvPr/>
-        </p:nvSpPr>
-        <p:spPr bwMode="auto">
-          <a:xfrm>
-            <a:off x="1121833" y="5775290"/>
-            <a:ext cx="14414500" cy="513691"/>
-          </a:xfrm>
-          <a:prstGeom prst="rect">
-            <a:avLst/>
-          </a:prstGeom>
-          <a:solidFill>
-            <a:srgbClr val="108001">
-              <a:alpha val="25000"/>
-            </a:srgbClr>
-          </a:solidFill>
-          <a:ln>
-            <a:noFill/>
-            <a:headEnd type="none" w="med" len="med"/>
-            <a:tailEnd type="none" w="med" len="med"/>
-          </a:ln>
-          <a:effectLst/>
-        </p:spPr>
-        <p:style>
-          <a:lnRef idx="1">
-            <a:schemeClr val="accent4"/>
-          </a:lnRef>
-          <a:fillRef idx="3">
-            <a:schemeClr val="accent4"/>
-          </a:fillRef>
-          <a:effectRef idx="2">
-            <a:schemeClr val="accent4"/>
-          </a:effectRef>
-          <a:fontRef idx="minor">
-            <a:schemeClr val="lt1"/>
-          </a:fontRef>
-        </p:style>
-        <p:txBody>
-          <a:bodyPr vert="horz" wrap="square" lIns="91436" tIns="45718" rIns="91436" bIns="45718" numCol="1" rtlCol="0" anchor="ctr" anchorCtr="0" compatLnSpc="1">
-            <a:prstTxWarp prst="textNoShape">
-              <a:avLst/>
-            </a:prstTxWarp>
-          </a:bodyPr>
-          <a:lstStyle/>
-          <a:p>
-            <a:pPr algn="r" defTabSz="914099"/>
-            <a:endParaRPr lang="en-US" sz="2400" dirty="0" smtClean="0">
-              <a:gradFill>
-                <a:gsLst>
-                  <a:gs pos="0">
-                    <a:srgbClr val="FFFFFF"/>
-                  </a:gs>
-                  <a:gs pos="100000">
-                    <a:srgbClr val="FFFFFF"/>
-                  </a:gs>
-                </a:gsLst>
-                <a:lin ang="5400000" scaled="0"/>
-              </a:gradFill>
-            </a:endParaRPr>
-          </a:p>
-        </p:txBody>
-      </p:sp>
-      <p:sp>
-        <p:nvSpPr>
           <p:cNvPr id="8" name="Text Placeholder 5"/>
           <p:cNvSpPr>
             <a:spLocks noGrp="1"/>
@@ -25574,13 +25512,13 @@
   <p:clrMapOvr>
     <a:masterClrMapping/>
   </p:clrMapOvr>
-  <p:transition spd="med">
+  <p:transition xmlns:p14="http://schemas.microsoft.com/office/powerpoint/2010/main" spd="med">
     <p:fade/>
   </p:transition>
   <p:timing>
     <p:tnLst>
       <p:par>
-        <p:cTn id="1" dur="indefinite" restart="never" nodeType="tmRoot"/>
+        <p:cTn xmlns:p14="http://schemas.microsoft.com/office/powerpoint/2010/main" id="1" dur="indefinite" restart="never" nodeType="tmRoot"/>
       </p:par>
     </p:tnLst>
   </p:timing>
@@ -25750,13 +25688,13 @@
   <p:clrMapOvr>
     <a:masterClrMapping/>
   </p:clrMapOvr>
-  <p:transition spd="med">
+  <p:transition xmlns:p14="http://schemas.microsoft.com/office/powerpoint/2010/main" spd="med">
     <p:fade/>
   </p:transition>
   <p:timing>
     <p:tnLst>
       <p:par>
-        <p:cTn id="1" dur="indefinite" restart="never" nodeType="tmRoot"/>
+        <p:cTn xmlns:p14="http://schemas.microsoft.com/office/powerpoint/2010/main" id="1" dur="indefinite" restart="never" nodeType="tmRoot"/>
       </p:par>
     </p:tnLst>
   </p:timing>
@@ -26321,13 +26259,13 @@
   <p:clrMapOvr>
     <a:masterClrMapping/>
   </p:clrMapOvr>
-  <p:transition spd="med">
+  <p:transition xmlns:p14="http://schemas.microsoft.com/office/powerpoint/2010/main" spd="med">
     <p:fade/>
   </p:transition>
   <p:timing>
     <p:tnLst>
       <p:par>
-        <p:cTn id="1" dur="indefinite" restart="never" nodeType="tmRoot"/>
+        <p:cTn xmlns:p14="http://schemas.microsoft.com/office/powerpoint/2010/main" id="1" dur="indefinite" restart="never" nodeType="tmRoot"/>
       </p:par>
     </p:tnLst>
   </p:timing>
@@ -26587,13 +26525,13 @@
   <p:clrMapOvr>
     <a:masterClrMapping/>
   </p:clrMapOvr>
-  <p:transition spd="med">
+  <p:transition xmlns:p14="http://schemas.microsoft.com/office/powerpoint/2010/main" spd="med">
     <p:fade/>
   </p:transition>
   <p:timing>
     <p:tnLst>
       <p:par>
-        <p:cTn id="1" dur="indefinite" restart="never" nodeType="tmRoot"/>
+        <p:cTn xmlns:p14="http://schemas.microsoft.com/office/powerpoint/2010/main" id="1" dur="indefinite" restart="never" nodeType="tmRoot"/>
       </p:par>
     </p:tnLst>
   </p:timing>
@@ -26976,13 +26914,13 @@
   <p:clrMapOvr>
     <a:masterClrMapping/>
   </p:clrMapOvr>
-  <p:transition spd="med">
+  <p:transition xmlns:p14="http://schemas.microsoft.com/office/powerpoint/2010/main" spd="med">
     <p:fade/>
   </p:transition>
   <p:timing>
     <p:tnLst>
       <p:par>
-        <p:cTn id="1" dur="indefinite" restart="never" nodeType="tmRoot"/>
+        <p:cTn xmlns:p14="http://schemas.microsoft.com/office/powerpoint/2010/main" id="1" dur="indefinite" restart="never" nodeType="tmRoot"/>
       </p:par>
     </p:tnLst>
   </p:timing>
@@ -27080,13 +27018,13 @@
   <p:clrMapOvr>
     <a:masterClrMapping/>
   </p:clrMapOvr>
-  <p:transition spd="med">
+  <p:transition xmlns:p14="http://schemas.microsoft.com/office/powerpoint/2010/main" spd="med">
     <p:fade/>
   </p:transition>
   <p:timing>
     <p:tnLst>
       <p:par>
-        <p:cTn id="1" dur="indefinite" restart="never" nodeType="tmRoot"/>
+        <p:cTn xmlns:p14="http://schemas.microsoft.com/office/powerpoint/2010/main" id="1" dur="indefinite" restart="never" nodeType="tmRoot"/>
       </p:par>
     </p:tnLst>
   </p:timing>
@@ -27205,13 +27143,13 @@
   <p:clrMapOvr>
     <a:masterClrMapping/>
   </p:clrMapOvr>
-  <p:transition spd="med">
+  <p:transition xmlns:p14="http://schemas.microsoft.com/office/powerpoint/2010/main" spd="med">
     <p:fade/>
   </p:transition>
   <p:timing>
     <p:tnLst>
       <p:par>
-        <p:cTn id="1" dur="indefinite" restart="never" nodeType="tmRoot"/>
+        <p:cTn xmlns:p14="http://schemas.microsoft.com/office/powerpoint/2010/main" id="1" dur="indefinite" restart="never" nodeType="tmRoot"/>
       </p:par>
     </p:tnLst>
   </p:timing>
@@ -27464,13 +27402,13 @@
   <p:clrMapOvr>
     <a:masterClrMapping/>
   </p:clrMapOvr>
-  <p:transition spd="med">
+  <p:transition xmlns:p14="http://schemas.microsoft.com/office/powerpoint/2010/main" spd="med">
     <p:fade/>
   </p:transition>
   <p:timing>
     <p:tnLst>
       <p:par>
-        <p:cTn id="1" dur="indefinite" restart="never" nodeType="tmRoot"/>
+        <p:cTn xmlns:p14="http://schemas.microsoft.com/office/powerpoint/2010/main" id="1" dur="indefinite" restart="never" nodeType="tmRoot"/>
       </p:par>
     </p:tnLst>
   </p:timing>
@@ -27664,13 +27602,13 @@
   <p:clrMapOvr>
     <a:masterClrMapping/>
   </p:clrMapOvr>
-  <p:transition spd="med">
+  <p:transition xmlns:p14="http://schemas.microsoft.com/office/powerpoint/2010/main" spd="med">
     <p:fade/>
   </p:transition>
   <p:timing>
     <p:tnLst>
       <p:par>
-        <p:cTn id="1" dur="indefinite" restart="never" nodeType="tmRoot"/>
+        <p:cTn xmlns:p14="http://schemas.microsoft.com/office/powerpoint/2010/main" id="1" dur="indefinite" restart="never" nodeType="tmRoot"/>
       </p:par>
     </p:tnLst>
   </p:timing>
@@ -27789,13 +27727,13 @@
   <p:clrMapOvr>
     <a:masterClrMapping/>
   </p:clrMapOvr>
-  <p:transition spd="med">
+  <p:transition xmlns:p14="http://schemas.microsoft.com/office/powerpoint/2010/main" spd="med">
     <p:fade/>
   </p:transition>
   <p:timing>
     <p:tnLst>
       <p:par>
-        <p:cTn id="1" dur="indefinite" restart="never" nodeType="tmRoot"/>
+        <p:cTn xmlns:p14="http://schemas.microsoft.com/office/powerpoint/2010/main" id="1" dur="indefinite" restart="never" nodeType="tmRoot"/>
       </p:par>
     </p:tnLst>
   </p:timing>
@@ -27960,13 +27898,13 @@
   <p:clrMapOvr>
     <a:masterClrMapping/>
   </p:clrMapOvr>
-  <p:transition spd="med">
+  <p:transition xmlns:p14="http://schemas.microsoft.com/office/powerpoint/2010/main" spd="med">
     <p:fade/>
   </p:transition>
   <p:timing>
     <p:tnLst>
       <p:par>
-        <p:cTn id="1" dur="indefinite" restart="never" nodeType="tmRoot"/>
+        <p:cTn xmlns:p14="http://schemas.microsoft.com/office/powerpoint/2010/main" id="1" dur="indefinite" restart="never" nodeType="tmRoot"/>
       </p:par>
     </p:tnLst>
   </p:timing>
@@ -28229,13 +28167,13 @@
   <p:clrMapOvr>
     <a:masterClrMapping/>
   </p:clrMapOvr>
-  <p:transition spd="med">
+  <p:transition xmlns:p14="http://schemas.microsoft.com/office/powerpoint/2010/main" spd="med">
     <p:fade/>
   </p:transition>
   <p:timing>
     <p:tnLst>
       <p:par>
-        <p:cTn id="1" dur="indefinite" restart="never" nodeType="tmRoot"/>
+        <p:cTn xmlns:p14="http://schemas.microsoft.com/office/powerpoint/2010/main" id="1" dur="indefinite" restart="never" nodeType="tmRoot"/>
       </p:par>
     </p:tnLst>
   </p:timing>
@@ -28355,13 +28293,13 @@
   <p:clrMapOvr>
     <a:masterClrMapping/>
   </p:clrMapOvr>
-  <p:transition spd="med">
+  <p:transition xmlns:p14="http://schemas.microsoft.com/office/powerpoint/2010/main" spd="med">
     <p:fade/>
   </p:transition>
   <p:timing>
     <p:tnLst>
       <p:par>
-        <p:cTn id="1" dur="indefinite" restart="never" nodeType="tmRoot"/>
+        <p:cTn xmlns:p14="http://schemas.microsoft.com/office/powerpoint/2010/main" id="1" dur="indefinite" restart="never" nodeType="tmRoot"/>
       </p:par>
     </p:tnLst>
   </p:timing>
@@ -28443,13 +28381,13 @@
   <p:clrMapOvr>
     <a:masterClrMapping/>
   </p:clrMapOvr>
-  <p:transition spd="med">
+  <p:transition xmlns:p14="http://schemas.microsoft.com/office/powerpoint/2010/main" spd="med">
     <p:fade/>
   </p:transition>
   <p:timing>
     <p:tnLst>
       <p:par>
-        <p:cTn id="1" dur="indefinite" restart="never" nodeType="tmRoot"/>
+        <p:cTn xmlns:p14="http://schemas.microsoft.com/office/powerpoint/2010/main" id="1" dur="indefinite" restart="never" nodeType="tmRoot"/>
       </p:par>
     </p:tnLst>
   </p:timing>
@@ -28739,13 +28677,13 @@
   <p:clrMapOvr>
     <a:masterClrMapping/>
   </p:clrMapOvr>
-  <p:transition spd="med">
+  <p:transition xmlns:p14="http://schemas.microsoft.com/office/powerpoint/2010/main" spd="med">
     <p:fade/>
   </p:transition>
   <p:timing>
     <p:tnLst>
       <p:par>
-        <p:cTn id="1" dur="indefinite" restart="never" nodeType="tmRoot"/>
+        <p:cTn xmlns:p14="http://schemas.microsoft.com/office/powerpoint/2010/main" id="1" dur="indefinite" restart="never" nodeType="tmRoot"/>
       </p:par>
     </p:tnLst>
   </p:timing>
@@ -28906,13 +28844,13 @@
   <p:clrMapOvr>
     <a:masterClrMapping/>
   </p:clrMapOvr>
-  <p:transition spd="med">
+  <p:transition xmlns:p14="http://schemas.microsoft.com/office/powerpoint/2010/main" spd="med">
     <p:fade/>
   </p:transition>
   <p:timing>
     <p:tnLst>
       <p:par>
-        <p:cTn id="1" dur="indefinite" restart="never" nodeType="tmRoot"/>
+        <p:cTn xmlns:p14="http://schemas.microsoft.com/office/powerpoint/2010/main" id="1" dur="indefinite" restart="never" nodeType="tmRoot"/>
       </p:par>
     </p:tnLst>
   </p:timing>
@@ -28946,13 +28884,13 @@
   <p:clrMapOvr>
     <a:masterClrMapping/>
   </p:clrMapOvr>
-  <p:transition spd="med">
+  <p:transition xmlns:p14="http://schemas.microsoft.com/office/powerpoint/2010/main" spd="med">
     <p:fade/>
   </p:transition>
   <p:timing>
     <p:tnLst>
       <p:par>
-        <p:cTn id="1" dur="indefinite" restart="never" nodeType="tmRoot"/>
+        <p:cTn xmlns:p14="http://schemas.microsoft.com/office/powerpoint/2010/main" id="1" dur="indefinite" restart="never" nodeType="tmRoot"/>
       </p:par>
     </p:tnLst>
   </p:timing>
@@ -29095,13 +29033,13 @@
   <p:clrMapOvr>
     <a:masterClrMapping/>
   </p:clrMapOvr>
-  <p:transition spd="med">
+  <p:transition xmlns:p14="http://schemas.microsoft.com/office/powerpoint/2010/main" spd="med">
     <p:fade/>
   </p:transition>
   <p:timing>
     <p:tnLst>
       <p:par>
-        <p:cTn id="1" dur="indefinite" restart="never" nodeType="tmRoot"/>
+        <p:cTn xmlns:p14="http://schemas.microsoft.com/office/powerpoint/2010/main" id="1" dur="indefinite" restart="never" nodeType="tmRoot"/>
       </p:par>
     </p:tnLst>
   </p:timing>
@@ -29332,13 +29270,13 @@
   <p:clrMapOvr>
     <a:masterClrMapping/>
   </p:clrMapOvr>
-  <p:transition spd="med">
+  <p:transition xmlns:p14="http://schemas.microsoft.com/office/powerpoint/2010/main" spd="med">
     <p:fade/>
   </p:transition>
   <p:timing>
     <p:tnLst>
       <p:par>
-        <p:cTn id="1" dur="indefinite" restart="never" nodeType="tmRoot"/>
+        <p:cTn xmlns:p14="http://schemas.microsoft.com/office/powerpoint/2010/main" id="1" dur="indefinite" restart="never" nodeType="tmRoot"/>
       </p:par>
     </p:tnLst>
   </p:timing>
@@ -29445,13 +29383,13 @@
   <p:clrMapOvr>
     <a:masterClrMapping/>
   </p:clrMapOvr>
-  <p:transition spd="med">
+  <p:transition xmlns:p14="http://schemas.microsoft.com/office/powerpoint/2010/main" spd="med">
     <p:fade/>
   </p:transition>
   <p:timing>
     <p:tnLst>
       <p:par>
-        <p:cTn id="1" dur="indefinite" restart="never" nodeType="tmRoot"/>
+        <p:cTn xmlns:p14="http://schemas.microsoft.com/office/powerpoint/2010/main" id="1" dur="indefinite" restart="never" nodeType="tmRoot"/>
       </p:par>
     </p:tnLst>
   </p:timing>
@@ -29810,13 +29748,13 @@
   <p:clrMapOvr>
     <a:masterClrMapping/>
   </p:clrMapOvr>
-  <p:transition spd="med">
+  <p:transition xmlns:p14="http://schemas.microsoft.com/office/powerpoint/2010/main" spd="med">
     <p:fade/>
   </p:transition>
   <p:timing>
     <p:tnLst>
       <p:par>
-        <p:cTn id="1" dur="indefinite" restart="never" nodeType="tmRoot"/>
+        <p:cTn xmlns:p14="http://schemas.microsoft.com/office/powerpoint/2010/main" id="1" dur="indefinite" restart="never" nodeType="tmRoot"/>
       </p:par>
     </p:tnLst>
   </p:timing>
@@ -30199,7 +30137,7 @@
   <a:extraClrSchemeLst/>
   <a:extLst>
     <a:ext uri="{05A4C25C-085E-4340-85A3-A5531E510DB2}">
-      <thm15:themeFamily xmlns:thm15="http://schemas.microsoft.com/office/thememl/2012/main" name="Chef-TemplateComps_v09-16x9-Light.potx" id="{078CEFDB-FA7A-4E36-9964-13EF367585CB}" vid="{8B87B0F3-7308-43D5-8388-E1B49EA02652}"/>
+      <thm15:themeFamily xmlns="" xmlns:thm15="http://schemas.microsoft.com/office/thememl/2012/main" name="Chef-TemplateComps_v09-16x9-Light.potx" id="{078CEFDB-FA7A-4E36-9964-13EF367585CB}" vid="{8B87B0F3-7308-43D5-8388-E1B49EA02652}"/>
     </a:ext>
   </a:extLst>
 </a:theme>
@@ -30581,7 +30519,7 @@
   <a:extraClrSchemeLst/>
   <a:extLst>
     <a:ext uri="{05A4C25C-085E-4340-85A3-A5531E510DB2}">
-      <thm15:themeFamily xmlns:thm15="http://schemas.microsoft.com/office/thememl/2012/main" name="Chef-TemplateComps_v09-16x9-Light.potx" id="{078CEFDB-FA7A-4E36-9964-13EF367585CB}" vid="{8B87B0F3-7308-43D5-8388-E1B49EA02652}"/>
+      <thm15:themeFamily xmlns="" xmlns:thm15="http://schemas.microsoft.com/office/thememl/2012/main" name="Chef-TemplateComps_v09-16x9-Light.potx" id="{078CEFDB-FA7A-4E36-9964-13EF367585CB}" vid="{8B87B0F3-7308-43D5-8388-E1B49EA02652}"/>
     </a:ext>
   </a:extLst>
 </a:theme>

--- a/08-refactoring_for_multiple_platforms.pptx
+++ b/08-refactoring_for_multiple_platforms.pptx
@@ -193,7 +193,7 @@
   </p:defaultTextStyle>
   <p:extLst>
     <p:ext uri="{EFAFB233-063F-42B5-8137-9DF3F51BA10A}">
-      <p15:sldGuideLst xmlns="" xmlns:p15="http://schemas.microsoft.com/office/powerpoint/2012/main">
+      <p15:sldGuideLst xmlns:p15="http://schemas.microsoft.com/office/powerpoint/2012/main" xmlns="">
         <p15:guide id="1" orient="horz" pos="894">
           <p15:clr>
             <a:srgbClr val="A4A3A4"/>
@@ -207,7 +207,7 @@
       </p15:sldGuideLst>
     </p:ext>
     <p:ext uri="{2D200454-40CA-4A62-9FC3-DE9A4176ACB9}">
-      <p15:notesGuideLst xmlns="" xmlns:p15="http://schemas.microsoft.com/office/powerpoint/2012/main"/>
+      <p15:notesGuideLst xmlns:p15="http://schemas.microsoft.com/office/powerpoint/2012/main" xmlns=""/>
     </p:ext>
   </p:extLst>
 </p:presentation>
@@ -324,7 +324,7 @@
               <a:pPr>
                 <a:defRPr/>
               </a:pPr>
-              <a:t>5/10/16</a:t>
+              <a:t>8/29/16</a:t>
             </a:fld>
             <a:endParaRPr lang="en-US" dirty="0"/>
           </a:p>
@@ -507,7 +507,7 @@
               <a:pPr>
                 <a:defRPr/>
               </a:pPr>
-              <a:t>5/10/16</a:t>
+              <a:t>8/29/16</a:t>
             </a:fld>
             <a:endParaRPr lang="en-US" dirty="0"/>
           </a:p>
@@ -6882,7 +6882,7 @@
             </a:r>
             <a:r>
               <a:rPr lang="en-US" baseline="0" dirty="0" err="1" smtClean="0"/>
-              <a:t>ServerSpec</a:t>
+              <a:t>InSpec</a:t>
             </a:r>
             <a:r>
               <a:rPr lang="en-US" baseline="0" dirty="0" smtClean="0"/>
@@ -27211,125 +27211,105 @@
         <p:spPr/>
         <p:txBody>
           <a:bodyPr>
-            <a:normAutofit fontScale="77500" lnSpcReduction="20000"/>
+            <a:normAutofit fontScale="92500" lnSpcReduction="10000"/>
           </a:bodyPr>
           <a:lstStyle/>
           <a:p>
             <a:r>
+              <a:rPr lang="en-US" dirty="0"/>
+              <a:t>---</a:t>
+            </a:r>
+          </a:p>
+          <a:p>
+            <a:r>
+              <a:rPr lang="en-US" dirty="0"/>
+              <a:t>driver:</a:t>
+            </a:r>
+          </a:p>
+          <a:p>
+            <a:r>
+              <a:rPr lang="en-US" dirty="0"/>
+              <a:t>  name: </a:t>
+            </a:r>
+            <a:r>
+              <a:rPr lang="en-US" dirty="0" err="1"/>
+              <a:t>docker</a:t>
+            </a:r>
+            <a:endParaRPr lang="en-US" dirty="0"/>
+          </a:p>
+          <a:p>
+            <a:endParaRPr lang="en-US" dirty="0"/>
+          </a:p>
+          <a:p>
+            <a:r>
+              <a:rPr lang="en-US" dirty="0" err="1"/>
+              <a:t>provisioner</a:t>
+            </a:r>
+            <a:r>
+              <a:rPr lang="en-US" dirty="0"/>
+              <a:t>:</a:t>
+            </a:r>
+          </a:p>
+          <a:p>
+            <a:r>
+              <a:rPr lang="en-US" dirty="0"/>
+              <a:t>  name: </a:t>
+            </a:r>
+            <a:r>
+              <a:rPr lang="en-US" dirty="0" err="1"/>
+              <a:t>chef_zero</a:t>
+            </a:r>
+            <a:endParaRPr lang="en-US" dirty="0"/>
+          </a:p>
+          <a:p>
+            <a:endParaRPr lang="en-US" dirty="0"/>
+          </a:p>
+          <a:p>
+            <a:r>
+              <a:rPr lang="en-US" dirty="0"/>
+              <a:t>verifier:</a:t>
+            </a:r>
+          </a:p>
+          <a:p>
+            <a:r>
+              <a:rPr lang="en-US" dirty="0"/>
+              <a:t>  name: </a:t>
+            </a:r>
+            <a:r>
+              <a:rPr lang="en-US" dirty="0" err="1"/>
+              <a:t>inspec</a:t>
+            </a:r>
+            <a:endParaRPr lang="en-US" dirty="0"/>
+          </a:p>
+          <a:p>
+            <a:endParaRPr lang="en-US" dirty="0"/>
+          </a:p>
+          <a:p>
+            <a:r>
+              <a:rPr lang="en-US" dirty="0"/>
+              <a:t>platforms:</a:t>
+            </a:r>
+          </a:p>
+          <a:p>
+            <a:r>
+              <a:rPr lang="en-US" dirty="0"/>
+              <a:t>  - name: centos-</a:t>
+            </a:r>
+            <a:r>
+              <a:rPr lang="en-US" dirty="0" smtClean="0"/>
+              <a:t>6.7</a:t>
+            </a:r>
+          </a:p>
+          <a:p>
+            <a:r>
               <a:rPr lang="en-US" b="1" dirty="0"/>
-              <a:t>---</a:t>
-            </a:r>
-          </a:p>
-          <a:p>
-            <a:r>
-              <a:rPr lang="en-US" b="1" dirty="0"/>
-              <a:t>driver:</a:t>
-            </a:r>
-          </a:p>
-          <a:p>
-            <a:r>
-              <a:rPr lang="en-US" b="1" dirty="0"/>
-              <a:t>  name: </a:t>
-            </a:r>
-            <a:r>
-              <a:rPr lang="en-US" b="1" dirty="0" err="1"/>
-              <a:t>docker</a:t>
+              <a:t> </a:t>
+            </a:r>
+            <a:r>
+              <a:rPr lang="en-US" b="1" dirty="0" smtClean="0"/>
+              <a:t> - name: ubuntu-14.04</a:t>
             </a:r>
             <a:endParaRPr lang="en-US" b="1" dirty="0"/>
-          </a:p>
-          <a:p>
-            <a:endParaRPr lang="en-US" b="1" dirty="0"/>
-          </a:p>
-          <a:p>
-            <a:r>
-              <a:rPr lang="en-US" b="1" dirty="0" err="1"/>
-              <a:t>provisioner</a:t>
-            </a:r>
-            <a:r>
-              <a:rPr lang="en-US" b="1" dirty="0"/>
-              <a:t>:</a:t>
-            </a:r>
-          </a:p>
-          <a:p>
-            <a:r>
-              <a:rPr lang="en-US" b="1" dirty="0"/>
-              <a:t>  name: </a:t>
-            </a:r>
-            <a:r>
-              <a:rPr lang="en-US" b="1" dirty="0" err="1"/>
-              <a:t>chef_zero</a:t>
-            </a:r>
-            <a:endParaRPr lang="en-US" b="1" dirty="0"/>
-          </a:p>
-          <a:p>
-            <a:endParaRPr lang="en-US" b="1" dirty="0"/>
-          </a:p>
-          <a:p>
-            <a:r>
-              <a:rPr lang="en-US" b="1" dirty="0"/>
-              <a:t>platforms:</a:t>
-            </a:r>
-          </a:p>
-          <a:p>
-            <a:r>
-              <a:rPr lang="en-US" b="1" dirty="0"/>
-              <a:t>  - name: centos-6.7</a:t>
-            </a:r>
-          </a:p>
-          <a:p>
-            <a:r>
-              <a:rPr lang="en-US" b="1" dirty="0"/>
-              <a:t>  - name: ubuntu-14.04</a:t>
-            </a:r>
-          </a:p>
-          <a:p>
-            <a:endParaRPr lang="en-US" b="1" dirty="0"/>
-          </a:p>
-          <a:p>
-            <a:r>
-              <a:rPr lang="en-US" b="1" dirty="0"/>
-              <a:t>suites:</a:t>
-            </a:r>
-          </a:p>
-          <a:p>
-            <a:r>
-              <a:rPr lang="en-US" b="1" dirty="0"/>
-              <a:t>  - name: default</a:t>
-            </a:r>
-          </a:p>
-          <a:p>
-            <a:r>
-              <a:rPr lang="en-US" b="1" dirty="0"/>
-              <a:t>    </a:t>
-            </a:r>
-            <a:r>
-              <a:rPr lang="en-US" b="1" dirty="0" err="1"/>
-              <a:t>run_list</a:t>
-            </a:r>
-            <a:r>
-              <a:rPr lang="en-US" b="1" dirty="0"/>
-              <a:t>:</a:t>
-            </a:r>
-          </a:p>
-          <a:p>
-            <a:r>
-              <a:rPr lang="en-US" b="1" dirty="0"/>
-              <a:t>      - recipe[</a:t>
-            </a:r>
-            <a:r>
-              <a:rPr lang="en-US" b="1" dirty="0" err="1"/>
-              <a:t>httpd</a:t>
-            </a:r>
-            <a:r>
-              <a:rPr lang="en-US" b="1" dirty="0"/>
-              <a:t>::default]</a:t>
-            </a:r>
-          </a:p>
-          <a:p>
-            <a:r>
-              <a:rPr lang="en-US" b="1" dirty="0"/>
-              <a:t>    attributes:</a:t>
-            </a:r>
           </a:p>
         </p:txBody>
       </p:sp>
@@ -27380,8 +27360,8 @@
         </p:nvSpPr>
         <p:spPr>
           <a:xfrm>
-            <a:off x="1135042" y="5376333"/>
-            <a:ext cx="14404273" cy="547265"/>
+            <a:off x="1135042" y="7577667"/>
+            <a:ext cx="14404273" cy="476709"/>
           </a:xfrm>
         </p:spPr>
         <p:txBody>
@@ -27479,18 +27459,26 @@
             </a:r>
             <a:r>
               <a:rPr lang="en-US" sz="2400" dirty="0"/>
-              <a:t>     Busser    </a:t>
-            </a:r>
-            <a:r>
-              <a:rPr lang="en-US" sz="2400" dirty="0" err="1"/>
+              <a:t>     </a:t>
+            </a:r>
+            <a:r>
+              <a:rPr lang="en-US" sz="2400" dirty="0" err="1" smtClean="0"/>
+              <a:t>InSpec</a:t>
+            </a:r>
+            <a:r>
+              <a:rPr lang="en-US" sz="2400" dirty="0" smtClean="0"/>
+              <a:t>    </a:t>
+            </a:r>
+            <a:r>
+              <a:rPr lang="en-US" sz="2400" dirty="0" err="1" smtClean="0"/>
               <a:t>Ssh</a:t>
             </a:r>
             <a:r>
-              <a:rPr lang="en-US" sz="2400"/>
+              <a:rPr lang="en-US" sz="2400" dirty="0" smtClean="0"/>
               <a:t>        </a:t>
             </a:r>
             <a:r>
-              <a:rPr lang="en-US" sz="2400" smtClean="0"/>
+              <a:rPr lang="en-US" sz="2400" dirty="0" smtClean="0"/>
               <a:t>Set Up</a:t>
             </a:r>
             <a:endParaRPr lang="en-US" sz="2400" dirty="0"/>
@@ -27514,7 +27502,19 @@
             </a:r>
             <a:r>
               <a:rPr lang="en-US" sz="2400" dirty="0"/>
-              <a:t>     Busser    </a:t>
+              <a:t>    </a:t>
+            </a:r>
+            <a:r>
+              <a:rPr lang="en-US" sz="2400" dirty="0" smtClean="0"/>
+              <a:t> </a:t>
+            </a:r>
+            <a:r>
+              <a:rPr lang="en-US" sz="2400" dirty="0" err="1" smtClean="0"/>
+              <a:t>InSpec</a:t>
+            </a:r>
+            <a:r>
+              <a:rPr lang="en-US" sz="2400" dirty="0" smtClean="0"/>
+              <a:t>    </a:t>
             </a:r>
             <a:r>
               <a:rPr lang="en-US" sz="2400" dirty="0" err="1"/>
@@ -27774,8 +27774,13 @@
           <a:p>
             <a:r>
               <a:rPr lang="en-US" dirty="0"/>
-              <a:t>-----&gt; Starting Kitchen (v1.4.2)</a:t>
-            </a:r>
+              <a:t>-----&gt; Starting Kitchen (</a:t>
+            </a:r>
+            <a:r>
+              <a:rPr lang="en-US" dirty="0" smtClean="0"/>
+              <a:t>v1.11.1)</a:t>
+            </a:r>
+            <a:endParaRPr lang="en-US" dirty="0"/>
           </a:p>
           <a:p>
             <a:r>
@@ -27804,10 +27809,34 @@
           <a:p>
             <a:r>
               <a:rPr lang="en-US" dirty="0"/>
-              <a:t>-----&gt; Creating &lt;default-centos-67&gt;.</a:t>
+              <a:t>-----&gt; Creating &lt;default-centos-67</a:t>
             </a:r>
             <a:r>
               <a:rPr lang="en-US" dirty="0" smtClean="0"/>
+              <a:t>&gt;</a:t>
+            </a:r>
+          </a:p>
+          <a:p>
+            <a:r>
+              <a:rPr lang="en-US" dirty="0" smtClean="0"/>
+              <a:t>       .</a:t>
+            </a:r>
+            <a:r>
+              <a:rPr lang="en-US" dirty="0" smtClean="0"/>
+              <a:t>.</a:t>
+            </a:r>
+            <a:r>
+              <a:rPr lang="en-US" dirty="0" smtClean="0"/>
+              <a:t>.</a:t>
+            </a:r>
+          </a:p>
+          <a:p>
+            <a:r>
+              <a:rPr lang="en-US" dirty="0" smtClean="0"/>
+              <a:t>       .</a:t>
+            </a:r>
+            <a:r>
+              <a:rPr lang="en-US" dirty="0"/>
               <a:t>..</a:t>
             </a:r>
             <a:endParaRPr lang="en-US" dirty="0"/>
@@ -30137,7 +30166,7 @@
   <a:extraClrSchemeLst/>
   <a:extLst>
     <a:ext uri="{05A4C25C-085E-4340-85A3-A5531E510DB2}">
-      <thm15:themeFamily xmlns="" xmlns:thm15="http://schemas.microsoft.com/office/thememl/2012/main" name="Chef-TemplateComps_v09-16x9-Light.potx" id="{078CEFDB-FA7A-4E36-9964-13EF367585CB}" vid="{8B87B0F3-7308-43D5-8388-E1B49EA02652}"/>
+      <thm15:themeFamily xmlns:thm15="http://schemas.microsoft.com/office/thememl/2012/main" xmlns="" name="Chef-TemplateComps_v09-16x9-Light.potx" id="{078CEFDB-FA7A-4E36-9964-13EF367585CB}" vid="{8B87B0F3-7308-43D5-8388-E1B49EA02652}"/>
     </a:ext>
   </a:extLst>
 </a:theme>
@@ -30519,7 +30548,7 @@
   <a:extraClrSchemeLst/>
   <a:extLst>
     <a:ext uri="{05A4C25C-085E-4340-85A3-A5531E510DB2}">
-      <thm15:themeFamily xmlns="" xmlns:thm15="http://schemas.microsoft.com/office/thememl/2012/main" name="Chef-TemplateComps_v09-16x9-Light.potx" id="{078CEFDB-FA7A-4E36-9964-13EF367585CB}" vid="{8B87B0F3-7308-43D5-8388-E1B49EA02652}"/>
+      <thm15:themeFamily xmlns:thm15="http://schemas.microsoft.com/office/thememl/2012/main" xmlns="" name="Chef-TemplateComps_v09-16x9-Light.potx" id="{078CEFDB-FA7A-4E36-9964-13EF367585CB}" vid="{8B87B0F3-7308-43D5-8388-E1B49EA02652}"/>
     </a:ext>
   </a:extLst>
 </a:theme>

--- a/08-refactoring_for_multiple_platforms.pptx
+++ b/08-refactoring_for_multiple_platforms.pptx
@@ -193,7 +193,7 @@
   </p:defaultTextStyle>
   <p:extLst>
     <p:ext uri="{EFAFB233-063F-42B5-8137-9DF3F51BA10A}">
-      <p15:sldGuideLst xmlns:p15="http://schemas.microsoft.com/office/powerpoint/2012/main" xmlns="">
+      <p15:sldGuideLst xmlns:p15="http://schemas.microsoft.com/office/powerpoint/2012/main">
         <p15:guide id="1" orient="horz" pos="894">
           <p15:clr>
             <a:srgbClr val="A4A3A4"/>
@@ -207,7 +207,7 @@
       </p15:sldGuideLst>
     </p:ext>
     <p:ext uri="{2D200454-40CA-4A62-9FC3-DE9A4176ACB9}">
-      <p15:notesGuideLst xmlns:p15="http://schemas.microsoft.com/office/powerpoint/2012/main" xmlns=""/>
+      <p15:notesGuideLst xmlns:p15="http://schemas.microsoft.com/office/powerpoint/2012/main"/>
     </p:ext>
   </p:extLst>
 </p:presentation>
@@ -275,6 +275,10 @@
             <a:pPr>
               <a:defRPr/>
             </a:pPr>
+            <a:r>
+              <a:rPr lang="en-US" smtClean="0"/>
+              <a:t>Test Driven Cookbook Development</a:t>
+            </a:r>
             <a:endParaRPr lang="en-US"/>
           </a:p>
         </p:txBody>
@@ -319,13 +323,10 @@
             <a:pPr>
               <a:defRPr/>
             </a:pPr>
-            <a:fld id="{04CB1577-BF96-2D40-B4CA-2BF6DA80CBA7}" type="datetime1">
-              <a:rPr lang="en-CA"/>
-              <a:pPr>
-                <a:defRPr/>
-              </a:pPr>
-              <a:t>8/29/16</a:t>
-            </a:fld>
+            <a:r>
+              <a:rPr lang="en-US" smtClean="0"/>
+              <a:t>Chef Software, Inc.</a:t>
+            </a:r>
             <a:endParaRPr lang="en-US" dirty="0"/>
           </a:p>
         </p:txBody>
@@ -436,7 +437,7 @@
     </p:extLst>
   </p:cSld>
   <p:clrMap bg1="lt1" tx1="dk1" bg2="lt2" tx2="dk2" accent1="accent1" accent2="accent2" accent3="accent3" accent4="accent4" accent5="accent5" accent6="accent6" hlink="hlink" folHlink="folHlink"/>
-  <p:hf dt="0"/>
+  <p:hf sldNum="0" ftr="0"/>
 </p:handoutMaster>
 </file>
 
@@ -474,7 +475,7 @@
         </p:nvSpPr>
         <p:spPr>
           <a:xfrm>
-            <a:off x="3884613" y="0"/>
+            <a:off x="3884613" y="108860"/>
             <a:ext cx="2971800" cy="457200"/>
           </a:xfrm>
           <a:prstGeom prst="rect">
@@ -502,13 +503,10 @@
             <a:pPr>
               <a:defRPr/>
             </a:pPr>
-            <a:fld id="{72FDBE47-C34F-CF4A-9709-1411AD5B3286}" type="datetime1">
-              <a:rPr lang="en-CA"/>
-              <a:pPr>
-                <a:defRPr/>
-              </a:pPr>
-              <a:t>8/29/16</a:t>
-            </a:fld>
+            <a:r>
+              <a:rPr lang="en-US" smtClean="0"/>
+              <a:t>Chef Software, Inc.</a:t>
+            </a:r>
             <a:endParaRPr lang="en-US" dirty="0"/>
           </a:p>
         </p:txBody>
@@ -559,8 +557,8 @@
         </p:nvSpPr>
         <p:spPr>
           <a:xfrm>
-            <a:off x="685800" y="4343400"/>
-            <a:ext cx="5486400" cy="4114800"/>
+            <a:off x="381000" y="4343399"/>
+            <a:ext cx="6096000" cy="4550229"/>
           </a:xfrm>
           <a:prstGeom prst="rect">
             <a:avLst/>
@@ -611,68 +609,17 @@
       </p:sp>
       <p:sp>
         <p:nvSpPr>
-          <p:cNvPr id="7" name="Slide Number Placeholder 6"/>
-          <p:cNvSpPr>
-            <a:spLocks noGrp="1"/>
-          </p:cNvSpPr>
-          <p:nvPr>
-            <p:ph type="sldNum" sz="quarter" idx="5"/>
+          <p:cNvPr id="8" name="Header Placeholder 1"/>
+          <p:cNvSpPr>
+            <a:spLocks noGrp="1"/>
+          </p:cNvSpPr>
+          <p:nvPr>
+            <p:ph type="hdr" sz="quarter"/>
           </p:nvPr>
         </p:nvSpPr>
         <p:spPr>
           <a:xfrm>
-            <a:off x="6172200" y="8685213"/>
-            <a:ext cx="684213" cy="457200"/>
-          </a:xfrm>
-          <a:prstGeom prst="rect">
-            <a:avLst/>
-          </a:prstGeom>
-        </p:spPr>
-        <p:txBody>
-          <a:bodyPr vert="horz" lIns="91440" tIns="45720" rIns="91440" bIns="45720" rtlCol="0" anchor="b"/>
-          <a:lstStyle>
-            <a:lvl1pPr algn="r" defTabSz="1219120" fontAlgn="auto">
-              <a:spcBef>
-                <a:spcPts val="0"/>
-              </a:spcBef>
-              <a:spcAft>
-                <a:spcPts val="0"/>
-              </a:spcAft>
-              <a:defRPr sz="1200" smtClean="0">
-                <a:latin typeface="Arial" panose="020B0604020202020204" pitchFamily="34" charset="0"/>
-                <a:ea typeface="+mn-ea"/>
-                <a:cs typeface="Arial" panose="020B0604020202020204" pitchFamily="34" charset="0"/>
-              </a:defRPr>
-            </a:lvl1pPr>
-          </a:lstStyle>
-          <a:p>
-            <a:pPr>
-              <a:defRPr/>
-            </a:pPr>
-            <a:fld id="{DC3734AA-3150-D947-AC52-2F5DF48BFCD5}" type="slidenum">
-              <a:rPr lang="en-US"/>
-              <a:pPr>
-                <a:defRPr/>
-              </a:pPr>
-              <a:t>‹#›</a:t>
-            </a:fld>
-            <a:endParaRPr lang="en-US" dirty="0"/>
-          </a:p>
-        </p:txBody>
-      </p:sp>
-      <p:sp>
-        <p:nvSpPr>
-          <p:cNvPr id="8" name="Header Placeholder 1"/>
-          <p:cNvSpPr>
-            <a:spLocks noGrp="1"/>
-          </p:cNvSpPr>
-          <p:nvPr>
-            <p:ph type="hdr" sz="quarter"/>
-          </p:nvPr>
-        </p:nvSpPr>
-        <p:spPr>
-          <a:xfrm>
-            <a:off x="0" y="0"/>
+            <a:off x="0" y="108860"/>
             <a:ext cx="2971800" cy="457200"/>
           </a:xfrm>
           <a:prstGeom prst="rect">
@@ -700,53 +647,10 @@
             <a:pPr>
               <a:defRPr/>
             </a:pPr>
-            <a:endParaRPr lang="en-US"/>
-          </a:p>
-        </p:txBody>
-      </p:sp>
-      <p:sp>
-        <p:nvSpPr>
-          <p:cNvPr id="9" name="Footer Placeholder 3"/>
-          <p:cNvSpPr>
-            <a:spLocks noGrp="1"/>
-          </p:cNvSpPr>
-          <p:nvPr>
-            <p:ph type="ftr" sz="quarter" idx="4"/>
-          </p:nvPr>
-        </p:nvSpPr>
-        <p:spPr>
-          <a:xfrm>
-            <a:off x="0" y="8685213"/>
-            <a:ext cx="6248400" cy="457200"/>
-          </a:xfrm>
-          <a:prstGeom prst="rect">
-            <a:avLst/>
-          </a:prstGeom>
-        </p:spPr>
-        <p:txBody>
-          <a:bodyPr vert="horz" lIns="91440" tIns="45720" rIns="91440" bIns="45720" rtlCol="0" anchor="b"/>
-          <a:lstStyle>
-            <a:lvl1pPr algn="l" defTabSz="1219120" fontAlgn="auto">
-              <a:spcBef>
-                <a:spcPts val="0"/>
-              </a:spcBef>
-              <a:spcAft>
-                <a:spcPts val="0"/>
-              </a:spcAft>
-              <a:defRPr sz="900" dirty="0" smtClean="0">
-                <a:solidFill>
-                  <a:srgbClr val="000000"/>
-                </a:solidFill>
-                <a:latin typeface="Arial" panose="020B0604020202020204" pitchFamily="34" charset="0"/>
-                <a:ea typeface="+mn-ea"/>
-                <a:cs typeface="Arial" panose="020B0604020202020204" pitchFamily="34" charset="0"/>
-              </a:defRPr>
-            </a:lvl1pPr>
-          </a:lstStyle>
-          <a:p>
-            <a:pPr>
-              <a:defRPr/>
-            </a:pPr>
+            <a:r>
+              <a:rPr lang="en-US" smtClean="0"/>
+              <a:t>Test Driven Cookbook Development</a:t>
+            </a:r>
             <a:endParaRPr lang="en-US"/>
           </a:p>
         </p:txBody>
@@ -759,7 +663,7 @@
     </p:extLst>
   </p:cSld>
   <p:clrMap bg1="lt1" tx1="dk1" bg2="lt2" tx2="dk2" accent1="accent1" accent2="accent2" accent3="accent3" accent4="accent4" accent5="accent5" accent6="accent6" hlink="hlink" folHlink="folHlink"/>
-  <p:hf dt="0"/>
+  <p:hf sldNum="0" ftr="0"/>
   <p:notesStyle>
     <a:lvl1pPr algn="l" defTabSz="1217613" rtl="0" fontAlgn="base">
       <a:lnSpc>
@@ -1066,12 +970,12 @@
       </p:sp>
       <p:sp>
         <p:nvSpPr>
-          <p:cNvPr id="4" name="Slide Number Placeholder 3"/>
-          <p:cNvSpPr>
-            <a:spLocks noGrp="1"/>
-          </p:cNvSpPr>
-          <p:nvPr>
-            <p:ph type="sldNum" sz="quarter" idx="10"/>
+          <p:cNvPr id="5" name="Header Placeholder 4"/>
+          <p:cNvSpPr>
+            <a:spLocks noGrp="1"/>
+          </p:cNvSpPr>
+          <p:nvPr>
+            <p:ph type="hdr" sz="quarter" idx="11"/>
           </p:nvPr>
         </p:nvSpPr>
         <p:spPr/>
@@ -1082,25 +986,22 @@
             <a:pPr>
               <a:defRPr/>
             </a:pPr>
-            <a:fld id="{DC3734AA-3150-D947-AC52-2F5DF48BFCD5}" type="slidenum">
+            <a:r>
               <a:rPr lang="en-US" smtClean="0"/>
-              <a:pPr>
-                <a:defRPr/>
-              </a:pPr>
-              <a:t>1</a:t>
-            </a:fld>
-            <a:endParaRPr lang="en-US" dirty="0"/>
-          </a:p>
-        </p:txBody>
-      </p:sp>
-      <p:sp>
-        <p:nvSpPr>
-          <p:cNvPr id="5" name="Header Placeholder 4"/>
-          <p:cNvSpPr>
-            <a:spLocks noGrp="1"/>
-          </p:cNvSpPr>
-          <p:nvPr>
-            <p:ph type="hdr" sz="quarter" idx="11"/>
+              <a:t>Test Driven Cookbook Development</a:t>
+            </a:r>
+            <a:endParaRPr lang="en-US"/>
+          </a:p>
+        </p:txBody>
+      </p:sp>
+      <p:sp>
+        <p:nvSpPr>
+          <p:cNvPr id="7" name="Date Placeholder 6"/>
+          <p:cNvSpPr>
+            <a:spLocks noGrp="1"/>
+          </p:cNvSpPr>
+          <p:nvPr>
+            <p:ph type="dt" idx="13"/>
           </p:nvPr>
         </p:nvSpPr>
         <p:spPr/>
@@ -1111,29 +1012,11 @@
             <a:pPr>
               <a:defRPr/>
             </a:pPr>
-            <a:endParaRPr lang="en-US"/>
-          </a:p>
-        </p:txBody>
-      </p:sp>
-      <p:sp>
-        <p:nvSpPr>
-          <p:cNvPr id="6" name="Footer Placeholder 5"/>
-          <p:cNvSpPr>
-            <a:spLocks noGrp="1"/>
-          </p:cNvSpPr>
-          <p:nvPr>
-            <p:ph type="ftr" sz="quarter" idx="12"/>
-          </p:nvPr>
-        </p:nvSpPr>
-        <p:spPr/>
-        <p:txBody>
-          <a:bodyPr/>
-          <a:lstStyle/>
-          <a:p>
-            <a:pPr>
-              <a:defRPr/>
-            </a:pPr>
-            <a:endParaRPr lang="en-US"/>
+            <a:r>
+              <a:rPr lang="en-US" smtClean="0"/>
+              <a:t>Chef Software, Inc.</a:t>
+            </a:r>
+            <a:endParaRPr lang="en-US" dirty="0"/>
           </a:p>
         </p:txBody>
       </p:sp>
@@ -1207,12 +1090,12 @@
       </p:sp>
       <p:sp>
         <p:nvSpPr>
-          <p:cNvPr id="4" name="Slide Number Placeholder 3"/>
-          <p:cNvSpPr>
-            <a:spLocks noGrp="1"/>
-          </p:cNvSpPr>
-          <p:nvPr>
-            <p:ph type="sldNum" sz="quarter" idx="10"/>
+          <p:cNvPr id="5" name="Header Placeholder 4"/>
+          <p:cNvSpPr>
+            <a:spLocks noGrp="1"/>
+          </p:cNvSpPr>
+          <p:nvPr>
+            <p:ph type="hdr" sz="quarter" idx="11"/>
           </p:nvPr>
         </p:nvSpPr>
         <p:spPr/>
@@ -1223,25 +1106,22 @@
             <a:pPr>
               <a:defRPr/>
             </a:pPr>
-            <a:fld id="{DC3734AA-3150-D947-AC52-2F5DF48BFCD5}" type="slidenum">
+            <a:r>
               <a:rPr lang="en-US" smtClean="0"/>
-              <a:pPr>
-                <a:defRPr/>
-              </a:pPr>
-              <a:t>10</a:t>
-            </a:fld>
-            <a:endParaRPr lang="en-US" dirty="0"/>
-          </a:p>
-        </p:txBody>
-      </p:sp>
-      <p:sp>
-        <p:nvSpPr>
-          <p:cNvPr id="5" name="Header Placeholder 4"/>
-          <p:cNvSpPr>
-            <a:spLocks noGrp="1"/>
-          </p:cNvSpPr>
-          <p:nvPr>
-            <p:ph type="hdr" sz="quarter" idx="11"/>
+              <a:t>Test Driven Cookbook Development</a:t>
+            </a:r>
+            <a:endParaRPr lang="en-US"/>
+          </a:p>
+        </p:txBody>
+      </p:sp>
+      <p:sp>
+        <p:nvSpPr>
+          <p:cNvPr id="7" name="Date Placeholder 6"/>
+          <p:cNvSpPr>
+            <a:spLocks noGrp="1"/>
+          </p:cNvSpPr>
+          <p:nvPr>
+            <p:ph type="dt" idx="13"/>
           </p:nvPr>
         </p:nvSpPr>
         <p:spPr/>
@@ -1252,29 +1132,11 @@
             <a:pPr>
               <a:defRPr/>
             </a:pPr>
-            <a:endParaRPr lang="en-US"/>
-          </a:p>
-        </p:txBody>
-      </p:sp>
-      <p:sp>
-        <p:nvSpPr>
-          <p:cNvPr id="6" name="Footer Placeholder 5"/>
-          <p:cNvSpPr>
-            <a:spLocks noGrp="1"/>
-          </p:cNvSpPr>
-          <p:nvPr>
-            <p:ph type="ftr" sz="quarter" idx="12"/>
-          </p:nvPr>
-        </p:nvSpPr>
-        <p:spPr/>
-        <p:txBody>
-          <a:bodyPr/>
-          <a:lstStyle/>
-          <a:p>
-            <a:pPr>
-              <a:defRPr/>
-            </a:pPr>
-            <a:endParaRPr lang="en-US"/>
+            <a:r>
+              <a:rPr lang="en-US" smtClean="0"/>
+              <a:t>Chef Software, Inc.</a:t>
+            </a:r>
+            <a:endParaRPr lang="en-US" dirty="0"/>
           </a:p>
         </p:txBody>
       </p:sp>
@@ -1349,12 +1211,12 @@
       </p:sp>
       <p:sp>
         <p:nvSpPr>
-          <p:cNvPr id="4" name="Slide Number Placeholder 3"/>
-          <p:cNvSpPr>
-            <a:spLocks noGrp="1"/>
-          </p:cNvSpPr>
-          <p:nvPr>
-            <p:ph type="sldNum" sz="quarter" idx="10"/>
+          <p:cNvPr id="5" name="Header Placeholder 4"/>
+          <p:cNvSpPr>
+            <a:spLocks noGrp="1"/>
+          </p:cNvSpPr>
+          <p:nvPr>
+            <p:ph type="hdr" sz="quarter" idx="11"/>
           </p:nvPr>
         </p:nvSpPr>
         <p:spPr/>
@@ -1365,25 +1227,22 @@
             <a:pPr>
               <a:defRPr/>
             </a:pPr>
-            <a:fld id="{DC3734AA-3150-D947-AC52-2F5DF48BFCD5}" type="slidenum">
+            <a:r>
               <a:rPr lang="en-US" smtClean="0"/>
-              <a:pPr>
-                <a:defRPr/>
-              </a:pPr>
-              <a:t>11</a:t>
-            </a:fld>
-            <a:endParaRPr lang="en-US" dirty="0"/>
-          </a:p>
-        </p:txBody>
-      </p:sp>
-      <p:sp>
-        <p:nvSpPr>
-          <p:cNvPr id="5" name="Header Placeholder 4"/>
-          <p:cNvSpPr>
-            <a:spLocks noGrp="1"/>
-          </p:cNvSpPr>
-          <p:nvPr>
-            <p:ph type="hdr" sz="quarter" idx="11"/>
+              <a:t>Test Driven Cookbook Development</a:t>
+            </a:r>
+            <a:endParaRPr lang="en-US"/>
+          </a:p>
+        </p:txBody>
+      </p:sp>
+      <p:sp>
+        <p:nvSpPr>
+          <p:cNvPr id="7" name="Date Placeholder 6"/>
+          <p:cNvSpPr>
+            <a:spLocks noGrp="1"/>
+          </p:cNvSpPr>
+          <p:nvPr>
+            <p:ph type="dt" idx="13"/>
           </p:nvPr>
         </p:nvSpPr>
         <p:spPr/>
@@ -1394,29 +1253,11 @@
             <a:pPr>
               <a:defRPr/>
             </a:pPr>
-            <a:endParaRPr lang="en-US"/>
-          </a:p>
-        </p:txBody>
-      </p:sp>
-      <p:sp>
-        <p:nvSpPr>
-          <p:cNvPr id="6" name="Footer Placeholder 5"/>
-          <p:cNvSpPr>
-            <a:spLocks noGrp="1"/>
-          </p:cNvSpPr>
-          <p:nvPr>
-            <p:ph type="ftr" sz="quarter" idx="12"/>
-          </p:nvPr>
-        </p:nvSpPr>
-        <p:spPr/>
-        <p:txBody>
-          <a:bodyPr/>
-          <a:lstStyle/>
-          <a:p>
-            <a:pPr>
-              <a:defRPr/>
-            </a:pPr>
-            <a:endParaRPr lang="en-US"/>
+            <a:r>
+              <a:rPr lang="en-US" smtClean="0"/>
+              <a:t>Chef Software, Inc.</a:t>
+            </a:r>
+            <a:endParaRPr lang="en-US" dirty="0"/>
           </a:p>
         </p:txBody>
       </p:sp>
@@ -1491,12 +1332,12 @@
       </p:sp>
       <p:sp>
         <p:nvSpPr>
-          <p:cNvPr id="4" name="Slide Number Placeholder 3"/>
-          <p:cNvSpPr>
-            <a:spLocks noGrp="1"/>
-          </p:cNvSpPr>
-          <p:nvPr>
-            <p:ph type="sldNum" sz="quarter" idx="10"/>
+          <p:cNvPr id="5" name="Header Placeholder 4"/>
+          <p:cNvSpPr>
+            <a:spLocks noGrp="1"/>
+          </p:cNvSpPr>
+          <p:nvPr>
+            <p:ph type="hdr" sz="quarter" idx="11"/>
           </p:nvPr>
         </p:nvSpPr>
         <p:spPr/>
@@ -1507,25 +1348,22 @@
             <a:pPr>
               <a:defRPr/>
             </a:pPr>
-            <a:fld id="{DC3734AA-3150-D947-AC52-2F5DF48BFCD5}" type="slidenum">
+            <a:r>
               <a:rPr lang="en-US" smtClean="0"/>
-              <a:pPr>
-                <a:defRPr/>
-              </a:pPr>
-              <a:t>12</a:t>
-            </a:fld>
-            <a:endParaRPr lang="en-US" dirty="0"/>
-          </a:p>
-        </p:txBody>
-      </p:sp>
-      <p:sp>
-        <p:nvSpPr>
-          <p:cNvPr id="5" name="Header Placeholder 4"/>
-          <p:cNvSpPr>
-            <a:spLocks noGrp="1"/>
-          </p:cNvSpPr>
-          <p:nvPr>
-            <p:ph type="hdr" sz="quarter" idx="11"/>
+              <a:t>Test Driven Cookbook Development</a:t>
+            </a:r>
+            <a:endParaRPr lang="en-US"/>
+          </a:p>
+        </p:txBody>
+      </p:sp>
+      <p:sp>
+        <p:nvSpPr>
+          <p:cNvPr id="7" name="Date Placeholder 6"/>
+          <p:cNvSpPr>
+            <a:spLocks noGrp="1"/>
+          </p:cNvSpPr>
+          <p:nvPr>
+            <p:ph type="dt" idx="13"/>
           </p:nvPr>
         </p:nvSpPr>
         <p:spPr/>
@@ -1536,29 +1374,11 @@
             <a:pPr>
               <a:defRPr/>
             </a:pPr>
-            <a:endParaRPr lang="en-US"/>
-          </a:p>
-        </p:txBody>
-      </p:sp>
-      <p:sp>
-        <p:nvSpPr>
-          <p:cNvPr id="6" name="Footer Placeholder 5"/>
-          <p:cNvSpPr>
-            <a:spLocks noGrp="1"/>
-          </p:cNvSpPr>
-          <p:nvPr>
-            <p:ph type="ftr" sz="quarter" idx="12"/>
-          </p:nvPr>
-        </p:nvSpPr>
-        <p:spPr/>
-        <p:txBody>
-          <a:bodyPr/>
-          <a:lstStyle/>
-          <a:p>
-            <a:pPr>
-              <a:defRPr/>
-            </a:pPr>
-            <a:endParaRPr lang="en-US"/>
+            <a:r>
+              <a:rPr lang="en-US" smtClean="0"/>
+              <a:t>Chef Software, Inc.</a:t>
+            </a:r>
+            <a:endParaRPr lang="en-US" dirty="0"/>
           </a:p>
         </p:txBody>
       </p:sp>
@@ -1668,12 +1488,12 @@
       </p:sp>
       <p:sp>
         <p:nvSpPr>
-          <p:cNvPr id="4" name="Slide Number Placeholder 3"/>
-          <p:cNvSpPr>
-            <a:spLocks noGrp="1"/>
-          </p:cNvSpPr>
-          <p:nvPr>
-            <p:ph type="sldNum" sz="quarter" idx="10"/>
+          <p:cNvPr id="5" name="Header Placeholder 4"/>
+          <p:cNvSpPr>
+            <a:spLocks noGrp="1"/>
+          </p:cNvSpPr>
+          <p:nvPr>
+            <p:ph type="hdr" sz="quarter" idx="11"/>
           </p:nvPr>
         </p:nvSpPr>
         <p:spPr/>
@@ -1684,25 +1504,22 @@
             <a:pPr>
               <a:defRPr/>
             </a:pPr>
-            <a:fld id="{DC3734AA-3150-D947-AC52-2F5DF48BFCD5}" type="slidenum">
+            <a:r>
               <a:rPr lang="en-US" smtClean="0"/>
-              <a:pPr>
-                <a:defRPr/>
-              </a:pPr>
-              <a:t>13</a:t>
-            </a:fld>
-            <a:endParaRPr lang="en-US" dirty="0"/>
-          </a:p>
-        </p:txBody>
-      </p:sp>
-      <p:sp>
-        <p:nvSpPr>
-          <p:cNvPr id="5" name="Header Placeholder 4"/>
-          <p:cNvSpPr>
-            <a:spLocks noGrp="1"/>
-          </p:cNvSpPr>
-          <p:nvPr>
-            <p:ph type="hdr" sz="quarter" idx="11"/>
+              <a:t>Test Driven Cookbook Development</a:t>
+            </a:r>
+            <a:endParaRPr lang="en-US"/>
+          </a:p>
+        </p:txBody>
+      </p:sp>
+      <p:sp>
+        <p:nvSpPr>
+          <p:cNvPr id="7" name="Date Placeholder 6"/>
+          <p:cNvSpPr>
+            <a:spLocks noGrp="1"/>
+          </p:cNvSpPr>
+          <p:nvPr>
+            <p:ph type="dt" idx="13"/>
           </p:nvPr>
         </p:nvSpPr>
         <p:spPr/>
@@ -1713,29 +1530,11 @@
             <a:pPr>
               <a:defRPr/>
             </a:pPr>
-            <a:endParaRPr lang="en-US"/>
-          </a:p>
-        </p:txBody>
-      </p:sp>
-      <p:sp>
-        <p:nvSpPr>
-          <p:cNvPr id="6" name="Footer Placeholder 5"/>
-          <p:cNvSpPr>
-            <a:spLocks noGrp="1"/>
-          </p:cNvSpPr>
-          <p:nvPr>
-            <p:ph type="ftr" sz="quarter" idx="12"/>
-          </p:nvPr>
-        </p:nvSpPr>
-        <p:spPr/>
-        <p:txBody>
-          <a:bodyPr/>
-          <a:lstStyle/>
-          <a:p>
-            <a:pPr>
-              <a:defRPr/>
-            </a:pPr>
-            <a:endParaRPr lang="en-US"/>
+            <a:r>
+              <a:rPr lang="en-US" smtClean="0"/>
+              <a:t>Chef Software, Inc.</a:t>
+            </a:r>
+            <a:endParaRPr lang="en-US" dirty="0"/>
           </a:p>
         </p:txBody>
       </p:sp>
@@ -1818,12 +1617,12 @@
       </p:sp>
       <p:sp>
         <p:nvSpPr>
-          <p:cNvPr id="4" name="Slide Number Placeholder 3"/>
-          <p:cNvSpPr>
-            <a:spLocks noGrp="1"/>
-          </p:cNvSpPr>
-          <p:nvPr>
-            <p:ph type="sldNum" sz="quarter" idx="10"/>
+          <p:cNvPr id="5" name="Header Placeholder 4"/>
+          <p:cNvSpPr>
+            <a:spLocks noGrp="1"/>
+          </p:cNvSpPr>
+          <p:nvPr>
+            <p:ph type="hdr" sz="quarter" idx="11"/>
           </p:nvPr>
         </p:nvSpPr>
         <p:spPr/>
@@ -1834,25 +1633,22 @@
             <a:pPr>
               <a:defRPr/>
             </a:pPr>
-            <a:fld id="{DC3734AA-3150-D947-AC52-2F5DF48BFCD5}" type="slidenum">
+            <a:r>
               <a:rPr lang="en-US" smtClean="0"/>
-              <a:pPr>
-                <a:defRPr/>
-              </a:pPr>
-              <a:t>14</a:t>
-            </a:fld>
-            <a:endParaRPr lang="en-US" dirty="0"/>
-          </a:p>
-        </p:txBody>
-      </p:sp>
-      <p:sp>
-        <p:nvSpPr>
-          <p:cNvPr id="5" name="Header Placeholder 4"/>
-          <p:cNvSpPr>
-            <a:spLocks noGrp="1"/>
-          </p:cNvSpPr>
-          <p:nvPr>
-            <p:ph type="hdr" sz="quarter" idx="11"/>
+              <a:t>Test Driven Cookbook Development</a:t>
+            </a:r>
+            <a:endParaRPr lang="en-US"/>
+          </a:p>
+        </p:txBody>
+      </p:sp>
+      <p:sp>
+        <p:nvSpPr>
+          <p:cNvPr id="7" name="Date Placeholder 6"/>
+          <p:cNvSpPr>
+            <a:spLocks noGrp="1"/>
+          </p:cNvSpPr>
+          <p:nvPr>
+            <p:ph type="dt" idx="13"/>
           </p:nvPr>
         </p:nvSpPr>
         <p:spPr/>
@@ -1863,29 +1659,11 @@
             <a:pPr>
               <a:defRPr/>
             </a:pPr>
-            <a:endParaRPr lang="en-US"/>
-          </a:p>
-        </p:txBody>
-      </p:sp>
-      <p:sp>
-        <p:nvSpPr>
-          <p:cNvPr id="6" name="Footer Placeholder 5"/>
-          <p:cNvSpPr>
-            <a:spLocks noGrp="1"/>
-          </p:cNvSpPr>
-          <p:nvPr>
-            <p:ph type="ftr" sz="quarter" idx="12"/>
-          </p:nvPr>
-        </p:nvSpPr>
-        <p:spPr/>
-        <p:txBody>
-          <a:bodyPr/>
-          <a:lstStyle/>
-          <a:p>
-            <a:pPr>
-              <a:defRPr/>
-            </a:pPr>
-            <a:endParaRPr lang="en-US"/>
+            <a:r>
+              <a:rPr lang="en-US" smtClean="0"/>
+              <a:t>Chef Software, Inc.</a:t>
+            </a:r>
+            <a:endParaRPr lang="en-US" dirty="0"/>
           </a:p>
         </p:txBody>
       </p:sp>
@@ -1984,12 +1762,12 @@
       </p:sp>
       <p:sp>
         <p:nvSpPr>
-          <p:cNvPr id="4" name="Slide Number Placeholder 3"/>
-          <p:cNvSpPr>
-            <a:spLocks noGrp="1"/>
-          </p:cNvSpPr>
-          <p:nvPr>
-            <p:ph type="sldNum" sz="quarter" idx="10"/>
+          <p:cNvPr id="5" name="Header Placeholder 4"/>
+          <p:cNvSpPr>
+            <a:spLocks noGrp="1"/>
+          </p:cNvSpPr>
+          <p:nvPr>
+            <p:ph type="hdr" sz="quarter" idx="11"/>
           </p:nvPr>
         </p:nvSpPr>
         <p:spPr/>
@@ -2000,25 +1778,22 @@
             <a:pPr>
               <a:defRPr/>
             </a:pPr>
-            <a:fld id="{DC3734AA-3150-D947-AC52-2F5DF48BFCD5}" type="slidenum">
+            <a:r>
               <a:rPr lang="en-US" smtClean="0"/>
-              <a:pPr>
-                <a:defRPr/>
-              </a:pPr>
-              <a:t>15</a:t>
-            </a:fld>
-            <a:endParaRPr lang="en-US" dirty="0"/>
-          </a:p>
-        </p:txBody>
-      </p:sp>
-      <p:sp>
-        <p:nvSpPr>
-          <p:cNvPr id="5" name="Header Placeholder 4"/>
-          <p:cNvSpPr>
-            <a:spLocks noGrp="1"/>
-          </p:cNvSpPr>
-          <p:nvPr>
-            <p:ph type="hdr" sz="quarter" idx="11"/>
+              <a:t>Test Driven Cookbook Development</a:t>
+            </a:r>
+            <a:endParaRPr lang="en-US"/>
+          </a:p>
+        </p:txBody>
+      </p:sp>
+      <p:sp>
+        <p:nvSpPr>
+          <p:cNvPr id="7" name="Date Placeholder 6"/>
+          <p:cNvSpPr>
+            <a:spLocks noGrp="1"/>
+          </p:cNvSpPr>
+          <p:nvPr>
+            <p:ph type="dt" idx="13"/>
           </p:nvPr>
         </p:nvSpPr>
         <p:spPr/>
@@ -2029,29 +1804,11 @@
             <a:pPr>
               <a:defRPr/>
             </a:pPr>
-            <a:endParaRPr lang="en-US"/>
-          </a:p>
-        </p:txBody>
-      </p:sp>
-      <p:sp>
-        <p:nvSpPr>
-          <p:cNvPr id="6" name="Footer Placeholder 5"/>
-          <p:cNvSpPr>
-            <a:spLocks noGrp="1"/>
-          </p:cNvSpPr>
-          <p:nvPr>
-            <p:ph type="ftr" sz="quarter" idx="12"/>
-          </p:nvPr>
-        </p:nvSpPr>
-        <p:spPr/>
-        <p:txBody>
-          <a:bodyPr/>
-          <a:lstStyle/>
-          <a:p>
-            <a:pPr>
-              <a:defRPr/>
-            </a:pPr>
-            <a:endParaRPr lang="en-US"/>
+            <a:r>
+              <a:rPr lang="en-US" smtClean="0"/>
+              <a:t>Chef Software, Inc.</a:t>
+            </a:r>
+            <a:endParaRPr lang="en-US" dirty="0"/>
           </a:p>
         </p:txBody>
       </p:sp>
@@ -2126,12 +1883,12 @@
       </p:sp>
       <p:sp>
         <p:nvSpPr>
-          <p:cNvPr id="4" name="Slide Number Placeholder 3"/>
-          <p:cNvSpPr>
-            <a:spLocks noGrp="1"/>
-          </p:cNvSpPr>
-          <p:nvPr>
-            <p:ph type="sldNum" sz="quarter" idx="10"/>
+          <p:cNvPr id="5" name="Header Placeholder 4"/>
+          <p:cNvSpPr>
+            <a:spLocks noGrp="1"/>
+          </p:cNvSpPr>
+          <p:nvPr>
+            <p:ph type="hdr" sz="quarter" idx="11"/>
           </p:nvPr>
         </p:nvSpPr>
         <p:spPr/>
@@ -2142,25 +1899,22 @@
             <a:pPr>
               <a:defRPr/>
             </a:pPr>
-            <a:fld id="{DC3734AA-3150-D947-AC52-2F5DF48BFCD5}" type="slidenum">
+            <a:r>
               <a:rPr lang="en-US" smtClean="0"/>
-              <a:pPr>
-                <a:defRPr/>
-              </a:pPr>
-              <a:t>16</a:t>
-            </a:fld>
-            <a:endParaRPr lang="en-US" dirty="0"/>
-          </a:p>
-        </p:txBody>
-      </p:sp>
-      <p:sp>
-        <p:nvSpPr>
-          <p:cNvPr id="5" name="Header Placeholder 4"/>
-          <p:cNvSpPr>
-            <a:spLocks noGrp="1"/>
-          </p:cNvSpPr>
-          <p:nvPr>
-            <p:ph type="hdr" sz="quarter" idx="11"/>
+              <a:t>Test Driven Cookbook Development</a:t>
+            </a:r>
+            <a:endParaRPr lang="en-US"/>
+          </a:p>
+        </p:txBody>
+      </p:sp>
+      <p:sp>
+        <p:nvSpPr>
+          <p:cNvPr id="7" name="Date Placeholder 6"/>
+          <p:cNvSpPr>
+            <a:spLocks noGrp="1"/>
+          </p:cNvSpPr>
+          <p:nvPr>
+            <p:ph type="dt" idx="13"/>
           </p:nvPr>
         </p:nvSpPr>
         <p:spPr/>
@@ -2171,29 +1925,11 @@
             <a:pPr>
               <a:defRPr/>
             </a:pPr>
-            <a:endParaRPr lang="en-US"/>
-          </a:p>
-        </p:txBody>
-      </p:sp>
-      <p:sp>
-        <p:nvSpPr>
-          <p:cNvPr id="6" name="Footer Placeholder 5"/>
-          <p:cNvSpPr>
-            <a:spLocks noGrp="1"/>
-          </p:cNvSpPr>
-          <p:nvPr>
-            <p:ph type="ftr" sz="quarter" idx="12"/>
-          </p:nvPr>
-        </p:nvSpPr>
-        <p:spPr/>
-        <p:txBody>
-          <a:bodyPr/>
-          <a:lstStyle/>
-          <a:p>
-            <a:pPr>
-              <a:defRPr/>
-            </a:pPr>
-            <a:endParaRPr lang="en-US"/>
+            <a:r>
+              <a:rPr lang="en-US" smtClean="0"/>
+              <a:t>Chef Software, Inc.</a:t>
+            </a:r>
+            <a:endParaRPr lang="en-US" dirty="0"/>
           </a:p>
         </p:txBody>
       </p:sp>
@@ -2268,12 +2004,12 @@
       </p:sp>
       <p:sp>
         <p:nvSpPr>
-          <p:cNvPr id="4" name="Slide Number Placeholder 3"/>
-          <p:cNvSpPr>
-            <a:spLocks noGrp="1"/>
-          </p:cNvSpPr>
-          <p:nvPr>
-            <p:ph type="sldNum" sz="quarter" idx="10"/>
+          <p:cNvPr id="5" name="Header Placeholder 4"/>
+          <p:cNvSpPr>
+            <a:spLocks noGrp="1"/>
+          </p:cNvSpPr>
+          <p:nvPr>
+            <p:ph type="hdr" sz="quarter" idx="11"/>
           </p:nvPr>
         </p:nvSpPr>
         <p:spPr/>
@@ -2284,25 +2020,22 @@
             <a:pPr>
               <a:defRPr/>
             </a:pPr>
-            <a:fld id="{DC3734AA-3150-D947-AC52-2F5DF48BFCD5}" type="slidenum">
+            <a:r>
               <a:rPr lang="en-US" smtClean="0"/>
-              <a:pPr>
-                <a:defRPr/>
-              </a:pPr>
-              <a:t>17</a:t>
-            </a:fld>
-            <a:endParaRPr lang="en-US" dirty="0"/>
-          </a:p>
-        </p:txBody>
-      </p:sp>
-      <p:sp>
-        <p:nvSpPr>
-          <p:cNvPr id="5" name="Header Placeholder 4"/>
-          <p:cNvSpPr>
-            <a:spLocks noGrp="1"/>
-          </p:cNvSpPr>
-          <p:nvPr>
-            <p:ph type="hdr" sz="quarter" idx="11"/>
+              <a:t>Test Driven Cookbook Development</a:t>
+            </a:r>
+            <a:endParaRPr lang="en-US"/>
+          </a:p>
+        </p:txBody>
+      </p:sp>
+      <p:sp>
+        <p:nvSpPr>
+          <p:cNvPr id="7" name="Date Placeholder 6"/>
+          <p:cNvSpPr>
+            <a:spLocks noGrp="1"/>
+          </p:cNvSpPr>
+          <p:nvPr>
+            <p:ph type="dt" idx="13"/>
           </p:nvPr>
         </p:nvSpPr>
         <p:spPr/>
@@ -2313,29 +2046,11 @@
             <a:pPr>
               <a:defRPr/>
             </a:pPr>
-            <a:endParaRPr lang="en-US"/>
-          </a:p>
-        </p:txBody>
-      </p:sp>
-      <p:sp>
-        <p:nvSpPr>
-          <p:cNvPr id="6" name="Footer Placeholder 5"/>
-          <p:cNvSpPr>
-            <a:spLocks noGrp="1"/>
-          </p:cNvSpPr>
-          <p:nvPr>
-            <p:ph type="ftr" sz="quarter" idx="12"/>
-          </p:nvPr>
-        </p:nvSpPr>
-        <p:spPr/>
-        <p:txBody>
-          <a:bodyPr/>
-          <a:lstStyle/>
-          <a:p>
-            <a:pPr>
-              <a:defRPr/>
-            </a:pPr>
-            <a:endParaRPr lang="en-US"/>
+            <a:r>
+              <a:rPr lang="en-US" smtClean="0"/>
+              <a:t>Chef Software, Inc.</a:t>
+            </a:r>
+            <a:endParaRPr lang="en-US" dirty="0"/>
           </a:p>
         </p:txBody>
       </p:sp>
@@ -2410,12 +2125,12 @@
       </p:sp>
       <p:sp>
         <p:nvSpPr>
-          <p:cNvPr id="4" name="Slide Number Placeholder 3"/>
-          <p:cNvSpPr>
-            <a:spLocks noGrp="1"/>
-          </p:cNvSpPr>
-          <p:nvPr>
-            <p:ph type="sldNum" sz="quarter" idx="10"/>
+          <p:cNvPr id="5" name="Header Placeholder 4"/>
+          <p:cNvSpPr>
+            <a:spLocks noGrp="1"/>
+          </p:cNvSpPr>
+          <p:nvPr>
+            <p:ph type="hdr" sz="quarter" idx="11"/>
           </p:nvPr>
         </p:nvSpPr>
         <p:spPr/>
@@ -2426,25 +2141,22 @@
             <a:pPr>
               <a:defRPr/>
             </a:pPr>
-            <a:fld id="{DC3734AA-3150-D947-AC52-2F5DF48BFCD5}" type="slidenum">
+            <a:r>
               <a:rPr lang="en-US" smtClean="0"/>
-              <a:pPr>
-                <a:defRPr/>
-              </a:pPr>
-              <a:t>18</a:t>
-            </a:fld>
-            <a:endParaRPr lang="en-US" dirty="0"/>
-          </a:p>
-        </p:txBody>
-      </p:sp>
-      <p:sp>
-        <p:nvSpPr>
-          <p:cNvPr id="5" name="Header Placeholder 4"/>
-          <p:cNvSpPr>
-            <a:spLocks noGrp="1"/>
-          </p:cNvSpPr>
-          <p:nvPr>
-            <p:ph type="hdr" sz="quarter" idx="11"/>
+              <a:t>Test Driven Cookbook Development</a:t>
+            </a:r>
+            <a:endParaRPr lang="en-US"/>
+          </a:p>
+        </p:txBody>
+      </p:sp>
+      <p:sp>
+        <p:nvSpPr>
+          <p:cNvPr id="7" name="Date Placeholder 6"/>
+          <p:cNvSpPr>
+            <a:spLocks noGrp="1"/>
+          </p:cNvSpPr>
+          <p:nvPr>
+            <p:ph type="dt" idx="13"/>
           </p:nvPr>
         </p:nvSpPr>
         <p:spPr/>
@@ -2455,29 +2167,11 @@
             <a:pPr>
               <a:defRPr/>
             </a:pPr>
-            <a:endParaRPr lang="en-US"/>
-          </a:p>
-        </p:txBody>
-      </p:sp>
-      <p:sp>
-        <p:nvSpPr>
-          <p:cNvPr id="6" name="Footer Placeholder 5"/>
-          <p:cNvSpPr>
-            <a:spLocks noGrp="1"/>
-          </p:cNvSpPr>
-          <p:nvPr>
-            <p:ph type="ftr" sz="quarter" idx="12"/>
-          </p:nvPr>
-        </p:nvSpPr>
-        <p:spPr/>
-        <p:txBody>
-          <a:bodyPr/>
-          <a:lstStyle/>
-          <a:p>
-            <a:pPr>
-              <a:defRPr/>
-            </a:pPr>
-            <a:endParaRPr lang="en-US"/>
+            <a:r>
+              <a:rPr lang="en-US" smtClean="0"/>
+              <a:t>Chef Software, Inc.</a:t>
+            </a:r>
+            <a:endParaRPr lang="en-US" dirty="0"/>
           </a:p>
         </p:txBody>
       </p:sp>
@@ -2552,12 +2246,12 @@
       </p:sp>
       <p:sp>
         <p:nvSpPr>
-          <p:cNvPr id="4" name="Slide Number Placeholder 3"/>
-          <p:cNvSpPr>
-            <a:spLocks noGrp="1"/>
-          </p:cNvSpPr>
-          <p:nvPr>
-            <p:ph type="sldNum" sz="quarter" idx="10"/>
+          <p:cNvPr id="5" name="Header Placeholder 4"/>
+          <p:cNvSpPr>
+            <a:spLocks noGrp="1"/>
+          </p:cNvSpPr>
+          <p:nvPr>
+            <p:ph type="hdr" sz="quarter" idx="11"/>
           </p:nvPr>
         </p:nvSpPr>
         <p:spPr/>
@@ -2568,25 +2262,22 @@
             <a:pPr>
               <a:defRPr/>
             </a:pPr>
-            <a:fld id="{DC3734AA-3150-D947-AC52-2F5DF48BFCD5}" type="slidenum">
+            <a:r>
               <a:rPr lang="en-US" smtClean="0"/>
-              <a:pPr>
-                <a:defRPr/>
-              </a:pPr>
-              <a:t>19</a:t>
-            </a:fld>
-            <a:endParaRPr lang="en-US" dirty="0"/>
-          </a:p>
-        </p:txBody>
-      </p:sp>
-      <p:sp>
-        <p:nvSpPr>
-          <p:cNvPr id="5" name="Header Placeholder 4"/>
-          <p:cNvSpPr>
-            <a:spLocks noGrp="1"/>
-          </p:cNvSpPr>
-          <p:nvPr>
-            <p:ph type="hdr" sz="quarter" idx="11"/>
+              <a:t>Test Driven Cookbook Development</a:t>
+            </a:r>
+            <a:endParaRPr lang="en-US"/>
+          </a:p>
+        </p:txBody>
+      </p:sp>
+      <p:sp>
+        <p:nvSpPr>
+          <p:cNvPr id="7" name="Date Placeholder 6"/>
+          <p:cNvSpPr>
+            <a:spLocks noGrp="1"/>
+          </p:cNvSpPr>
+          <p:nvPr>
+            <p:ph type="dt" idx="13"/>
           </p:nvPr>
         </p:nvSpPr>
         <p:spPr/>
@@ -2597,29 +2288,11 @@
             <a:pPr>
               <a:defRPr/>
             </a:pPr>
-            <a:endParaRPr lang="en-US"/>
-          </a:p>
-        </p:txBody>
-      </p:sp>
-      <p:sp>
-        <p:nvSpPr>
-          <p:cNvPr id="6" name="Footer Placeholder 5"/>
-          <p:cNvSpPr>
-            <a:spLocks noGrp="1"/>
-          </p:cNvSpPr>
-          <p:nvPr>
-            <p:ph type="ftr" sz="quarter" idx="12"/>
-          </p:nvPr>
-        </p:nvSpPr>
-        <p:spPr/>
-        <p:txBody>
-          <a:bodyPr/>
-          <a:lstStyle/>
-          <a:p>
-            <a:pPr>
-              <a:defRPr/>
-            </a:pPr>
-            <a:endParaRPr lang="en-US"/>
+            <a:r>
+              <a:rPr lang="en-US" smtClean="0"/>
+              <a:t>Chef Software, Inc.</a:t>
+            </a:r>
+            <a:endParaRPr lang="en-US" dirty="0"/>
           </a:p>
         </p:txBody>
       </p:sp>
@@ -2694,12 +2367,12 @@
       </p:sp>
       <p:sp>
         <p:nvSpPr>
-          <p:cNvPr id="4" name="Slide Number Placeholder 3"/>
-          <p:cNvSpPr>
-            <a:spLocks noGrp="1"/>
-          </p:cNvSpPr>
-          <p:nvPr>
-            <p:ph type="sldNum" sz="quarter" idx="10"/>
+          <p:cNvPr id="5" name="Header Placeholder 4"/>
+          <p:cNvSpPr>
+            <a:spLocks noGrp="1"/>
+          </p:cNvSpPr>
+          <p:nvPr>
+            <p:ph type="hdr" sz="quarter" idx="11"/>
           </p:nvPr>
         </p:nvSpPr>
         <p:spPr/>
@@ -2710,25 +2383,22 @@
             <a:pPr>
               <a:defRPr/>
             </a:pPr>
-            <a:fld id="{DC3734AA-3150-D947-AC52-2F5DF48BFCD5}" type="slidenum">
+            <a:r>
               <a:rPr lang="en-US" smtClean="0"/>
-              <a:pPr>
-                <a:defRPr/>
-              </a:pPr>
-              <a:t>2</a:t>
-            </a:fld>
-            <a:endParaRPr lang="en-US" dirty="0"/>
-          </a:p>
-        </p:txBody>
-      </p:sp>
-      <p:sp>
-        <p:nvSpPr>
-          <p:cNvPr id="5" name="Header Placeholder 4"/>
-          <p:cNvSpPr>
-            <a:spLocks noGrp="1"/>
-          </p:cNvSpPr>
-          <p:nvPr>
-            <p:ph type="hdr" sz="quarter" idx="11"/>
+              <a:t>Test Driven Cookbook Development</a:t>
+            </a:r>
+            <a:endParaRPr lang="en-US"/>
+          </a:p>
+        </p:txBody>
+      </p:sp>
+      <p:sp>
+        <p:nvSpPr>
+          <p:cNvPr id="7" name="Date Placeholder 6"/>
+          <p:cNvSpPr>
+            <a:spLocks noGrp="1"/>
+          </p:cNvSpPr>
+          <p:nvPr>
+            <p:ph type="dt" idx="13"/>
           </p:nvPr>
         </p:nvSpPr>
         <p:spPr/>
@@ -2739,29 +2409,11 @@
             <a:pPr>
               <a:defRPr/>
             </a:pPr>
-            <a:endParaRPr lang="en-US"/>
-          </a:p>
-        </p:txBody>
-      </p:sp>
-      <p:sp>
-        <p:nvSpPr>
-          <p:cNvPr id="6" name="Footer Placeholder 5"/>
-          <p:cNvSpPr>
-            <a:spLocks noGrp="1"/>
-          </p:cNvSpPr>
-          <p:nvPr>
-            <p:ph type="ftr" sz="quarter" idx="12"/>
-          </p:nvPr>
-        </p:nvSpPr>
-        <p:spPr/>
-        <p:txBody>
-          <a:bodyPr/>
-          <a:lstStyle/>
-          <a:p>
-            <a:pPr>
-              <a:defRPr/>
-            </a:pPr>
-            <a:endParaRPr lang="en-US"/>
+            <a:r>
+              <a:rPr lang="en-US" smtClean="0"/>
+              <a:t>Chef Software, Inc.</a:t>
+            </a:r>
+            <a:endParaRPr lang="en-US" dirty="0"/>
           </a:p>
         </p:txBody>
       </p:sp>
@@ -2862,12 +2514,12 @@
       </p:sp>
       <p:sp>
         <p:nvSpPr>
-          <p:cNvPr id="4" name="Slide Number Placeholder 3"/>
-          <p:cNvSpPr>
-            <a:spLocks noGrp="1"/>
-          </p:cNvSpPr>
-          <p:nvPr>
-            <p:ph type="sldNum" sz="quarter" idx="10"/>
+          <p:cNvPr id="5" name="Header Placeholder 4"/>
+          <p:cNvSpPr>
+            <a:spLocks noGrp="1"/>
+          </p:cNvSpPr>
+          <p:nvPr>
+            <p:ph type="hdr" sz="quarter" idx="11"/>
           </p:nvPr>
         </p:nvSpPr>
         <p:spPr/>
@@ -2878,25 +2530,22 @@
             <a:pPr>
               <a:defRPr/>
             </a:pPr>
-            <a:fld id="{DC3734AA-3150-D947-AC52-2F5DF48BFCD5}" type="slidenum">
+            <a:r>
               <a:rPr lang="en-US" smtClean="0"/>
-              <a:pPr>
-                <a:defRPr/>
-              </a:pPr>
-              <a:t>20</a:t>
-            </a:fld>
-            <a:endParaRPr lang="en-US" dirty="0"/>
-          </a:p>
-        </p:txBody>
-      </p:sp>
-      <p:sp>
-        <p:nvSpPr>
-          <p:cNvPr id="5" name="Header Placeholder 4"/>
-          <p:cNvSpPr>
-            <a:spLocks noGrp="1"/>
-          </p:cNvSpPr>
-          <p:nvPr>
-            <p:ph type="hdr" sz="quarter" idx="11"/>
+              <a:t>Test Driven Cookbook Development</a:t>
+            </a:r>
+            <a:endParaRPr lang="en-US"/>
+          </a:p>
+        </p:txBody>
+      </p:sp>
+      <p:sp>
+        <p:nvSpPr>
+          <p:cNvPr id="7" name="Date Placeholder 6"/>
+          <p:cNvSpPr>
+            <a:spLocks noGrp="1"/>
+          </p:cNvSpPr>
+          <p:nvPr>
+            <p:ph type="dt" idx="13"/>
           </p:nvPr>
         </p:nvSpPr>
         <p:spPr/>
@@ -2907,29 +2556,11 @@
             <a:pPr>
               <a:defRPr/>
             </a:pPr>
-            <a:endParaRPr lang="en-US"/>
-          </a:p>
-        </p:txBody>
-      </p:sp>
-      <p:sp>
-        <p:nvSpPr>
-          <p:cNvPr id="6" name="Footer Placeholder 5"/>
-          <p:cNvSpPr>
-            <a:spLocks noGrp="1"/>
-          </p:cNvSpPr>
-          <p:nvPr>
-            <p:ph type="ftr" sz="quarter" idx="12"/>
-          </p:nvPr>
-        </p:nvSpPr>
-        <p:spPr/>
-        <p:txBody>
-          <a:bodyPr/>
-          <a:lstStyle/>
-          <a:p>
-            <a:pPr>
-              <a:defRPr/>
-            </a:pPr>
-            <a:endParaRPr lang="en-US"/>
+            <a:r>
+              <a:rPr lang="en-US" smtClean="0"/>
+              <a:t>Chef Software, Inc.</a:t>
+            </a:r>
+            <a:endParaRPr lang="en-US" dirty="0"/>
           </a:p>
         </p:txBody>
       </p:sp>
@@ -3004,12 +2635,12 @@
       </p:sp>
       <p:sp>
         <p:nvSpPr>
-          <p:cNvPr id="4" name="Slide Number Placeholder 3"/>
-          <p:cNvSpPr>
-            <a:spLocks noGrp="1"/>
-          </p:cNvSpPr>
-          <p:nvPr>
-            <p:ph type="sldNum" sz="quarter" idx="10"/>
+          <p:cNvPr id="5" name="Header Placeholder 4"/>
+          <p:cNvSpPr>
+            <a:spLocks noGrp="1"/>
+          </p:cNvSpPr>
+          <p:nvPr>
+            <p:ph type="hdr" sz="quarter" idx="11"/>
           </p:nvPr>
         </p:nvSpPr>
         <p:spPr/>
@@ -3020,25 +2651,22 @@
             <a:pPr>
               <a:defRPr/>
             </a:pPr>
-            <a:fld id="{DC3734AA-3150-D947-AC52-2F5DF48BFCD5}" type="slidenum">
+            <a:r>
               <a:rPr lang="en-US" smtClean="0"/>
-              <a:pPr>
-                <a:defRPr/>
-              </a:pPr>
-              <a:t>21</a:t>
-            </a:fld>
-            <a:endParaRPr lang="en-US" dirty="0"/>
-          </a:p>
-        </p:txBody>
-      </p:sp>
-      <p:sp>
-        <p:nvSpPr>
-          <p:cNvPr id="5" name="Header Placeholder 4"/>
-          <p:cNvSpPr>
-            <a:spLocks noGrp="1"/>
-          </p:cNvSpPr>
-          <p:nvPr>
-            <p:ph type="hdr" sz="quarter" idx="11"/>
+              <a:t>Test Driven Cookbook Development</a:t>
+            </a:r>
+            <a:endParaRPr lang="en-US"/>
+          </a:p>
+        </p:txBody>
+      </p:sp>
+      <p:sp>
+        <p:nvSpPr>
+          <p:cNvPr id="7" name="Date Placeholder 6"/>
+          <p:cNvSpPr>
+            <a:spLocks noGrp="1"/>
+          </p:cNvSpPr>
+          <p:nvPr>
+            <p:ph type="dt" idx="13"/>
           </p:nvPr>
         </p:nvSpPr>
         <p:spPr/>
@@ -3049,29 +2677,11 @@
             <a:pPr>
               <a:defRPr/>
             </a:pPr>
-            <a:endParaRPr lang="en-US"/>
-          </a:p>
-        </p:txBody>
-      </p:sp>
-      <p:sp>
-        <p:nvSpPr>
-          <p:cNvPr id="6" name="Footer Placeholder 5"/>
-          <p:cNvSpPr>
-            <a:spLocks noGrp="1"/>
-          </p:cNvSpPr>
-          <p:nvPr>
-            <p:ph type="ftr" sz="quarter" idx="12"/>
-          </p:nvPr>
-        </p:nvSpPr>
-        <p:spPr/>
-        <p:txBody>
-          <a:bodyPr/>
-          <a:lstStyle/>
-          <a:p>
-            <a:pPr>
-              <a:defRPr/>
-            </a:pPr>
-            <a:endParaRPr lang="en-US"/>
+            <a:r>
+              <a:rPr lang="en-US" smtClean="0"/>
+              <a:t>Chef Software, Inc.</a:t>
+            </a:r>
+            <a:endParaRPr lang="en-US" dirty="0"/>
           </a:p>
         </p:txBody>
       </p:sp>
@@ -3146,12 +2756,12 @@
       </p:sp>
       <p:sp>
         <p:nvSpPr>
-          <p:cNvPr id="4" name="Slide Number Placeholder 3"/>
-          <p:cNvSpPr>
-            <a:spLocks noGrp="1"/>
-          </p:cNvSpPr>
-          <p:nvPr>
-            <p:ph type="sldNum" sz="quarter" idx="10"/>
+          <p:cNvPr id="5" name="Header Placeholder 4"/>
+          <p:cNvSpPr>
+            <a:spLocks noGrp="1"/>
+          </p:cNvSpPr>
+          <p:nvPr>
+            <p:ph type="hdr" sz="quarter" idx="11"/>
           </p:nvPr>
         </p:nvSpPr>
         <p:spPr/>
@@ -3162,25 +2772,22 @@
             <a:pPr>
               <a:defRPr/>
             </a:pPr>
-            <a:fld id="{DC3734AA-3150-D947-AC52-2F5DF48BFCD5}" type="slidenum">
+            <a:r>
               <a:rPr lang="en-US" smtClean="0"/>
-              <a:pPr>
-                <a:defRPr/>
-              </a:pPr>
-              <a:t>22</a:t>
-            </a:fld>
-            <a:endParaRPr lang="en-US" dirty="0"/>
-          </a:p>
-        </p:txBody>
-      </p:sp>
-      <p:sp>
-        <p:nvSpPr>
-          <p:cNvPr id="5" name="Header Placeholder 4"/>
-          <p:cNvSpPr>
-            <a:spLocks noGrp="1"/>
-          </p:cNvSpPr>
-          <p:nvPr>
-            <p:ph type="hdr" sz="quarter" idx="11"/>
+              <a:t>Test Driven Cookbook Development</a:t>
+            </a:r>
+            <a:endParaRPr lang="en-US"/>
+          </a:p>
+        </p:txBody>
+      </p:sp>
+      <p:sp>
+        <p:nvSpPr>
+          <p:cNvPr id="7" name="Date Placeholder 6"/>
+          <p:cNvSpPr>
+            <a:spLocks noGrp="1"/>
+          </p:cNvSpPr>
+          <p:nvPr>
+            <p:ph type="dt" idx="13"/>
           </p:nvPr>
         </p:nvSpPr>
         <p:spPr/>
@@ -3191,29 +2798,11 @@
             <a:pPr>
               <a:defRPr/>
             </a:pPr>
-            <a:endParaRPr lang="en-US"/>
-          </a:p>
-        </p:txBody>
-      </p:sp>
-      <p:sp>
-        <p:nvSpPr>
-          <p:cNvPr id="6" name="Footer Placeholder 5"/>
-          <p:cNvSpPr>
-            <a:spLocks noGrp="1"/>
-          </p:cNvSpPr>
-          <p:nvPr>
-            <p:ph type="ftr" sz="quarter" idx="12"/>
-          </p:nvPr>
-        </p:nvSpPr>
-        <p:spPr/>
-        <p:txBody>
-          <a:bodyPr/>
-          <a:lstStyle/>
-          <a:p>
-            <a:pPr>
-              <a:defRPr/>
-            </a:pPr>
-            <a:endParaRPr lang="en-US"/>
+            <a:r>
+              <a:rPr lang="en-US" smtClean="0"/>
+              <a:t>Chef Software, Inc.</a:t>
+            </a:r>
+            <a:endParaRPr lang="en-US" dirty="0"/>
           </a:p>
         </p:txBody>
       </p:sp>
@@ -3297,12 +2886,12 @@
       </p:sp>
       <p:sp>
         <p:nvSpPr>
-          <p:cNvPr id="4" name="Slide Number Placeholder 3"/>
-          <p:cNvSpPr>
-            <a:spLocks noGrp="1"/>
-          </p:cNvSpPr>
-          <p:nvPr>
-            <p:ph type="sldNum" sz="quarter" idx="10"/>
+          <p:cNvPr id="5" name="Header Placeholder 4"/>
+          <p:cNvSpPr>
+            <a:spLocks noGrp="1"/>
+          </p:cNvSpPr>
+          <p:nvPr>
+            <p:ph type="hdr" sz="quarter" idx="11"/>
           </p:nvPr>
         </p:nvSpPr>
         <p:spPr/>
@@ -3313,25 +2902,22 @@
             <a:pPr>
               <a:defRPr/>
             </a:pPr>
-            <a:fld id="{DC3734AA-3150-D947-AC52-2F5DF48BFCD5}" type="slidenum">
+            <a:r>
               <a:rPr lang="en-US" smtClean="0"/>
-              <a:pPr>
-                <a:defRPr/>
-              </a:pPr>
-              <a:t>23</a:t>
-            </a:fld>
-            <a:endParaRPr lang="en-US" dirty="0"/>
-          </a:p>
-        </p:txBody>
-      </p:sp>
-      <p:sp>
-        <p:nvSpPr>
-          <p:cNvPr id="5" name="Header Placeholder 4"/>
-          <p:cNvSpPr>
-            <a:spLocks noGrp="1"/>
-          </p:cNvSpPr>
-          <p:nvPr>
-            <p:ph type="hdr" sz="quarter" idx="11"/>
+              <a:t>Test Driven Cookbook Development</a:t>
+            </a:r>
+            <a:endParaRPr lang="en-US"/>
+          </a:p>
+        </p:txBody>
+      </p:sp>
+      <p:sp>
+        <p:nvSpPr>
+          <p:cNvPr id="7" name="Date Placeholder 6"/>
+          <p:cNvSpPr>
+            <a:spLocks noGrp="1"/>
+          </p:cNvSpPr>
+          <p:nvPr>
+            <p:ph type="dt" idx="13"/>
           </p:nvPr>
         </p:nvSpPr>
         <p:spPr/>
@@ -3342,29 +2928,11 @@
             <a:pPr>
               <a:defRPr/>
             </a:pPr>
-            <a:endParaRPr lang="en-US"/>
-          </a:p>
-        </p:txBody>
-      </p:sp>
-      <p:sp>
-        <p:nvSpPr>
-          <p:cNvPr id="6" name="Footer Placeholder 5"/>
-          <p:cNvSpPr>
-            <a:spLocks noGrp="1"/>
-          </p:cNvSpPr>
-          <p:nvPr>
-            <p:ph type="ftr" sz="quarter" idx="12"/>
-          </p:nvPr>
-        </p:nvSpPr>
-        <p:spPr/>
-        <p:txBody>
-          <a:bodyPr/>
-          <a:lstStyle/>
-          <a:p>
-            <a:pPr>
-              <a:defRPr/>
-            </a:pPr>
-            <a:endParaRPr lang="en-US"/>
+            <a:r>
+              <a:rPr lang="en-US" smtClean="0"/>
+              <a:t>Chef Software, Inc.</a:t>
+            </a:r>
+            <a:endParaRPr lang="en-US" dirty="0"/>
           </a:p>
         </p:txBody>
       </p:sp>
@@ -3447,12 +3015,12 @@
       </p:sp>
       <p:sp>
         <p:nvSpPr>
-          <p:cNvPr id="4" name="Slide Number Placeholder 3"/>
-          <p:cNvSpPr>
-            <a:spLocks noGrp="1"/>
-          </p:cNvSpPr>
-          <p:nvPr>
-            <p:ph type="sldNum" sz="quarter" idx="10"/>
+          <p:cNvPr id="5" name="Header Placeholder 4"/>
+          <p:cNvSpPr>
+            <a:spLocks noGrp="1"/>
+          </p:cNvSpPr>
+          <p:nvPr>
+            <p:ph type="hdr" sz="quarter" idx="11"/>
           </p:nvPr>
         </p:nvSpPr>
         <p:spPr/>
@@ -3463,25 +3031,22 @@
             <a:pPr>
               <a:defRPr/>
             </a:pPr>
-            <a:fld id="{DC3734AA-3150-D947-AC52-2F5DF48BFCD5}" type="slidenum">
+            <a:r>
               <a:rPr lang="en-US" smtClean="0"/>
-              <a:pPr>
-                <a:defRPr/>
-              </a:pPr>
-              <a:t>24</a:t>
-            </a:fld>
-            <a:endParaRPr lang="en-US" dirty="0"/>
-          </a:p>
-        </p:txBody>
-      </p:sp>
-      <p:sp>
-        <p:nvSpPr>
-          <p:cNvPr id="5" name="Header Placeholder 4"/>
-          <p:cNvSpPr>
-            <a:spLocks noGrp="1"/>
-          </p:cNvSpPr>
-          <p:nvPr>
-            <p:ph type="hdr" sz="quarter" idx="11"/>
+              <a:t>Test Driven Cookbook Development</a:t>
+            </a:r>
+            <a:endParaRPr lang="en-US"/>
+          </a:p>
+        </p:txBody>
+      </p:sp>
+      <p:sp>
+        <p:nvSpPr>
+          <p:cNvPr id="7" name="Date Placeholder 6"/>
+          <p:cNvSpPr>
+            <a:spLocks noGrp="1"/>
+          </p:cNvSpPr>
+          <p:nvPr>
+            <p:ph type="dt" idx="13"/>
           </p:nvPr>
         </p:nvSpPr>
         <p:spPr/>
@@ -3492,29 +3057,11 @@
             <a:pPr>
               <a:defRPr/>
             </a:pPr>
-            <a:endParaRPr lang="en-US"/>
-          </a:p>
-        </p:txBody>
-      </p:sp>
-      <p:sp>
-        <p:nvSpPr>
-          <p:cNvPr id="6" name="Footer Placeholder 5"/>
-          <p:cNvSpPr>
-            <a:spLocks noGrp="1"/>
-          </p:cNvSpPr>
-          <p:nvPr>
-            <p:ph type="ftr" sz="quarter" idx="12"/>
-          </p:nvPr>
-        </p:nvSpPr>
-        <p:spPr/>
-        <p:txBody>
-          <a:bodyPr/>
-          <a:lstStyle/>
-          <a:p>
-            <a:pPr>
-              <a:defRPr/>
-            </a:pPr>
-            <a:endParaRPr lang="en-US"/>
+            <a:r>
+              <a:rPr lang="en-US" smtClean="0"/>
+              <a:t>Chef Software, Inc.</a:t>
+            </a:r>
+            <a:endParaRPr lang="en-US" dirty="0"/>
           </a:p>
         </p:txBody>
       </p:sp>
@@ -3605,12 +3152,12 @@
       </p:sp>
       <p:sp>
         <p:nvSpPr>
-          <p:cNvPr id="4" name="Slide Number Placeholder 3"/>
-          <p:cNvSpPr>
-            <a:spLocks noGrp="1"/>
-          </p:cNvSpPr>
-          <p:nvPr>
-            <p:ph type="sldNum" sz="quarter" idx="10"/>
+          <p:cNvPr id="5" name="Header Placeholder 4"/>
+          <p:cNvSpPr>
+            <a:spLocks noGrp="1"/>
+          </p:cNvSpPr>
+          <p:nvPr>
+            <p:ph type="hdr" sz="quarter" idx="11"/>
           </p:nvPr>
         </p:nvSpPr>
         <p:spPr/>
@@ -3621,25 +3168,22 @@
             <a:pPr>
               <a:defRPr/>
             </a:pPr>
-            <a:fld id="{DC3734AA-3150-D947-AC52-2F5DF48BFCD5}" type="slidenum">
+            <a:r>
               <a:rPr lang="en-US" smtClean="0"/>
-              <a:pPr>
-                <a:defRPr/>
-              </a:pPr>
-              <a:t>25</a:t>
-            </a:fld>
-            <a:endParaRPr lang="en-US" dirty="0"/>
-          </a:p>
-        </p:txBody>
-      </p:sp>
-      <p:sp>
-        <p:nvSpPr>
-          <p:cNvPr id="5" name="Header Placeholder 4"/>
-          <p:cNvSpPr>
-            <a:spLocks noGrp="1"/>
-          </p:cNvSpPr>
-          <p:nvPr>
-            <p:ph type="hdr" sz="quarter" idx="11"/>
+              <a:t>Test Driven Cookbook Development</a:t>
+            </a:r>
+            <a:endParaRPr lang="en-US"/>
+          </a:p>
+        </p:txBody>
+      </p:sp>
+      <p:sp>
+        <p:nvSpPr>
+          <p:cNvPr id="7" name="Date Placeholder 6"/>
+          <p:cNvSpPr>
+            <a:spLocks noGrp="1"/>
+          </p:cNvSpPr>
+          <p:nvPr>
+            <p:ph type="dt" idx="13"/>
           </p:nvPr>
         </p:nvSpPr>
         <p:spPr/>
@@ -3650,29 +3194,11 @@
             <a:pPr>
               <a:defRPr/>
             </a:pPr>
-            <a:endParaRPr lang="en-US"/>
-          </a:p>
-        </p:txBody>
-      </p:sp>
-      <p:sp>
-        <p:nvSpPr>
-          <p:cNvPr id="6" name="Footer Placeholder 5"/>
-          <p:cNvSpPr>
-            <a:spLocks noGrp="1"/>
-          </p:cNvSpPr>
-          <p:nvPr>
-            <p:ph type="ftr" sz="quarter" idx="12"/>
-          </p:nvPr>
-        </p:nvSpPr>
-        <p:spPr/>
-        <p:txBody>
-          <a:bodyPr/>
-          <a:lstStyle/>
-          <a:p>
-            <a:pPr>
-              <a:defRPr/>
-            </a:pPr>
-            <a:endParaRPr lang="en-US"/>
+            <a:r>
+              <a:rPr lang="en-US" smtClean="0"/>
+              <a:t>Chef Software, Inc.</a:t>
+            </a:r>
+            <a:endParaRPr lang="en-US" dirty="0"/>
           </a:p>
         </p:txBody>
       </p:sp>
@@ -3747,12 +3273,12 @@
       </p:sp>
       <p:sp>
         <p:nvSpPr>
-          <p:cNvPr id="4" name="Slide Number Placeholder 3"/>
-          <p:cNvSpPr>
-            <a:spLocks noGrp="1"/>
-          </p:cNvSpPr>
-          <p:nvPr>
-            <p:ph type="sldNum" sz="quarter" idx="10"/>
+          <p:cNvPr id="5" name="Header Placeholder 4"/>
+          <p:cNvSpPr>
+            <a:spLocks noGrp="1"/>
+          </p:cNvSpPr>
+          <p:nvPr>
+            <p:ph type="hdr" sz="quarter" idx="11"/>
           </p:nvPr>
         </p:nvSpPr>
         <p:spPr/>
@@ -3763,25 +3289,22 @@
             <a:pPr>
               <a:defRPr/>
             </a:pPr>
-            <a:fld id="{DC3734AA-3150-D947-AC52-2F5DF48BFCD5}" type="slidenum">
+            <a:r>
               <a:rPr lang="en-US" smtClean="0"/>
-              <a:pPr>
-                <a:defRPr/>
-              </a:pPr>
-              <a:t>26</a:t>
-            </a:fld>
-            <a:endParaRPr lang="en-US" dirty="0"/>
-          </a:p>
-        </p:txBody>
-      </p:sp>
-      <p:sp>
-        <p:nvSpPr>
-          <p:cNvPr id="5" name="Header Placeholder 4"/>
-          <p:cNvSpPr>
-            <a:spLocks noGrp="1"/>
-          </p:cNvSpPr>
-          <p:nvPr>
-            <p:ph type="hdr" sz="quarter" idx="11"/>
+              <a:t>Test Driven Cookbook Development</a:t>
+            </a:r>
+            <a:endParaRPr lang="en-US"/>
+          </a:p>
+        </p:txBody>
+      </p:sp>
+      <p:sp>
+        <p:nvSpPr>
+          <p:cNvPr id="7" name="Date Placeholder 6"/>
+          <p:cNvSpPr>
+            <a:spLocks noGrp="1"/>
+          </p:cNvSpPr>
+          <p:nvPr>
+            <p:ph type="dt" idx="13"/>
           </p:nvPr>
         </p:nvSpPr>
         <p:spPr/>
@@ -3792,29 +3315,11 @@
             <a:pPr>
               <a:defRPr/>
             </a:pPr>
-            <a:endParaRPr lang="en-US"/>
-          </a:p>
-        </p:txBody>
-      </p:sp>
-      <p:sp>
-        <p:nvSpPr>
-          <p:cNvPr id="6" name="Footer Placeholder 5"/>
-          <p:cNvSpPr>
-            <a:spLocks noGrp="1"/>
-          </p:cNvSpPr>
-          <p:nvPr>
-            <p:ph type="ftr" sz="quarter" idx="12"/>
-          </p:nvPr>
-        </p:nvSpPr>
-        <p:spPr/>
-        <p:txBody>
-          <a:bodyPr/>
-          <a:lstStyle/>
-          <a:p>
-            <a:pPr>
-              <a:defRPr/>
-            </a:pPr>
-            <a:endParaRPr lang="en-US"/>
+            <a:r>
+              <a:rPr lang="en-US" smtClean="0"/>
+              <a:t>Chef Software, Inc.</a:t>
+            </a:r>
+            <a:endParaRPr lang="en-US" dirty="0"/>
           </a:p>
         </p:txBody>
       </p:sp>
@@ -3889,12 +3394,12 @@
       </p:sp>
       <p:sp>
         <p:nvSpPr>
-          <p:cNvPr id="4" name="Slide Number Placeholder 3"/>
-          <p:cNvSpPr>
-            <a:spLocks noGrp="1"/>
-          </p:cNvSpPr>
-          <p:nvPr>
-            <p:ph type="sldNum" sz="quarter" idx="10"/>
+          <p:cNvPr id="5" name="Header Placeholder 4"/>
+          <p:cNvSpPr>
+            <a:spLocks noGrp="1"/>
+          </p:cNvSpPr>
+          <p:nvPr>
+            <p:ph type="hdr" sz="quarter" idx="11"/>
           </p:nvPr>
         </p:nvSpPr>
         <p:spPr/>
@@ -3905,25 +3410,22 @@
             <a:pPr>
               <a:defRPr/>
             </a:pPr>
-            <a:fld id="{DC3734AA-3150-D947-AC52-2F5DF48BFCD5}" type="slidenum">
+            <a:r>
               <a:rPr lang="en-US" smtClean="0"/>
-              <a:pPr>
-                <a:defRPr/>
-              </a:pPr>
-              <a:t>27</a:t>
-            </a:fld>
-            <a:endParaRPr lang="en-US" dirty="0"/>
-          </a:p>
-        </p:txBody>
-      </p:sp>
-      <p:sp>
-        <p:nvSpPr>
-          <p:cNvPr id="5" name="Header Placeholder 4"/>
-          <p:cNvSpPr>
-            <a:spLocks noGrp="1"/>
-          </p:cNvSpPr>
-          <p:nvPr>
-            <p:ph type="hdr" sz="quarter" idx="11"/>
+              <a:t>Test Driven Cookbook Development</a:t>
+            </a:r>
+            <a:endParaRPr lang="en-US"/>
+          </a:p>
+        </p:txBody>
+      </p:sp>
+      <p:sp>
+        <p:nvSpPr>
+          <p:cNvPr id="7" name="Date Placeholder 6"/>
+          <p:cNvSpPr>
+            <a:spLocks noGrp="1"/>
+          </p:cNvSpPr>
+          <p:nvPr>
+            <p:ph type="dt" idx="13"/>
           </p:nvPr>
         </p:nvSpPr>
         <p:spPr/>
@@ -3934,29 +3436,11 @@
             <a:pPr>
               <a:defRPr/>
             </a:pPr>
-            <a:endParaRPr lang="en-US"/>
-          </a:p>
-        </p:txBody>
-      </p:sp>
-      <p:sp>
-        <p:nvSpPr>
-          <p:cNvPr id="6" name="Footer Placeholder 5"/>
-          <p:cNvSpPr>
-            <a:spLocks noGrp="1"/>
-          </p:cNvSpPr>
-          <p:nvPr>
-            <p:ph type="ftr" sz="quarter" idx="12"/>
-          </p:nvPr>
-        </p:nvSpPr>
-        <p:spPr/>
-        <p:txBody>
-          <a:bodyPr/>
-          <a:lstStyle/>
-          <a:p>
-            <a:pPr>
-              <a:defRPr/>
-            </a:pPr>
-            <a:endParaRPr lang="en-US"/>
+            <a:r>
+              <a:rPr lang="en-US" smtClean="0"/>
+              <a:t>Chef Software, Inc.</a:t>
+            </a:r>
+            <a:endParaRPr lang="en-US" dirty="0"/>
           </a:p>
         </p:txBody>
       </p:sp>
@@ -4031,12 +3515,12 @@
       </p:sp>
       <p:sp>
         <p:nvSpPr>
-          <p:cNvPr id="4" name="Slide Number Placeholder 3"/>
-          <p:cNvSpPr>
-            <a:spLocks noGrp="1"/>
-          </p:cNvSpPr>
-          <p:nvPr>
-            <p:ph type="sldNum" sz="quarter" idx="10"/>
+          <p:cNvPr id="5" name="Header Placeholder 4"/>
+          <p:cNvSpPr>
+            <a:spLocks noGrp="1"/>
+          </p:cNvSpPr>
+          <p:nvPr>
+            <p:ph type="hdr" sz="quarter" idx="11"/>
           </p:nvPr>
         </p:nvSpPr>
         <p:spPr/>
@@ -4047,25 +3531,22 @@
             <a:pPr>
               <a:defRPr/>
             </a:pPr>
-            <a:fld id="{DC3734AA-3150-D947-AC52-2F5DF48BFCD5}" type="slidenum">
+            <a:r>
               <a:rPr lang="en-US" smtClean="0"/>
-              <a:pPr>
-                <a:defRPr/>
-              </a:pPr>
-              <a:t>28</a:t>
-            </a:fld>
-            <a:endParaRPr lang="en-US" dirty="0"/>
-          </a:p>
-        </p:txBody>
-      </p:sp>
-      <p:sp>
-        <p:nvSpPr>
-          <p:cNvPr id="5" name="Header Placeholder 4"/>
-          <p:cNvSpPr>
-            <a:spLocks noGrp="1"/>
-          </p:cNvSpPr>
-          <p:nvPr>
-            <p:ph type="hdr" sz="quarter" idx="11"/>
+              <a:t>Test Driven Cookbook Development</a:t>
+            </a:r>
+            <a:endParaRPr lang="en-US"/>
+          </a:p>
+        </p:txBody>
+      </p:sp>
+      <p:sp>
+        <p:nvSpPr>
+          <p:cNvPr id="7" name="Date Placeholder 6"/>
+          <p:cNvSpPr>
+            <a:spLocks noGrp="1"/>
+          </p:cNvSpPr>
+          <p:nvPr>
+            <p:ph type="dt" idx="13"/>
           </p:nvPr>
         </p:nvSpPr>
         <p:spPr/>
@@ -4076,29 +3557,11 @@
             <a:pPr>
               <a:defRPr/>
             </a:pPr>
-            <a:endParaRPr lang="en-US"/>
-          </a:p>
-        </p:txBody>
-      </p:sp>
-      <p:sp>
-        <p:nvSpPr>
-          <p:cNvPr id="6" name="Footer Placeholder 5"/>
-          <p:cNvSpPr>
-            <a:spLocks noGrp="1"/>
-          </p:cNvSpPr>
-          <p:nvPr>
-            <p:ph type="ftr" sz="quarter" idx="12"/>
-          </p:nvPr>
-        </p:nvSpPr>
-        <p:spPr/>
-        <p:txBody>
-          <a:bodyPr/>
-          <a:lstStyle/>
-          <a:p>
-            <a:pPr>
-              <a:defRPr/>
-            </a:pPr>
-            <a:endParaRPr lang="en-US"/>
+            <a:r>
+              <a:rPr lang="en-US" smtClean="0"/>
+              <a:t>Chef Software, Inc.</a:t>
+            </a:r>
+            <a:endParaRPr lang="en-US" dirty="0"/>
           </a:p>
         </p:txBody>
       </p:sp>
@@ -4173,12 +3636,12 @@
       </p:sp>
       <p:sp>
         <p:nvSpPr>
-          <p:cNvPr id="4" name="Slide Number Placeholder 3"/>
-          <p:cNvSpPr>
-            <a:spLocks noGrp="1"/>
-          </p:cNvSpPr>
-          <p:nvPr>
-            <p:ph type="sldNum" sz="quarter" idx="10"/>
+          <p:cNvPr id="5" name="Header Placeholder 4"/>
+          <p:cNvSpPr>
+            <a:spLocks noGrp="1"/>
+          </p:cNvSpPr>
+          <p:nvPr>
+            <p:ph type="hdr" sz="quarter" idx="11"/>
           </p:nvPr>
         </p:nvSpPr>
         <p:spPr/>
@@ -4189,25 +3652,22 @@
             <a:pPr>
               <a:defRPr/>
             </a:pPr>
-            <a:fld id="{DC3734AA-3150-D947-AC52-2F5DF48BFCD5}" type="slidenum">
+            <a:r>
               <a:rPr lang="en-US" smtClean="0"/>
-              <a:pPr>
-                <a:defRPr/>
-              </a:pPr>
-              <a:t>29</a:t>
-            </a:fld>
-            <a:endParaRPr lang="en-US" dirty="0"/>
-          </a:p>
-        </p:txBody>
-      </p:sp>
-      <p:sp>
-        <p:nvSpPr>
-          <p:cNvPr id="5" name="Header Placeholder 4"/>
-          <p:cNvSpPr>
-            <a:spLocks noGrp="1"/>
-          </p:cNvSpPr>
-          <p:nvPr>
-            <p:ph type="hdr" sz="quarter" idx="11"/>
+              <a:t>Test Driven Cookbook Development</a:t>
+            </a:r>
+            <a:endParaRPr lang="en-US"/>
+          </a:p>
+        </p:txBody>
+      </p:sp>
+      <p:sp>
+        <p:nvSpPr>
+          <p:cNvPr id="7" name="Date Placeholder 6"/>
+          <p:cNvSpPr>
+            <a:spLocks noGrp="1"/>
+          </p:cNvSpPr>
+          <p:nvPr>
+            <p:ph type="dt" idx="13"/>
           </p:nvPr>
         </p:nvSpPr>
         <p:spPr/>
@@ -4218,29 +3678,11 @@
             <a:pPr>
               <a:defRPr/>
             </a:pPr>
-            <a:endParaRPr lang="en-US"/>
-          </a:p>
-        </p:txBody>
-      </p:sp>
-      <p:sp>
-        <p:nvSpPr>
-          <p:cNvPr id="6" name="Footer Placeholder 5"/>
-          <p:cNvSpPr>
-            <a:spLocks noGrp="1"/>
-          </p:cNvSpPr>
-          <p:nvPr>
-            <p:ph type="ftr" sz="quarter" idx="12"/>
-          </p:nvPr>
-        </p:nvSpPr>
-        <p:spPr/>
-        <p:txBody>
-          <a:bodyPr/>
-          <a:lstStyle/>
-          <a:p>
-            <a:pPr>
-              <a:defRPr/>
-            </a:pPr>
-            <a:endParaRPr lang="en-US"/>
+            <a:r>
+              <a:rPr lang="en-US" smtClean="0"/>
+              <a:t>Chef Software, Inc.</a:t>
+            </a:r>
+            <a:endParaRPr lang="en-US" dirty="0"/>
           </a:p>
         </p:txBody>
       </p:sp>
@@ -4333,12 +3775,12 @@
       </p:sp>
       <p:sp>
         <p:nvSpPr>
-          <p:cNvPr id="4" name="Slide Number Placeholder 3"/>
-          <p:cNvSpPr>
-            <a:spLocks noGrp="1"/>
-          </p:cNvSpPr>
-          <p:nvPr>
-            <p:ph type="sldNum" sz="quarter" idx="10"/>
+          <p:cNvPr id="5" name="Header Placeholder 4"/>
+          <p:cNvSpPr>
+            <a:spLocks noGrp="1"/>
+          </p:cNvSpPr>
+          <p:nvPr>
+            <p:ph type="hdr" sz="quarter" idx="11"/>
           </p:nvPr>
         </p:nvSpPr>
         <p:spPr/>
@@ -4349,25 +3791,22 @@
             <a:pPr>
               <a:defRPr/>
             </a:pPr>
-            <a:fld id="{DC3734AA-3150-D947-AC52-2F5DF48BFCD5}" type="slidenum">
+            <a:r>
               <a:rPr lang="en-US" smtClean="0"/>
-              <a:pPr>
-                <a:defRPr/>
-              </a:pPr>
-              <a:t>3</a:t>
-            </a:fld>
-            <a:endParaRPr lang="en-US" dirty="0"/>
-          </a:p>
-        </p:txBody>
-      </p:sp>
-      <p:sp>
-        <p:nvSpPr>
-          <p:cNvPr id="5" name="Header Placeholder 4"/>
-          <p:cNvSpPr>
-            <a:spLocks noGrp="1"/>
-          </p:cNvSpPr>
-          <p:nvPr>
-            <p:ph type="hdr" sz="quarter" idx="11"/>
+              <a:t>Test Driven Cookbook Development</a:t>
+            </a:r>
+            <a:endParaRPr lang="en-US"/>
+          </a:p>
+        </p:txBody>
+      </p:sp>
+      <p:sp>
+        <p:nvSpPr>
+          <p:cNvPr id="7" name="Date Placeholder 6"/>
+          <p:cNvSpPr>
+            <a:spLocks noGrp="1"/>
+          </p:cNvSpPr>
+          <p:nvPr>
+            <p:ph type="dt" idx="13"/>
           </p:nvPr>
         </p:nvSpPr>
         <p:spPr/>
@@ -4378,29 +3817,11 @@
             <a:pPr>
               <a:defRPr/>
             </a:pPr>
-            <a:endParaRPr lang="en-US"/>
-          </a:p>
-        </p:txBody>
-      </p:sp>
-      <p:sp>
-        <p:nvSpPr>
-          <p:cNvPr id="6" name="Footer Placeholder 5"/>
-          <p:cNvSpPr>
-            <a:spLocks noGrp="1"/>
-          </p:cNvSpPr>
-          <p:nvPr>
-            <p:ph type="ftr" sz="quarter" idx="12"/>
-          </p:nvPr>
-        </p:nvSpPr>
-        <p:spPr/>
-        <p:txBody>
-          <a:bodyPr/>
-          <a:lstStyle/>
-          <a:p>
-            <a:pPr>
-              <a:defRPr/>
-            </a:pPr>
-            <a:endParaRPr lang="en-US"/>
+            <a:r>
+              <a:rPr lang="en-US" smtClean="0"/>
+              <a:t>Chef Software, Inc.</a:t>
+            </a:r>
+            <a:endParaRPr lang="en-US" dirty="0"/>
           </a:p>
         </p:txBody>
       </p:sp>
@@ -4475,12 +3896,12 @@
       </p:sp>
       <p:sp>
         <p:nvSpPr>
-          <p:cNvPr id="4" name="Slide Number Placeholder 3"/>
-          <p:cNvSpPr>
-            <a:spLocks noGrp="1"/>
-          </p:cNvSpPr>
-          <p:nvPr>
-            <p:ph type="sldNum" sz="quarter" idx="10"/>
+          <p:cNvPr id="5" name="Header Placeholder 4"/>
+          <p:cNvSpPr>
+            <a:spLocks noGrp="1"/>
+          </p:cNvSpPr>
+          <p:nvPr>
+            <p:ph type="hdr" sz="quarter" idx="11"/>
           </p:nvPr>
         </p:nvSpPr>
         <p:spPr/>
@@ -4491,25 +3912,22 @@
             <a:pPr>
               <a:defRPr/>
             </a:pPr>
-            <a:fld id="{DC3734AA-3150-D947-AC52-2F5DF48BFCD5}" type="slidenum">
+            <a:r>
               <a:rPr lang="en-US" smtClean="0"/>
-              <a:pPr>
-                <a:defRPr/>
-              </a:pPr>
-              <a:t>30</a:t>
-            </a:fld>
-            <a:endParaRPr lang="en-US" dirty="0"/>
-          </a:p>
-        </p:txBody>
-      </p:sp>
-      <p:sp>
-        <p:nvSpPr>
-          <p:cNvPr id="5" name="Header Placeholder 4"/>
-          <p:cNvSpPr>
-            <a:spLocks noGrp="1"/>
-          </p:cNvSpPr>
-          <p:nvPr>
-            <p:ph type="hdr" sz="quarter" idx="11"/>
+              <a:t>Test Driven Cookbook Development</a:t>
+            </a:r>
+            <a:endParaRPr lang="en-US"/>
+          </a:p>
+        </p:txBody>
+      </p:sp>
+      <p:sp>
+        <p:nvSpPr>
+          <p:cNvPr id="7" name="Date Placeholder 6"/>
+          <p:cNvSpPr>
+            <a:spLocks noGrp="1"/>
+          </p:cNvSpPr>
+          <p:nvPr>
+            <p:ph type="dt" idx="13"/>
           </p:nvPr>
         </p:nvSpPr>
         <p:spPr/>
@@ -4520,29 +3938,11 @@
             <a:pPr>
               <a:defRPr/>
             </a:pPr>
-            <a:endParaRPr lang="en-US"/>
-          </a:p>
-        </p:txBody>
-      </p:sp>
-      <p:sp>
-        <p:nvSpPr>
-          <p:cNvPr id="6" name="Footer Placeholder 5"/>
-          <p:cNvSpPr>
-            <a:spLocks noGrp="1"/>
-          </p:cNvSpPr>
-          <p:nvPr>
-            <p:ph type="ftr" sz="quarter" idx="12"/>
-          </p:nvPr>
-        </p:nvSpPr>
-        <p:spPr/>
-        <p:txBody>
-          <a:bodyPr/>
-          <a:lstStyle/>
-          <a:p>
-            <a:pPr>
-              <a:defRPr/>
-            </a:pPr>
-            <a:endParaRPr lang="en-US"/>
+            <a:r>
+              <a:rPr lang="en-US" smtClean="0"/>
+              <a:t>Chef Software, Inc.</a:t>
+            </a:r>
+            <a:endParaRPr lang="en-US" dirty="0"/>
           </a:p>
         </p:txBody>
       </p:sp>
@@ -4642,12 +4042,12 @@
       </p:sp>
       <p:sp>
         <p:nvSpPr>
-          <p:cNvPr id="4" name="Slide Number Placeholder 3"/>
-          <p:cNvSpPr>
-            <a:spLocks noGrp="1"/>
-          </p:cNvSpPr>
-          <p:nvPr>
-            <p:ph type="sldNum" sz="quarter" idx="10"/>
+          <p:cNvPr id="5" name="Header Placeholder 4"/>
+          <p:cNvSpPr>
+            <a:spLocks noGrp="1"/>
+          </p:cNvSpPr>
+          <p:nvPr>
+            <p:ph type="hdr" sz="quarter" idx="11"/>
           </p:nvPr>
         </p:nvSpPr>
         <p:spPr/>
@@ -4658,25 +4058,22 @@
             <a:pPr>
               <a:defRPr/>
             </a:pPr>
-            <a:fld id="{DC3734AA-3150-D947-AC52-2F5DF48BFCD5}" type="slidenum">
+            <a:r>
               <a:rPr lang="en-US" smtClean="0"/>
-              <a:pPr>
-                <a:defRPr/>
-              </a:pPr>
-              <a:t>31</a:t>
-            </a:fld>
-            <a:endParaRPr lang="en-US" dirty="0"/>
-          </a:p>
-        </p:txBody>
-      </p:sp>
-      <p:sp>
-        <p:nvSpPr>
-          <p:cNvPr id="5" name="Header Placeholder 4"/>
-          <p:cNvSpPr>
-            <a:spLocks noGrp="1"/>
-          </p:cNvSpPr>
-          <p:nvPr>
-            <p:ph type="hdr" sz="quarter" idx="11"/>
+              <a:t>Test Driven Cookbook Development</a:t>
+            </a:r>
+            <a:endParaRPr lang="en-US"/>
+          </a:p>
+        </p:txBody>
+      </p:sp>
+      <p:sp>
+        <p:nvSpPr>
+          <p:cNvPr id="7" name="Date Placeholder 6"/>
+          <p:cNvSpPr>
+            <a:spLocks noGrp="1"/>
+          </p:cNvSpPr>
+          <p:nvPr>
+            <p:ph type="dt" idx="13"/>
           </p:nvPr>
         </p:nvSpPr>
         <p:spPr/>
@@ -4687,29 +4084,11 @@
             <a:pPr>
               <a:defRPr/>
             </a:pPr>
-            <a:endParaRPr lang="en-US"/>
-          </a:p>
-        </p:txBody>
-      </p:sp>
-      <p:sp>
-        <p:nvSpPr>
-          <p:cNvPr id="6" name="Footer Placeholder 5"/>
-          <p:cNvSpPr>
-            <a:spLocks noGrp="1"/>
-          </p:cNvSpPr>
-          <p:nvPr>
-            <p:ph type="ftr" sz="quarter" idx="12"/>
-          </p:nvPr>
-        </p:nvSpPr>
-        <p:spPr/>
-        <p:txBody>
-          <a:bodyPr/>
-          <a:lstStyle/>
-          <a:p>
-            <a:pPr>
-              <a:defRPr/>
-            </a:pPr>
-            <a:endParaRPr lang="en-US"/>
+            <a:r>
+              <a:rPr lang="en-US" smtClean="0"/>
+              <a:t>Chef Software, Inc.</a:t>
+            </a:r>
+            <a:endParaRPr lang="en-US" dirty="0"/>
           </a:p>
         </p:txBody>
       </p:sp>
@@ -4792,12 +4171,12 @@
       </p:sp>
       <p:sp>
         <p:nvSpPr>
-          <p:cNvPr id="4" name="Slide Number Placeholder 3"/>
-          <p:cNvSpPr>
-            <a:spLocks noGrp="1"/>
-          </p:cNvSpPr>
-          <p:nvPr>
-            <p:ph type="sldNum" sz="quarter" idx="10"/>
+          <p:cNvPr id="5" name="Header Placeholder 4"/>
+          <p:cNvSpPr>
+            <a:spLocks noGrp="1"/>
+          </p:cNvSpPr>
+          <p:nvPr>
+            <p:ph type="hdr" sz="quarter" idx="11"/>
           </p:nvPr>
         </p:nvSpPr>
         <p:spPr/>
@@ -4808,25 +4187,22 @@
             <a:pPr>
               <a:defRPr/>
             </a:pPr>
-            <a:fld id="{DC3734AA-3150-D947-AC52-2F5DF48BFCD5}" type="slidenum">
+            <a:r>
               <a:rPr lang="en-US" smtClean="0"/>
-              <a:pPr>
-                <a:defRPr/>
-              </a:pPr>
-              <a:t>32</a:t>
-            </a:fld>
-            <a:endParaRPr lang="en-US" dirty="0"/>
-          </a:p>
-        </p:txBody>
-      </p:sp>
-      <p:sp>
-        <p:nvSpPr>
-          <p:cNvPr id="5" name="Header Placeholder 4"/>
-          <p:cNvSpPr>
-            <a:spLocks noGrp="1"/>
-          </p:cNvSpPr>
-          <p:nvPr>
-            <p:ph type="hdr" sz="quarter" idx="11"/>
+              <a:t>Test Driven Cookbook Development</a:t>
+            </a:r>
+            <a:endParaRPr lang="en-US"/>
+          </a:p>
+        </p:txBody>
+      </p:sp>
+      <p:sp>
+        <p:nvSpPr>
+          <p:cNvPr id="7" name="Date Placeholder 6"/>
+          <p:cNvSpPr>
+            <a:spLocks noGrp="1"/>
+          </p:cNvSpPr>
+          <p:nvPr>
+            <p:ph type="dt" idx="13"/>
           </p:nvPr>
         </p:nvSpPr>
         <p:spPr/>
@@ -4837,29 +4213,11 @@
             <a:pPr>
               <a:defRPr/>
             </a:pPr>
-            <a:endParaRPr lang="en-US"/>
-          </a:p>
-        </p:txBody>
-      </p:sp>
-      <p:sp>
-        <p:nvSpPr>
-          <p:cNvPr id="6" name="Footer Placeholder 5"/>
-          <p:cNvSpPr>
-            <a:spLocks noGrp="1"/>
-          </p:cNvSpPr>
-          <p:nvPr>
-            <p:ph type="ftr" sz="quarter" idx="12"/>
-          </p:nvPr>
-        </p:nvSpPr>
-        <p:spPr/>
-        <p:txBody>
-          <a:bodyPr/>
-          <a:lstStyle/>
-          <a:p>
-            <a:pPr>
-              <a:defRPr/>
-            </a:pPr>
-            <a:endParaRPr lang="en-US"/>
+            <a:r>
+              <a:rPr lang="en-US" smtClean="0"/>
+              <a:t>Chef Software, Inc.</a:t>
+            </a:r>
+            <a:endParaRPr lang="en-US" dirty="0"/>
           </a:p>
         </p:txBody>
       </p:sp>
@@ -4934,12 +4292,12 @@
       </p:sp>
       <p:sp>
         <p:nvSpPr>
-          <p:cNvPr id="4" name="Slide Number Placeholder 3"/>
-          <p:cNvSpPr>
-            <a:spLocks noGrp="1"/>
-          </p:cNvSpPr>
-          <p:nvPr>
-            <p:ph type="sldNum" sz="quarter" idx="10"/>
+          <p:cNvPr id="5" name="Header Placeholder 4"/>
+          <p:cNvSpPr>
+            <a:spLocks noGrp="1"/>
+          </p:cNvSpPr>
+          <p:nvPr>
+            <p:ph type="hdr" sz="quarter" idx="11"/>
           </p:nvPr>
         </p:nvSpPr>
         <p:spPr/>
@@ -4950,25 +4308,22 @@
             <a:pPr>
               <a:defRPr/>
             </a:pPr>
-            <a:fld id="{DC3734AA-3150-D947-AC52-2F5DF48BFCD5}" type="slidenum">
+            <a:r>
               <a:rPr lang="en-US" smtClean="0"/>
-              <a:pPr>
-                <a:defRPr/>
-              </a:pPr>
-              <a:t>33</a:t>
-            </a:fld>
-            <a:endParaRPr lang="en-US" dirty="0"/>
-          </a:p>
-        </p:txBody>
-      </p:sp>
-      <p:sp>
-        <p:nvSpPr>
-          <p:cNvPr id="5" name="Header Placeholder 4"/>
-          <p:cNvSpPr>
-            <a:spLocks noGrp="1"/>
-          </p:cNvSpPr>
-          <p:nvPr>
-            <p:ph type="hdr" sz="quarter" idx="11"/>
+              <a:t>Test Driven Cookbook Development</a:t>
+            </a:r>
+            <a:endParaRPr lang="en-US"/>
+          </a:p>
+        </p:txBody>
+      </p:sp>
+      <p:sp>
+        <p:nvSpPr>
+          <p:cNvPr id="7" name="Date Placeholder 6"/>
+          <p:cNvSpPr>
+            <a:spLocks noGrp="1"/>
+          </p:cNvSpPr>
+          <p:nvPr>
+            <p:ph type="dt" idx="13"/>
           </p:nvPr>
         </p:nvSpPr>
         <p:spPr/>
@@ -4979,29 +4334,11 @@
             <a:pPr>
               <a:defRPr/>
             </a:pPr>
-            <a:endParaRPr lang="en-US"/>
-          </a:p>
-        </p:txBody>
-      </p:sp>
-      <p:sp>
-        <p:nvSpPr>
-          <p:cNvPr id="6" name="Footer Placeholder 5"/>
-          <p:cNvSpPr>
-            <a:spLocks noGrp="1"/>
-          </p:cNvSpPr>
-          <p:nvPr>
-            <p:ph type="ftr" sz="quarter" idx="12"/>
-          </p:nvPr>
-        </p:nvSpPr>
-        <p:spPr/>
-        <p:txBody>
-          <a:bodyPr/>
-          <a:lstStyle/>
-          <a:p>
-            <a:pPr>
-              <a:defRPr/>
-            </a:pPr>
-            <a:endParaRPr lang="en-US"/>
+            <a:r>
+              <a:rPr lang="en-US" smtClean="0"/>
+              <a:t>Chef Software, Inc.</a:t>
+            </a:r>
+            <a:endParaRPr lang="en-US" dirty="0"/>
           </a:p>
         </p:txBody>
       </p:sp>
@@ -5076,12 +4413,12 @@
       </p:sp>
       <p:sp>
         <p:nvSpPr>
-          <p:cNvPr id="4" name="Slide Number Placeholder 3"/>
-          <p:cNvSpPr>
-            <a:spLocks noGrp="1"/>
-          </p:cNvSpPr>
-          <p:nvPr>
-            <p:ph type="sldNum" sz="quarter" idx="10"/>
+          <p:cNvPr id="5" name="Header Placeholder 4"/>
+          <p:cNvSpPr>
+            <a:spLocks noGrp="1"/>
+          </p:cNvSpPr>
+          <p:nvPr>
+            <p:ph type="hdr" sz="quarter" idx="11"/>
           </p:nvPr>
         </p:nvSpPr>
         <p:spPr/>
@@ -5092,25 +4429,22 @@
             <a:pPr>
               <a:defRPr/>
             </a:pPr>
-            <a:fld id="{DC3734AA-3150-D947-AC52-2F5DF48BFCD5}" type="slidenum">
+            <a:r>
               <a:rPr lang="en-US" smtClean="0"/>
-              <a:pPr>
-                <a:defRPr/>
-              </a:pPr>
-              <a:t>34</a:t>
-            </a:fld>
-            <a:endParaRPr lang="en-US" dirty="0"/>
-          </a:p>
-        </p:txBody>
-      </p:sp>
-      <p:sp>
-        <p:nvSpPr>
-          <p:cNvPr id="5" name="Header Placeholder 4"/>
-          <p:cNvSpPr>
-            <a:spLocks noGrp="1"/>
-          </p:cNvSpPr>
-          <p:nvPr>
-            <p:ph type="hdr" sz="quarter" idx="11"/>
+              <a:t>Test Driven Cookbook Development</a:t>
+            </a:r>
+            <a:endParaRPr lang="en-US"/>
+          </a:p>
+        </p:txBody>
+      </p:sp>
+      <p:sp>
+        <p:nvSpPr>
+          <p:cNvPr id="7" name="Date Placeholder 6"/>
+          <p:cNvSpPr>
+            <a:spLocks noGrp="1"/>
+          </p:cNvSpPr>
+          <p:nvPr>
+            <p:ph type="dt" idx="13"/>
           </p:nvPr>
         </p:nvSpPr>
         <p:spPr/>
@@ -5121,29 +4455,11 @@
             <a:pPr>
               <a:defRPr/>
             </a:pPr>
-            <a:endParaRPr lang="en-US"/>
-          </a:p>
-        </p:txBody>
-      </p:sp>
-      <p:sp>
-        <p:nvSpPr>
-          <p:cNvPr id="6" name="Footer Placeholder 5"/>
-          <p:cNvSpPr>
-            <a:spLocks noGrp="1"/>
-          </p:cNvSpPr>
-          <p:nvPr>
-            <p:ph type="ftr" sz="quarter" idx="12"/>
-          </p:nvPr>
-        </p:nvSpPr>
-        <p:spPr/>
-        <p:txBody>
-          <a:bodyPr/>
-          <a:lstStyle/>
-          <a:p>
-            <a:pPr>
-              <a:defRPr/>
-            </a:pPr>
-            <a:endParaRPr lang="en-US"/>
+            <a:r>
+              <a:rPr lang="en-US" smtClean="0"/>
+              <a:t>Chef Software, Inc.</a:t>
+            </a:r>
+            <a:endParaRPr lang="en-US" dirty="0"/>
           </a:p>
         </p:txBody>
       </p:sp>
@@ -5218,12 +4534,12 @@
       </p:sp>
       <p:sp>
         <p:nvSpPr>
-          <p:cNvPr id="4" name="Slide Number Placeholder 3"/>
-          <p:cNvSpPr>
-            <a:spLocks noGrp="1"/>
-          </p:cNvSpPr>
-          <p:nvPr>
-            <p:ph type="sldNum" sz="quarter" idx="10"/>
+          <p:cNvPr id="5" name="Header Placeholder 4"/>
+          <p:cNvSpPr>
+            <a:spLocks noGrp="1"/>
+          </p:cNvSpPr>
+          <p:nvPr>
+            <p:ph type="hdr" sz="quarter" idx="11"/>
           </p:nvPr>
         </p:nvSpPr>
         <p:spPr/>
@@ -5234,25 +4550,22 @@
             <a:pPr>
               <a:defRPr/>
             </a:pPr>
-            <a:fld id="{DC3734AA-3150-D947-AC52-2F5DF48BFCD5}" type="slidenum">
+            <a:r>
               <a:rPr lang="en-US" smtClean="0"/>
-              <a:pPr>
-                <a:defRPr/>
-              </a:pPr>
-              <a:t>35</a:t>
-            </a:fld>
-            <a:endParaRPr lang="en-US" dirty="0"/>
-          </a:p>
-        </p:txBody>
-      </p:sp>
-      <p:sp>
-        <p:nvSpPr>
-          <p:cNvPr id="5" name="Header Placeholder 4"/>
-          <p:cNvSpPr>
-            <a:spLocks noGrp="1"/>
-          </p:cNvSpPr>
-          <p:nvPr>
-            <p:ph type="hdr" sz="quarter" idx="11"/>
+              <a:t>Test Driven Cookbook Development</a:t>
+            </a:r>
+            <a:endParaRPr lang="en-US"/>
+          </a:p>
+        </p:txBody>
+      </p:sp>
+      <p:sp>
+        <p:nvSpPr>
+          <p:cNvPr id="7" name="Date Placeholder 6"/>
+          <p:cNvSpPr>
+            <a:spLocks noGrp="1"/>
+          </p:cNvSpPr>
+          <p:nvPr>
+            <p:ph type="dt" idx="13"/>
           </p:nvPr>
         </p:nvSpPr>
         <p:spPr/>
@@ -5263,29 +4576,11 @@
             <a:pPr>
               <a:defRPr/>
             </a:pPr>
-            <a:endParaRPr lang="en-US"/>
-          </a:p>
-        </p:txBody>
-      </p:sp>
-      <p:sp>
-        <p:nvSpPr>
-          <p:cNvPr id="6" name="Footer Placeholder 5"/>
-          <p:cNvSpPr>
-            <a:spLocks noGrp="1"/>
-          </p:cNvSpPr>
-          <p:nvPr>
-            <p:ph type="ftr" sz="quarter" idx="12"/>
-          </p:nvPr>
-        </p:nvSpPr>
-        <p:spPr/>
-        <p:txBody>
-          <a:bodyPr/>
-          <a:lstStyle/>
-          <a:p>
-            <a:pPr>
-              <a:defRPr/>
-            </a:pPr>
-            <a:endParaRPr lang="en-US"/>
+            <a:r>
+              <a:rPr lang="en-US" smtClean="0"/>
+              <a:t>Chef Software, Inc.</a:t>
+            </a:r>
+            <a:endParaRPr lang="en-US" dirty="0"/>
           </a:p>
         </p:txBody>
       </p:sp>
@@ -5360,12 +4655,12 @@
       </p:sp>
       <p:sp>
         <p:nvSpPr>
-          <p:cNvPr id="4" name="Slide Number Placeholder 3"/>
-          <p:cNvSpPr>
-            <a:spLocks noGrp="1"/>
-          </p:cNvSpPr>
-          <p:nvPr>
-            <p:ph type="sldNum" sz="quarter" idx="10"/>
+          <p:cNvPr id="5" name="Header Placeholder 4"/>
+          <p:cNvSpPr>
+            <a:spLocks noGrp="1"/>
+          </p:cNvSpPr>
+          <p:nvPr>
+            <p:ph type="hdr" sz="quarter" idx="11"/>
           </p:nvPr>
         </p:nvSpPr>
         <p:spPr/>
@@ -5376,25 +4671,22 @@
             <a:pPr>
               <a:defRPr/>
             </a:pPr>
-            <a:fld id="{DC3734AA-3150-D947-AC52-2F5DF48BFCD5}" type="slidenum">
+            <a:r>
               <a:rPr lang="en-US" smtClean="0"/>
-              <a:pPr>
-                <a:defRPr/>
-              </a:pPr>
-              <a:t>36</a:t>
-            </a:fld>
-            <a:endParaRPr lang="en-US" dirty="0"/>
-          </a:p>
-        </p:txBody>
-      </p:sp>
-      <p:sp>
-        <p:nvSpPr>
-          <p:cNvPr id="5" name="Header Placeholder 4"/>
-          <p:cNvSpPr>
-            <a:spLocks noGrp="1"/>
-          </p:cNvSpPr>
-          <p:nvPr>
-            <p:ph type="hdr" sz="quarter" idx="11"/>
+              <a:t>Test Driven Cookbook Development</a:t>
+            </a:r>
+            <a:endParaRPr lang="en-US"/>
+          </a:p>
+        </p:txBody>
+      </p:sp>
+      <p:sp>
+        <p:nvSpPr>
+          <p:cNvPr id="7" name="Date Placeholder 6"/>
+          <p:cNvSpPr>
+            <a:spLocks noGrp="1"/>
+          </p:cNvSpPr>
+          <p:nvPr>
+            <p:ph type="dt" idx="13"/>
           </p:nvPr>
         </p:nvSpPr>
         <p:spPr/>
@@ -5405,29 +4697,11 @@
             <a:pPr>
               <a:defRPr/>
             </a:pPr>
-            <a:endParaRPr lang="en-US"/>
-          </a:p>
-        </p:txBody>
-      </p:sp>
-      <p:sp>
-        <p:nvSpPr>
-          <p:cNvPr id="6" name="Footer Placeholder 5"/>
-          <p:cNvSpPr>
-            <a:spLocks noGrp="1"/>
-          </p:cNvSpPr>
-          <p:nvPr>
-            <p:ph type="ftr" sz="quarter" idx="12"/>
-          </p:nvPr>
-        </p:nvSpPr>
-        <p:spPr/>
-        <p:txBody>
-          <a:bodyPr/>
-          <a:lstStyle/>
-          <a:p>
-            <a:pPr>
-              <a:defRPr/>
-            </a:pPr>
-            <a:endParaRPr lang="en-US"/>
+            <a:r>
+              <a:rPr lang="en-US" smtClean="0"/>
+              <a:t>Chef Software, Inc.</a:t>
+            </a:r>
+            <a:endParaRPr lang="en-US" dirty="0"/>
           </a:p>
         </p:txBody>
       </p:sp>
@@ -5502,12 +4776,12 @@
       </p:sp>
       <p:sp>
         <p:nvSpPr>
-          <p:cNvPr id="4" name="Slide Number Placeholder 3"/>
-          <p:cNvSpPr>
-            <a:spLocks noGrp="1"/>
-          </p:cNvSpPr>
-          <p:nvPr>
-            <p:ph type="sldNum" sz="quarter" idx="10"/>
+          <p:cNvPr id="5" name="Header Placeholder 4"/>
+          <p:cNvSpPr>
+            <a:spLocks noGrp="1"/>
+          </p:cNvSpPr>
+          <p:nvPr>
+            <p:ph type="hdr" sz="quarter" idx="11"/>
           </p:nvPr>
         </p:nvSpPr>
         <p:spPr/>
@@ -5518,25 +4792,22 @@
             <a:pPr>
               <a:defRPr/>
             </a:pPr>
-            <a:fld id="{DC3734AA-3150-D947-AC52-2F5DF48BFCD5}" type="slidenum">
+            <a:r>
               <a:rPr lang="en-US" smtClean="0"/>
-              <a:pPr>
-                <a:defRPr/>
-              </a:pPr>
-              <a:t>37</a:t>
-            </a:fld>
-            <a:endParaRPr lang="en-US" dirty="0"/>
-          </a:p>
-        </p:txBody>
-      </p:sp>
-      <p:sp>
-        <p:nvSpPr>
-          <p:cNvPr id="5" name="Header Placeholder 4"/>
-          <p:cNvSpPr>
-            <a:spLocks noGrp="1"/>
-          </p:cNvSpPr>
-          <p:nvPr>
-            <p:ph type="hdr" sz="quarter" idx="11"/>
+              <a:t>Test Driven Cookbook Development</a:t>
+            </a:r>
+            <a:endParaRPr lang="en-US"/>
+          </a:p>
+        </p:txBody>
+      </p:sp>
+      <p:sp>
+        <p:nvSpPr>
+          <p:cNvPr id="7" name="Date Placeholder 6"/>
+          <p:cNvSpPr>
+            <a:spLocks noGrp="1"/>
+          </p:cNvSpPr>
+          <p:nvPr>
+            <p:ph type="dt" idx="13"/>
           </p:nvPr>
         </p:nvSpPr>
         <p:spPr/>
@@ -5547,29 +4818,11 @@
             <a:pPr>
               <a:defRPr/>
             </a:pPr>
-            <a:endParaRPr lang="en-US"/>
-          </a:p>
-        </p:txBody>
-      </p:sp>
-      <p:sp>
-        <p:nvSpPr>
-          <p:cNvPr id="6" name="Footer Placeholder 5"/>
-          <p:cNvSpPr>
-            <a:spLocks noGrp="1"/>
-          </p:cNvSpPr>
-          <p:nvPr>
-            <p:ph type="ftr" sz="quarter" idx="12"/>
-          </p:nvPr>
-        </p:nvSpPr>
-        <p:spPr/>
-        <p:txBody>
-          <a:bodyPr/>
-          <a:lstStyle/>
-          <a:p>
-            <a:pPr>
-              <a:defRPr/>
-            </a:pPr>
-            <a:endParaRPr lang="en-US"/>
+            <a:r>
+              <a:rPr lang="en-US" smtClean="0"/>
+              <a:t>Chef Software, Inc.</a:t>
+            </a:r>
+            <a:endParaRPr lang="en-US" dirty="0"/>
           </a:p>
         </p:txBody>
       </p:sp>
@@ -5644,12 +4897,12 @@
       </p:sp>
       <p:sp>
         <p:nvSpPr>
-          <p:cNvPr id="4" name="Slide Number Placeholder 3"/>
-          <p:cNvSpPr>
-            <a:spLocks noGrp="1"/>
-          </p:cNvSpPr>
-          <p:nvPr>
-            <p:ph type="sldNum" sz="quarter" idx="10"/>
+          <p:cNvPr id="5" name="Header Placeholder 4"/>
+          <p:cNvSpPr>
+            <a:spLocks noGrp="1"/>
+          </p:cNvSpPr>
+          <p:nvPr>
+            <p:ph type="hdr" sz="quarter" idx="11"/>
           </p:nvPr>
         </p:nvSpPr>
         <p:spPr/>
@@ -5660,25 +4913,22 @@
             <a:pPr>
               <a:defRPr/>
             </a:pPr>
-            <a:fld id="{DC3734AA-3150-D947-AC52-2F5DF48BFCD5}" type="slidenum">
+            <a:r>
               <a:rPr lang="en-US" smtClean="0"/>
-              <a:pPr>
-                <a:defRPr/>
-              </a:pPr>
-              <a:t>38</a:t>
-            </a:fld>
-            <a:endParaRPr lang="en-US" dirty="0"/>
-          </a:p>
-        </p:txBody>
-      </p:sp>
-      <p:sp>
-        <p:nvSpPr>
-          <p:cNvPr id="5" name="Header Placeholder 4"/>
-          <p:cNvSpPr>
-            <a:spLocks noGrp="1"/>
-          </p:cNvSpPr>
-          <p:nvPr>
-            <p:ph type="hdr" sz="quarter" idx="11"/>
+              <a:t>Test Driven Cookbook Development</a:t>
+            </a:r>
+            <a:endParaRPr lang="en-US"/>
+          </a:p>
+        </p:txBody>
+      </p:sp>
+      <p:sp>
+        <p:nvSpPr>
+          <p:cNvPr id="7" name="Date Placeholder 6"/>
+          <p:cNvSpPr>
+            <a:spLocks noGrp="1"/>
+          </p:cNvSpPr>
+          <p:nvPr>
+            <p:ph type="dt" idx="13"/>
           </p:nvPr>
         </p:nvSpPr>
         <p:spPr/>
@@ -5689,29 +4939,11 @@
             <a:pPr>
               <a:defRPr/>
             </a:pPr>
-            <a:endParaRPr lang="en-US"/>
-          </a:p>
-        </p:txBody>
-      </p:sp>
-      <p:sp>
-        <p:nvSpPr>
-          <p:cNvPr id="6" name="Footer Placeholder 5"/>
-          <p:cNvSpPr>
-            <a:spLocks noGrp="1"/>
-          </p:cNvSpPr>
-          <p:nvPr>
-            <p:ph type="ftr" sz="quarter" idx="12"/>
-          </p:nvPr>
-        </p:nvSpPr>
-        <p:spPr/>
-        <p:txBody>
-          <a:bodyPr/>
-          <a:lstStyle/>
-          <a:p>
-            <a:pPr>
-              <a:defRPr/>
-            </a:pPr>
-            <a:endParaRPr lang="en-US"/>
+            <a:r>
+              <a:rPr lang="en-US" smtClean="0"/>
+              <a:t>Chef Software, Inc.</a:t>
+            </a:r>
+            <a:endParaRPr lang="en-US" dirty="0"/>
           </a:p>
         </p:txBody>
       </p:sp>
@@ -5829,12 +5061,12 @@
       </p:sp>
       <p:sp>
         <p:nvSpPr>
-          <p:cNvPr id="4" name="Slide Number Placeholder 3"/>
-          <p:cNvSpPr>
-            <a:spLocks noGrp="1"/>
-          </p:cNvSpPr>
-          <p:nvPr>
-            <p:ph type="sldNum" sz="quarter" idx="10"/>
+          <p:cNvPr id="5" name="Header Placeholder 4"/>
+          <p:cNvSpPr>
+            <a:spLocks noGrp="1"/>
+          </p:cNvSpPr>
+          <p:nvPr>
+            <p:ph type="hdr" sz="quarter" idx="11"/>
           </p:nvPr>
         </p:nvSpPr>
         <p:spPr/>
@@ -5845,25 +5077,22 @@
             <a:pPr>
               <a:defRPr/>
             </a:pPr>
-            <a:fld id="{DC3734AA-3150-D947-AC52-2F5DF48BFCD5}" type="slidenum">
+            <a:r>
               <a:rPr lang="en-US" smtClean="0"/>
-              <a:pPr>
-                <a:defRPr/>
-              </a:pPr>
-              <a:t>39</a:t>
-            </a:fld>
-            <a:endParaRPr lang="en-US" dirty="0"/>
-          </a:p>
-        </p:txBody>
-      </p:sp>
-      <p:sp>
-        <p:nvSpPr>
-          <p:cNvPr id="5" name="Header Placeholder 4"/>
-          <p:cNvSpPr>
-            <a:spLocks noGrp="1"/>
-          </p:cNvSpPr>
-          <p:nvPr>
-            <p:ph type="hdr" sz="quarter" idx="11"/>
+              <a:t>Test Driven Cookbook Development</a:t>
+            </a:r>
+            <a:endParaRPr lang="en-US"/>
+          </a:p>
+        </p:txBody>
+      </p:sp>
+      <p:sp>
+        <p:nvSpPr>
+          <p:cNvPr id="7" name="Date Placeholder 6"/>
+          <p:cNvSpPr>
+            <a:spLocks noGrp="1"/>
+          </p:cNvSpPr>
+          <p:nvPr>
+            <p:ph type="dt" idx="13"/>
           </p:nvPr>
         </p:nvSpPr>
         <p:spPr/>
@@ -5874,29 +5103,11 @@
             <a:pPr>
               <a:defRPr/>
             </a:pPr>
-            <a:endParaRPr lang="en-US"/>
-          </a:p>
-        </p:txBody>
-      </p:sp>
-      <p:sp>
-        <p:nvSpPr>
-          <p:cNvPr id="6" name="Footer Placeholder 5"/>
-          <p:cNvSpPr>
-            <a:spLocks noGrp="1"/>
-          </p:cNvSpPr>
-          <p:nvPr>
-            <p:ph type="ftr" sz="quarter" idx="12"/>
-          </p:nvPr>
-        </p:nvSpPr>
-        <p:spPr/>
-        <p:txBody>
-          <a:bodyPr/>
-          <a:lstStyle/>
-          <a:p>
-            <a:pPr>
-              <a:defRPr/>
-            </a:pPr>
-            <a:endParaRPr lang="en-US"/>
+            <a:r>
+              <a:rPr lang="en-US" smtClean="0"/>
+              <a:t>Chef Software, Inc.</a:t>
+            </a:r>
+            <a:endParaRPr lang="en-US" dirty="0"/>
           </a:p>
         </p:txBody>
       </p:sp>
@@ -5971,12 +5182,12 @@
       </p:sp>
       <p:sp>
         <p:nvSpPr>
-          <p:cNvPr id="4" name="Slide Number Placeholder 3"/>
-          <p:cNvSpPr>
-            <a:spLocks noGrp="1"/>
-          </p:cNvSpPr>
-          <p:nvPr>
-            <p:ph type="sldNum" sz="quarter" idx="10"/>
+          <p:cNvPr id="5" name="Header Placeholder 4"/>
+          <p:cNvSpPr>
+            <a:spLocks noGrp="1"/>
+          </p:cNvSpPr>
+          <p:nvPr>
+            <p:ph type="hdr" sz="quarter" idx="11"/>
           </p:nvPr>
         </p:nvSpPr>
         <p:spPr/>
@@ -5987,25 +5198,22 @@
             <a:pPr>
               <a:defRPr/>
             </a:pPr>
-            <a:fld id="{DC3734AA-3150-D947-AC52-2F5DF48BFCD5}" type="slidenum">
+            <a:r>
               <a:rPr lang="en-US" smtClean="0"/>
-              <a:pPr>
-                <a:defRPr/>
-              </a:pPr>
-              <a:t>4</a:t>
-            </a:fld>
-            <a:endParaRPr lang="en-US" dirty="0"/>
-          </a:p>
-        </p:txBody>
-      </p:sp>
-      <p:sp>
-        <p:nvSpPr>
-          <p:cNvPr id="5" name="Header Placeholder 4"/>
-          <p:cNvSpPr>
-            <a:spLocks noGrp="1"/>
-          </p:cNvSpPr>
-          <p:nvPr>
-            <p:ph type="hdr" sz="quarter" idx="11"/>
+              <a:t>Test Driven Cookbook Development</a:t>
+            </a:r>
+            <a:endParaRPr lang="en-US"/>
+          </a:p>
+        </p:txBody>
+      </p:sp>
+      <p:sp>
+        <p:nvSpPr>
+          <p:cNvPr id="7" name="Date Placeholder 6"/>
+          <p:cNvSpPr>
+            <a:spLocks noGrp="1"/>
+          </p:cNvSpPr>
+          <p:nvPr>
+            <p:ph type="dt" idx="13"/>
           </p:nvPr>
         </p:nvSpPr>
         <p:spPr/>
@@ -6016,29 +5224,11 @@
             <a:pPr>
               <a:defRPr/>
             </a:pPr>
-            <a:endParaRPr lang="en-US"/>
-          </a:p>
-        </p:txBody>
-      </p:sp>
-      <p:sp>
-        <p:nvSpPr>
-          <p:cNvPr id="6" name="Footer Placeholder 5"/>
-          <p:cNvSpPr>
-            <a:spLocks noGrp="1"/>
-          </p:cNvSpPr>
-          <p:nvPr>
-            <p:ph type="ftr" sz="quarter" idx="12"/>
-          </p:nvPr>
-        </p:nvSpPr>
-        <p:spPr/>
-        <p:txBody>
-          <a:bodyPr/>
-          <a:lstStyle/>
-          <a:p>
-            <a:pPr>
-              <a:defRPr/>
-            </a:pPr>
-            <a:endParaRPr lang="en-US"/>
+            <a:r>
+              <a:rPr lang="en-US" smtClean="0"/>
+              <a:t>Chef Software, Inc.</a:t>
+            </a:r>
+            <a:endParaRPr lang="en-US" dirty="0"/>
           </a:p>
         </p:txBody>
       </p:sp>
@@ -6109,12 +5299,12 @@
       </p:sp>
       <p:sp>
         <p:nvSpPr>
-          <p:cNvPr id="4" name="Slide Number Placeholder 3"/>
-          <p:cNvSpPr>
-            <a:spLocks noGrp="1"/>
-          </p:cNvSpPr>
-          <p:nvPr>
-            <p:ph type="sldNum" sz="quarter" idx="10"/>
+          <p:cNvPr id="5" name="Header Placeholder 4"/>
+          <p:cNvSpPr>
+            <a:spLocks noGrp="1"/>
+          </p:cNvSpPr>
+          <p:nvPr>
+            <p:ph type="hdr" sz="quarter" idx="11"/>
           </p:nvPr>
         </p:nvSpPr>
         <p:spPr/>
@@ -6125,25 +5315,22 @@
             <a:pPr>
               <a:defRPr/>
             </a:pPr>
-            <a:fld id="{DC3734AA-3150-D947-AC52-2F5DF48BFCD5}" type="slidenum">
+            <a:r>
               <a:rPr lang="en-US" smtClean="0"/>
-              <a:pPr>
-                <a:defRPr/>
-              </a:pPr>
-              <a:t>40</a:t>
-            </a:fld>
-            <a:endParaRPr lang="en-US" dirty="0"/>
-          </a:p>
-        </p:txBody>
-      </p:sp>
-      <p:sp>
-        <p:nvSpPr>
-          <p:cNvPr id="5" name="Header Placeholder 4"/>
-          <p:cNvSpPr>
-            <a:spLocks noGrp="1"/>
-          </p:cNvSpPr>
-          <p:nvPr>
-            <p:ph type="hdr" sz="quarter" idx="11"/>
+              <a:t>Test Driven Cookbook Development</a:t>
+            </a:r>
+            <a:endParaRPr lang="en-US"/>
+          </a:p>
+        </p:txBody>
+      </p:sp>
+      <p:sp>
+        <p:nvSpPr>
+          <p:cNvPr id="7" name="Date Placeholder 6"/>
+          <p:cNvSpPr>
+            <a:spLocks noGrp="1"/>
+          </p:cNvSpPr>
+          <p:nvPr>
+            <p:ph type="dt" idx="13"/>
           </p:nvPr>
         </p:nvSpPr>
         <p:spPr/>
@@ -6154,29 +5341,11 @@
             <a:pPr>
               <a:defRPr/>
             </a:pPr>
-            <a:endParaRPr lang="en-US"/>
-          </a:p>
-        </p:txBody>
-      </p:sp>
-      <p:sp>
-        <p:nvSpPr>
-          <p:cNvPr id="6" name="Footer Placeholder 5"/>
-          <p:cNvSpPr>
-            <a:spLocks noGrp="1"/>
-          </p:cNvSpPr>
-          <p:nvPr>
-            <p:ph type="ftr" sz="quarter" idx="12"/>
-          </p:nvPr>
-        </p:nvSpPr>
-        <p:spPr/>
-        <p:txBody>
-          <a:bodyPr/>
-          <a:lstStyle/>
-          <a:p>
-            <a:pPr>
-              <a:defRPr/>
-            </a:pPr>
-            <a:endParaRPr lang="en-US"/>
+            <a:r>
+              <a:rPr lang="en-US" smtClean="0"/>
+              <a:t>Chef Software, Inc.</a:t>
+            </a:r>
+            <a:endParaRPr lang="en-US" dirty="0"/>
           </a:p>
         </p:txBody>
       </p:sp>
@@ -6318,12 +5487,12 @@
       </p:sp>
       <p:sp>
         <p:nvSpPr>
-          <p:cNvPr id="4" name="Slide Number Placeholder 3"/>
-          <p:cNvSpPr>
-            <a:spLocks noGrp="1"/>
-          </p:cNvSpPr>
-          <p:nvPr>
-            <p:ph type="sldNum" sz="quarter" idx="10"/>
+          <p:cNvPr id="5" name="Header Placeholder 4"/>
+          <p:cNvSpPr>
+            <a:spLocks noGrp="1"/>
+          </p:cNvSpPr>
+          <p:nvPr>
+            <p:ph type="hdr" sz="quarter" idx="11"/>
           </p:nvPr>
         </p:nvSpPr>
         <p:spPr/>
@@ -6334,25 +5503,22 @@
             <a:pPr>
               <a:defRPr/>
             </a:pPr>
-            <a:fld id="{DC3734AA-3150-D947-AC52-2F5DF48BFCD5}" type="slidenum">
+            <a:r>
               <a:rPr lang="en-US" smtClean="0"/>
-              <a:pPr>
-                <a:defRPr/>
-              </a:pPr>
-              <a:t>41</a:t>
-            </a:fld>
-            <a:endParaRPr lang="en-US" dirty="0"/>
-          </a:p>
-        </p:txBody>
-      </p:sp>
-      <p:sp>
-        <p:nvSpPr>
-          <p:cNvPr id="5" name="Header Placeholder 4"/>
-          <p:cNvSpPr>
-            <a:spLocks noGrp="1"/>
-          </p:cNvSpPr>
-          <p:nvPr>
-            <p:ph type="hdr" sz="quarter" idx="11"/>
+              <a:t>Test Driven Cookbook Development</a:t>
+            </a:r>
+            <a:endParaRPr lang="en-US"/>
+          </a:p>
+        </p:txBody>
+      </p:sp>
+      <p:sp>
+        <p:nvSpPr>
+          <p:cNvPr id="7" name="Date Placeholder 6"/>
+          <p:cNvSpPr>
+            <a:spLocks noGrp="1"/>
+          </p:cNvSpPr>
+          <p:nvPr>
+            <p:ph type="dt" idx="13"/>
           </p:nvPr>
         </p:nvSpPr>
         <p:spPr/>
@@ -6363,29 +5529,11 @@
             <a:pPr>
               <a:defRPr/>
             </a:pPr>
-            <a:endParaRPr lang="en-US"/>
-          </a:p>
-        </p:txBody>
-      </p:sp>
-      <p:sp>
-        <p:nvSpPr>
-          <p:cNvPr id="6" name="Footer Placeholder 5"/>
-          <p:cNvSpPr>
-            <a:spLocks noGrp="1"/>
-          </p:cNvSpPr>
-          <p:nvPr>
-            <p:ph type="ftr" sz="quarter" idx="12"/>
-          </p:nvPr>
-        </p:nvSpPr>
-        <p:spPr/>
-        <p:txBody>
-          <a:bodyPr/>
-          <a:lstStyle/>
-          <a:p>
-            <a:pPr>
-              <a:defRPr/>
-            </a:pPr>
-            <a:endParaRPr lang="en-US"/>
+            <a:r>
+              <a:rPr lang="en-US" smtClean="0"/>
+              <a:t>Chef Software, Inc.</a:t>
+            </a:r>
+            <a:endParaRPr lang="en-US" dirty="0"/>
           </a:p>
         </p:txBody>
       </p:sp>
@@ -6460,12 +5608,12 @@
       </p:sp>
       <p:sp>
         <p:nvSpPr>
-          <p:cNvPr id="4" name="Slide Number Placeholder 3"/>
-          <p:cNvSpPr>
-            <a:spLocks noGrp="1"/>
-          </p:cNvSpPr>
-          <p:nvPr>
-            <p:ph type="sldNum" sz="quarter" idx="10"/>
+          <p:cNvPr id="5" name="Header Placeholder 4"/>
+          <p:cNvSpPr>
+            <a:spLocks noGrp="1"/>
+          </p:cNvSpPr>
+          <p:nvPr>
+            <p:ph type="hdr" sz="quarter" idx="11"/>
           </p:nvPr>
         </p:nvSpPr>
         <p:spPr/>
@@ -6476,25 +5624,22 @@
             <a:pPr>
               <a:defRPr/>
             </a:pPr>
-            <a:fld id="{DC3734AA-3150-D947-AC52-2F5DF48BFCD5}" type="slidenum">
+            <a:r>
               <a:rPr lang="en-US" smtClean="0"/>
-              <a:pPr>
-                <a:defRPr/>
-              </a:pPr>
-              <a:t>42</a:t>
-            </a:fld>
-            <a:endParaRPr lang="en-US" dirty="0"/>
-          </a:p>
-        </p:txBody>
-      </p:sp>
-      <p:sp>
-        <p:nvSpPr>
-          <p:cNvPr id="5" name="Header Placeholder 4"/>
-          <p:cNvSpPr>
-            <a:spLocks noGrp="1"/>
-          </p:cNvSpPr>
-          <p:nvPr>
-            <p:ph type="hdr" sz="quarter" idx="11"/>
+              <a:t>Test Driven Cookbook Development</a:t>
+            </a:r>
+            <a:endParaRPr lang="en-US"/>
+          </a:p>
+        </p:txBody>
+      </p:sp>
+      <p:sp>
+        <p:nvSpPr>
+          <p:cNvPr id="7" name="Date Placeholder 6"/>
+          <p:cNvSpPr>
+            <a:spLocks noGrp="1"/>
+          </p:cNvSpPr>
+          <p:nvPr>
+            <p:ph type="dt" idx="13"/>
           </p:nvPr>
         </p:nvSpPr>
         <p:spPr/>
@@ -6505,29 +5650,11 @@
             <a:pPr>
               <a:defRPr/>
             </a:pPr>
-            <a:endParaRPr lang="en-US"/>
-          </a:p>
-        </p:txBody>
-      </p:sp>
-      <p:sp>
-        <p:nvSpPr>
-          <p:cNvPr id="6" name="Footer Placeholder 5"/>
-          <p:cNvSpPr>
-            <a:spLocks noGrp="1"/>
-          </p:cNvSpPr>
-          <p:nvPr>
-            <p:ph type="ftr" sz="quarter" idx="12"/>
-          </p:nvPr>
-        </p:nvSpPr>
-        <p:spPr/>
-        <p:txBody>
-          <a:bodyPr/>
-          <a:lstStyle/>
-          <a:p>
-            <a:pPr>
-              <a:defRPr/>
-            </a:pPr>
-            <a:endParaRPr lang="en-US"/>
+            <a:r>
+              <a:rPr lang="en-US" smtClean="0"/>
+              <a:t>Chef Software, Inc.</a:t>
+            </a:r>
+            <a:endParaRPr lang="en-US" dirty="0"/>
           </a:p>
         </p:txBody>
       </p:sp>
@@ -6602,12 +5729,12 @@
       </p:sp>
       <p:sp>
         <p:nvSpPr>
-          <p:cNvPr id="4" name="Slide Number Placeholder 3"/>
-          <p:cNvSpPr>
-            <a:spLocks noGrp="1"/>
-          </p:cNvSpPr>
-          <p:nvPr>
-            <p:ph type="sldNum" sz="quarter" idx="10"/>
+          <p:cNvPr id="5" name="Header Placeholder 4"/>
+          <p:cNvSpPr>
+            <a:spLocks noGrp="1"/>
+          </p:cNvSpPr>
+          <p:nvPr>
+            <p:ph type="hdr" sz="quarter" idx="11"/>
           </p:nvPr>
         </p:nvSpPr>
         <p:spPr/>
@@ -6618,25 +5745,22 @@
             <a:pPr>
               <a:defRPr/>
             </a:pPr>
-            <a:fld id="{DC3734AA-3150-D947-AC52-2F5DF48BFCD5}" type="slidenum">
+            <a:r>
               <a:rPr lang="en-US" smtClean="0"/>
-              <a:pPr>
-                <a:defRPr/>
-              </a:pPr>
-              <a:t>43</a:t>
-            </a:fld>
-            <a:endParaRPr lang="en-US" dirty="0"/>
-          </a:p>
-        </p:txBody>
-      </p:sp>
-      <p:sp>
-        <p:nvSpPr>
-          <p:cNvPr id="5" name="Header Placeholder 4"/>
-          <p:cNvSpPr>
-            <a:spLocks noGrp="1"/>
-          </p:cNvSpPr>
-          <p:nvPr>
-            <p:ph type="hdr" sz="quarter" idx="11"/>
+              <a:t>Test Driven Cookbook Development</a:t>
+            </a:r>
+            <a:endParaRPr lang="en-US"/>
+          </a:p>
+        </p:txBody>
+      </p:sp>
+      <p:sp>
+        <p:nvSpPr>
+          <p:cNvPr id="7" name="Date Placeholder 6"/>
+          <p:cNvSpPr>
+            <a:spLocks noGrp="1"/>
+          </p:cNvSpPr>
+          <p:nvPr>
+            <p:ph type="dt" idx="13"/>
           </p:nvPr>
         </p:nvSpPr>
         <p:spPr/>
@@ -6647,29 +5771,11 @@
             <a:pPr>
               <a:defRPr/>
             </a:pPr>
-            <a:endParaRPr lang="en-US"/>
-          </a:p>
-        </p:txBody>
-      </p:sp>
-      <p:sp>
-        <p:nvSpPr>
-          <p:cNvPr id="6" name="Footer Placeholder 5"/>
-          <p:cNvSpPr>
-            <a:spLocks noGrp="1"/>
-          </p:cNvSpPr>
-          <p:nvPr>
-            <p:ph type="ftr" sz="quarter" idx="12"/>
-          </p:nvPr>
-        </p:nvSpPr>
-        <p:spPr/>
-        <p:txBody>
-          <a:bodyPr/>
-          <a:lstStyle/>
-          <a:p>
-            <a:pPr>
-              <a:defRPr/>
-            </a:pPr>
-            <a:endParaRPr lang="en-US"/>
+            <a:r>
+              <a:rPr lang="en-US" smtClean="0"/>
+              <a:t>Chef Software, Inc.</a:t>
+            </a:r>
+            <a:endParaRPr lang="en-US" dirty="0"/>
           </a:p>
         </p:txBody>
       </p:sp>
@@ -6744,12 +5850,12 @@
       </p:sp>
       <p:sp>
         <p:nvSpPr>
-          <p:cNvPr id="4" name="Slide Number Placeholder 3"/>
-          <p:cNvSpPr>
-            <a:spLocks noGrp="1"/>
-          </p:cNvSpPr>
-          <p:nvPr>
-            <p:ph type="sldNum" sz="quarter" idx="10"/>
+          <p:cNvPr id="5" name="Header Placeholder 4"/>
+          <p:cNvSpPr>
+            <a:spLocks noGrp="1"/>
+          </p:cNvSpPr>
+          <p:nvPr>
+            <p:ph type="hdr" sz="quarter" idx="11"/>
           </p:nvPr>
         </p:nvSpPr>
         <p:spPr/>
@@ -6760,25 +5866,22 @@
             <a:pPr>
               <a:defRPr/>
             </a:pPr>
-            <a:fld id="{DC3734AA-3150-D947-AC52-2F5DF48BFCD5}" type="slidenum">
+            <a:r>
               <a:rPr lang="en-US" smtClean="0"/>
-              <a:pPr>
-                <a:defRPr/>
-              </a:pPr>
-              <a:t>44</a:t>
-            </a:fld>
-            <a:endParaRPr lang="en-US" dirty="0"/>
-          </a:p>
-        </p:txBody>
-      </p:sp>
-      <p:sp>
-        <p:nvSpPr>
-          <p:cNvPr id="5" name="Header Placeholder 4"/>
-          <p:cNvSpPr>
-            <a:spLocks noGrp="1"/>
-          </p:cNvSpPr>
-          <p:nvPr>
-            <p:ph type="hdr" sz="quarter" idx="11"/>
+              <a:t>Test Driven Cookbook Development</a:t>
+            </a:r>
+            <a:endParaRPr lang="en-US"/>
+          </a:p>
+        </p:txBody>
+      </p:sp>
+      <p:sp>
+        <p:nvSpPr>
+          <p:cNvPr id="7" name="Date Placeholder 6"/>
+          <p:cNvSpPr>
+            <a:spLocks noGrp="1"/>
+          </p:cNvSpPr>
+          <p:nvPr>
+            <p:ph type="dt" idx="13"/>
           </p:nvPr>
         </p:nvSpPr>
         <p:spPr/>
@@ -6789,29 +5892,11 @@
             <a:pPr>
               <a:defRPr/>
             </a:pPr>
-            <a:endParaRPr lang="en-US"/>
-          </a:p>
-        </p:txBody>
-      </p:sp>
-      <p:sp>
-        <p:nvSpPr>
-          <p:cNvPr id="6" name="Footer Placeholder 5"/>
-          <p:cNvSpPr>
-            <a:spLocks noGrp="1"/>
-          </p:cNvSpPr>
-          <p:nvPr>
-            <p:ph type="ftr" sz="quarter" idx="12"/>
-          </p:nvPr>
-        </p:nvSpPr>
-        <p:spPr/>
-        <p:txBody>
-          <a:bodyPr/>
-          <a:lstStyle/>
-          <a:p>
-            <a:pPr>
-              <a:defRPr/>
-            </a:pPr>
-            <a:endParaRPr lang="en-US"/>
+            <a:r>
+              <a:rPr lang="en-US" smtClean="0"/>
+              <a:t>Chef Software, Inc.</a:t>
+            </a:r>
+            <a:endParaRPr lang="en-US" dirty="0"/>
           </a:p>
         </p:txBody>
       </p:sp>
@@ -6901,12 +5986,12 @@
       </p:sp>
       <p:sp>
         <p:nvSpPr>
-          <p:cNvPr id="4" name="Slide Number Placeholder 3"/>
-          <p:cNvSpPr>
-            <a:spLocks noGrp="1"/>
-          </p:cNvSpPr>
-          <p:nvPr>
-            <p:ph type="sldNum" sz="quarter" idx="10"/>
+          <p:cNvPr id="5" name="Header Placeholder 4"/>
+          <p:cNvSpPr>
+            <a:spLocks noGrp="1"/>
+          </p:cNvSpPr>
+          <p:nvPr>
+            <p:ph type="hdr" sz="quarter" idx="11"/>
           </p:nvPr>
         </p:nvSpPr>
         <p:spPr/>
@@ -6917,25 +6002,22 @@
             <a:pPr>
               <a:defRPr/>
             </a:pPr>
-            <a:fld id="{DC3734AA-3150-D947-AC52-2F5DF48BFCD5}" type="slidenum">
+            <a:r>
               <a:rPr lang="en-US" smtClean="0"/>
-              <a:pPr>
-                <a:defRPr/>
-              </a:pPr>
-              <a:t>45</a:t>
-            </a:fld>
-            <a:endParaRPr lang="en-US" dirty="0"/>
-          </a:p>
-        </p:txBody>
-      </p:sp>
-      <p:sp>
-        <p:nvSpPr>
-          <p:cNvPr id="5" name="Header Placeholder 4"/>
-          <p:cNvSpPr>
-            <a:spLocks noGrp="1"/>
-          </p:cNvSpPr>
-          <p:nvPr>
-            <p:ph type="hdr" sz="quarter" idx="11"/>
+              <a:t>Test Driven Cookbook Development</a:t>
+            </a:r>
+            <a:endParaRPr lang="en-US"/>
+          </a:p>
+        </p:txBody>
+      </p:sp>
+      <p:sp>
+        <p:nvSpPr>
+          <p:cNvPr id="7" name="Date Placeholder 6"/>
+          <p:cNvSpPr>
+            <a:spLocks noGrp="1"/>
+          </p:cNvSpPr>
+          <p:nvPr>
+            <p:ph type="dt" idx="13"/>
           </p:nvPr>
         </p:nvSpPr>
         <p:spPr/>
@@ -6946,29 +6028,11 @@
             <a:pPr>
               <a:defRPr/>
             </a:pPr>
-            <a:endParaRPr lang="en-US"/>
-          </a:p>
-        </p:txBody>
-      </p:sp>
-      <p:sp>
-        <p:nvSpPr>
-          <p:cNvPr id="6" name="Footer Placeholder 5"/>
-          <p:cNvSpPr>
-            <a:spLocks noGrp="1"/>
-          </p:cNvSpPr>
-          <p:nvPr>
-            <p:ph type="ftr" sz="quarter" idx="12"/>
-          </p:nvPr>
-        </p:nvSpPr>
-        <p:spPr/>
-        <p:txBody>
-          <a:bodyPr/>
-          <a:lstStyle/>
-          <a:p>
-            <a:pPr>
-              <a:defRPr/>
-            </a:pPr>
-            <a:endParaRPr lang="en-US"/>
+            <a:r>
+              <a:rPr lang="en-US" smtClean="0"/>
+              <a:t>Chef Software, Inc.</a:t>
+            </a:r>
+            <a:endParaRPr lang="en-US" dirty="0"/>
           </a:p>
         </p:txBody>
       </p:sp>
@@ -7056,12 +6120,12 @@
       </p:sp>
       <p:sp>
         <p:nvSpPr>
-          <p:cNvPr id="4" name="Slide Number Placeholder 3"/>
-          <p:cNvSpPr>
-            <a:spLocks noGrp="1"/>
-          </p:cNvSpPr>
-          <p:nvPr>
-            <p:ph type="sldNum" sz="quarter" idx="10"/>
+          <p:cNvPr id="5" name="Header Placeholder 4"/>
+          <p:cNvSpPr>
+            <a:spLocks noGrp="1"/>
+          </p:cNvSpPr>
+          <p:nvPr>
+            <p:ph type="hdr" sz="quarter" idx="11"/>
           </p:nvPr>
         </p:nvSpPr>
         <p:spPr/>
@@ -7072,25 +6136,22 @@
             <a:pPr>
               <a:defRPr/>
             </a:pPr>
-            <a:fld id="{DC3734AA-3150-D947-AC52-2F5DF48BFCD5}" type="slidenum">
+            <a:r>
               <a:rPr lang="en-US" smtClean="0"/>
-              <a:pPr>
-                <a:defRPr/>
-              </a:pPr>
-              <a:t>46</a:t>
-            </a:fld>
-            <a:endParaRPr lang="en-US" dirty="0"/>
-          </a:p>
-        </p:txBody>
-      </p:sp>
-      <p:sp>
-        <p:nvSpPr>
-          <p:cNvPr id="5" name="Header Placeholder 4"/>
-          <p:cNvSpPr>
-            <a:spLocks noGrp="1"/>
-          </p:cNvSpPr>
-          <p:nvPr>
-            <p:ph type="hdr" sz="quarter" idx="11"/>
+              <a:t>Test Driven Cookbook Development</a:t>
+            </a:r>
+            <a:endParaRPr lang="en-US"/>
+          </a:p>
+        </p:txBody>
+      </p:sp>
+      <p:sp>
+        <p:nvSpPr>
+          <p:cNvPr id="7" name="Date Placeholder 6"/>
+          <p:cNvSpPr>
+            <a:spLocks noGrp="1"/>
+          </p:cNvSpPr>
+          <p:nvPr>
+            <p:ph type="dt" idx="13"/>
           </p:nvPr>
         </p:nvSpPr>
         <p:spPr/>
@@ -7101,29 +6162,11 @@
             <a:pPr>
               <a:defRPr/>
             </a:pPr>
-            <a:endParaRPr lang="en-US"/>
-          </a:p>
-        </p:txBody>
-      </p:sp>
-      <p:sp>
-        <p:nvSpPr>
-          <p:cNvPr id="6" name="Footer Placeholder 5"/>
-          <p:cNvSpPr>
-            <a:spLocks noGrp="1"/>
-          </p:cNvSpPr>
-          <p:nvPr>
-            <p:ph type="ftr" sz="quarter" idx="12"/>
-          </p:nvPr>
-        </p:nvSpPr>
-        <p:spPr/>
-        <p:txBody>
-          <a:bodyPr/>
-          <a:lstStyle/>
-          <a:p>
-            <a:pPr>
-              <a:defRPr/>
-            </a:pPr>
-            <a:endParaRPr lang="en-US"/>
+            <a:r>
+              <a:rPr lang="en-US" smtClean="0"/>
+              <a:t>Chef Software, Inc.</a:t>
+            </a:r>
+            <a:endParaRPr lang="en-US" dirty="0"/>
           </a:p>
         </p:txBody>
       </p:sp>
@@ -7207,12 +6250,12 @@
       </p:sp>
       <p:sp>
         <p:nvSpPr>
-          <p:cNvPr id="4" name="Slide Number Placeholder 3"/>
-          <p:cNvSpPr>
-            <a:spLocks noGrp="1"/>
-          </p:cNvSpPr>
-          <p:nvPr>
-            <p:ph type="sldNum" sz="quarter" idx="10"/>
+          <p:cNvPr id="5" name="Header Placeholder 4"/>
+          <p:cNvSpPr>
+            <a:spLocks noGrp="1"/>
+          </p:cNvSpPr>
+          <p:nvPr>
+            <p:ph type="hdr" sz="quarter" idx="11"/>
           </p:nvPr>
         </p:nvSpPr>
         <p:spPr/>
@@ -7223,25 +6266,22 @@
             <a:pPr>
               <a:defRPr/>
             </a:pPr>
-            <a:fld id="{DC3734AA-3150-D947-AC52-2F5DF48BFCD5}" type="slidenum">
+            <a:r>
               <a:rPr lang="en-US" smtClean="0"/>
-              <a:pPr>
-                <a:defRPr/>
-              </a:pPr>
-              <a:t>47</a:t>
-            </a:fld>
-            <a:endParaRPr lang="en-US" dirty="0"/>
-          </a:p>
-        </p:txBody>
-      </p:sp>
-      <p:sp>
-        <p:nvSpPr>
-          <p:cNvPr id="5" name="Header Placeholder 4"/>
-          <p:cNvSpPr>
-            <a:spLocks noGrp="1"/>
-          </p:cNvSpPr>
-          <p:nvPr>
-            <p:ph type="hdr" sz="quarter" idx="11"/>
+              <a:t>Test Driven Cookbook Development</a:t>
+            </a:r>
+            <a:endParaRPr lang="en-US"/>
+          </a:p>
+        </p:txBody>
+      </p:sp>
+      <p:sp>
+        <p:nvSpPr>
+          <p:cNvPr id="7" name="Date Placeholder 6"/>
+          <p:cNvSpPr>
+            <a:spLocks noGrp="1"/>
+          </p:cNvSpPr>
+          <p:nvPr>
+            <p:ph type="dt" idx="13"/>
           </p:nvPr>
         </p:nvSpPr>
         <p:spPr/>
@@ -7252,29 +6292,11 @@
             <a:pPr>
               <a:defRPr/>
             </a:pPr>
-            <a:endParaRPr lang="en-US"/>
-          </a:p>
-        </p:txBody>
-      </p:sp>
-      <p:sp>
-        <p:nvSpPr>
-          <p:cNvPr id="6" name="Footer Placeholder 5"/>
-          <p:cNvSpPr>
-            <a:spLocks noGrp="1"/>
-          </p:cNvSpPr>
-          <p:nvPr>
-            <p:ph type="ftr" sz="quarter" idx="12"/>
-          </p:nvPr>
-        </p:nvSpPr>
-        <p:spPr/>
-        <p:txBody>
-          <a:bodyPr/>
-          <a:lstStyle/>
-          <a:p>
-            <a:pPr>
-              <a:defRPr/>
-            </a:pPr>
-            <a:endParaRPr lang="en-US"/>
+            <a:r>
+              <a:rPr lang="en-US" smtClean="0"/>
+              <a:t>Chef Software, Inc.</a:t>
+            </a:r>
+            <a:endParaRPr lang="en-US" dirty="0"/>
           </a:p>
         </p:txBody>
       </p:sp>
@@ -7362,12 +6384,12 @@
       </p:sp>
       <p:sp>
         <p:nvSpPr>
-          <p:cNvPr id="4" name="Slide Number Placeholder 3"/>
-          <p:cNvSpPr>
-            <a:spLocks noGrp="1"/>
-          </p:cNvSpPr>
-          <p:nvPr>
-            <p:ph type="sldNum" sz="quarter" idx="10"/>
+          <p:cNvPr id="5" name="Header Placeholder 4"/>
+          <p:cNvSpPr>
+            <a:spLocks noGrp="1"/>
+          </p:cNvSpPr>
+          <p:nvPr>
+            <p:ph type="hdr" sz="quarter" idx="11"/>
           </p:nvPr>
         </p:nvSpPr>
         <p:spPr/>
@@ -7378,25 +6400,22 @@
             <a:pPr>
               <a:defRPr/>
             </a:pPr>
-            <a:fld id="{DC3734AA-3150-D947-AC52-2F5DF48BFCD5}" type="slidenum">
+            <a:r>
               <a:rPr lang="en-US" smtClean="0"/>
-              <a:pPr>
-                <a:defRPr/>
-              </a:pPr>
-              <a:t>48</a:t>
-            </a:fld>
-            <a:endParaRPr lang="en-US" dirty="0"/>
-          </a:p>
-        </p:txBody>
-      </p:sp>
-      <p:sp>
-        <p:nvSpPr>
-          <p:cNvPr id="5" name="Header Placeholder 4"/>
-          <p:cNvSpPr>
-            <a:spLocks noGrp="1"/>
-          </p:cNvSpPr>
-          <p:nvPr>
-            <p:ph type="hdr" sz="quarter" idx="11"/>
+              <a:t>Test Driven Cookbook Development</a:t>
+            </a:r>
+            <a:endParaRPr lang="en-US"/>
+          </a:p>
+        </p:txBody>
+      </p:sp>
+      <p:sp>
+        <p:nvSpPr>
+          <p:cNvPr id="7" name="Date Placeholder 6"/>
+          <p:cNvSpPr>
+            <a:spLocks noGrp="1"/>
+          </p:cNvSpPr>
+          <p:nvPr>
+            <p:ph type="dt" idx="13"/>
           </p:nvPr>
         </p:nvSpPr>
         <p:spPr/>
@@ -7407,29 +6426,11 @@
             <a:pPr>
               <a:defRPr/>
             </a:pPr>
-            <a:endParaRPr lang="en-US"/>
-          </a:p>
-        </p:txBody>
-      </p:sp>
-      <p:sp>
-        <p:nvSpPr>
-          <p:cNvPr id="6" name="Footer Placeholder 5"/>
-          <p:cNvSpPr>
-            <a:spLocks noGrp="1"/>
-          </p:cNvSpPr>
-          <p:nvPr>
-            <p:ph type="ftr" sz="quarter" idx="12"/>
-          </p:nvPr>
-        </p:nvSpPr>
-        <p:spPr/>
-        <p:txBody>
-          <a:bodyPr/>
-          <a:lstStyle/>
-          <a:p>
-            <a:pPr>
-              <a:defRPr/>
-            </a:pPr>
-            <a:endParaRPr lang="en-US"/>
+            <a:r>
+              <a:rPr lang="en-US" smtClean="0"/>
+              <a:t>Chef Software, Inc.</a:t>
+            </a:r>
+            <a:endParaRPr lang="en-US" dirty="0"/>
           </a:p>
         </p:txBody>
       </p:sp>
@@ -7521,12 +6522,12 @@
       </p:sp>
       <p:sp>
         <p:nvSpPr>
-          <p:cNvPr id="4" name="Slide Number Placeholder 3"/>
-          <p:cNvSpPr>
-            <a:spLocks noGrp="1"/>
-          </p:cNvSpPr>
-          <p:nvPr>
-            <p:ph type="sldNum" sz="quarter" idx="10"/>
+          <p:cNvPr id="5" name="Header Placeholder 4"/>
+          <p:cNvSpPr>
+            <a:spLocks noGrp="1"/>
+          </p:cNvSpPr>
+          <p:nvPr>
+            <p:ph type="hdr" sz="quarter" idx="11"/>
           </p:nvPr>
         </p:nvSpPr>
         <p:spPr/>
@@ -7537,25 +6538,22 @@
             <a:pPr>
               <a:defRPr/>
             </a:pPr>
-            <a:fld id="{DC3734AA-3150-D947-AC52-2F5DF48BFCD5}" type="slidenum">
+            <a:r>
               <a:rPr lang="en-US" smtClean="0"/>
-              <a:pPr>
-                <a:defRPr/>
-              </a:pPr>
-              <a:t>49</a:t>
-            </a:fld>
-            <a:endParaRPr lang="en-US" dirty="0"/>
-          </a:p>
-        </p:txBody>
-      </p:sp>
-      <p:sp>
-        <p:nvSpPr>
-          <p:cNvPr id="5" name="Header Placeholder 4"/>
-          <p:cNvSpPr>
-            <a:spLocks noGrp="1"/>
-          </p:cNvSpPr>
-          <p:nvPr>
-            <p:ph type="hdr" sz="quarter" idx="11"/>
+              <a:t>Test Driven Cookbook Development</a:t>
+            </a:r>
+            <a:endParaRPr lang="en-US"/>
+          </a:p>
+        </p:txBody>
+      </p:sp>
+      <p:sp>
+        <p:nvSpPr>
+          <p:cNvPr id="7" name="Date Placeholder 6"/>
+          <p:cNvSpPr>
+            <a:spLocks noGrp="1"/>
+          </p:cNvSpPr>
+          <p:nvPr>
+            <p:ph type="dt" idx="13"/>
           </p:nvPr>
         </p:nvSpPr>
         <p:spPr/>
@@ -7566,29 +6564,11 @@
             <a:pPr>
               <a:defRPr/>
             </a:pPr>
-            <a:endParaRPr lang="en-US"/>
-          </a:p>
-        </p:txBody>
-      </p:sp>
-      <p:sp>
-        <p:nvSpPr>
-          <p:cNvPr id="6" name="Footer Placeholder 5"/>
-          <p:cNvSpPr>
-            <a:spLocks noGrp="1"/>
-          </p:cNvSpPr>
-          <p:nvPr>
-            <p:ph type="ftr" sz="quarter" idx="12"/>
-          </p:nvPr>
-        </p:nvSpPr>
-        <p:spPr/>
-        <p:txBody>
-          <a:bodyPr/>
-          <a:lstStyle/>
-          <a:p>
-            <a:pPr>
-              <a:defRPr/>
-            </a:pPr>
-            <a:endParaRPr lang="en-US"/>
+            <a:r>
+              <a:rPr lang="en-US" smtClean="0"/>
+              <a:t>Chef Software, Inc.</a:t>
+            </a:r>
+            <a:endParaRPr lang="en-US" dirty="0"/>
           </a:p>
         </p:txBody>
       </p:sp>
@@ -7659,12 +6639,12 @@
       </p:sp>
       <p:sp>
         <p:nvSpPr>
-          <p:cNvPr id="4" name="Slide Number Placeholder 3"/>
-          <p:cNvSpPr>
-            <a:spLocks noGrp="1"/>
-          </p:cNvSpPr>
-          <p:nvPr>
-            <p:ph type="sldNum" sz="quarter" idx="10"/>
+          <p:cNvPr id="5" name="Header Placeholder 4"/>
+          <p:cNvSpPr>
+            <a:spLocks noGrp="1"/>
+          </p:cNvSpPr>
+          <p:nvPr>
+            <p:ph type="hdr" sz="quarter" idx="11"/>
           </p:nvPr>
         </p:nvSpPr>
         <p:spPr/>
@@ -7675,25 +6655,22 @@
             <a:pPr>
               <a:defRPr/>
             </a:pPr>
-            <a:fld id="{DC3734AA-3150-D947-AC52-2F5DF48BFCD5}" type="slidenum">
+            <a:r>
               <a:rPr lang="en-US" smtClean="0"/>
-              <a:pPr>
-                <a:defRPr/>
-              </a:pPr>
-              <a:t>5</a:t>
-            </a:fld>
-            <a:endParaRPr lang="en-US" dirty="0"/>
-          </a:p>
-        </p:txBody>
-      </p:sp>
-      <p:sp>
-        <p:nvSpPr>
-          <p:cNvPr id="5" name="Header Placeholder 4"/>
-          <p:cNvSpPr>
-            <a:spLocks noGrp="1"/>
-          </p:cNvSpPr>
-          <p:nvPr>
-            <p:ph type="hdr" sz="quarter" idx="11"/>
+              <a:t>Test Driven Cookbook Development</a:t>
+            </a:r>
+            <a:endParaRPr lang="en-US"/>
+          </a:p>
+        </p:txBody>
+      </p:sp>
+      <p:sp>
+        <p:nvSpPr>
+          <p:cNvPr id="7" name="Date Placeholder 6"/>
+          <p:cNvSpPr>
+            <a:spLocks noGrp="1"/>
+          </p:cNvSpPr>
+          <p:nvPr>
+            <p:ph type="dt" idx="13"/>
           </p:nvPr>
         </p:nvSpPr>
         <p:spPr/>
@@ -7704,29 +6681,11 @@
             <a:pPr>
               <a:defRPr/>
             </a:pPr>
-            <a:endParaRPr lang="en-US"/>
-          </a:p>
-        </p:txBody>
-      </p:sp>
-      <p:sp>
-        <p:nvSpPr>
-          <p:cNvPr id="6" name="Footer Placeholder 5"/>
-          <p:cNvSpPr>
-            <a:spLocks noGrp="1"/>
-          </p:cNvSpPr>
-          <p:nvPr>
-            <p:ph type="ftr" sz="quarter" idx="12"/>
-          </p:nvPr>
-        </p:nvSpPr>
-        <p:spPr/>
-        <p:txBody>
-          <a:bodyPr/>
-          <a:lstStyle/>
-          <a:p>
-            <a:pPr>
-              <a:defRPr/>
-            </a:pPr>
-            <a:endParaRPr lang="en-US"/>
+            <a:r>
+              <a:rPr lang="en-US" smtClean="0"/>
+              <a:t>Chef Software, Inc.</a:t>
+            </a:r>
+            <a:endParaRPr lang="en-US" dirty="0"/>
           </a:p>
         </p:txBody>
       </p:sp>
@@ -7801,12 +6760,12 @@
       </p:sp>
       <p:sp>
         <p:nvSpPr>
-          <p:cNvPr id="4" name="Slide Number Placeholder 3"/>
-          <p:cNvSpPr>
-            <a:spLocks noGrp="1"/>
-          </p:cNvSpPr>
-          <p:nvPr>
-            <p:ph type="sldNum" sz="quarter" idx="10"/>
+          <p:cNvPr id="5" name="Header Placeholder 4"/>
+          <p:cNvSpPr>
+            <a:spLocks noGrp="1"/>
+          </p:cNvSpPr>
+          <p:nvPr>
+            <p:ph type="hdr" sz="quarter" idx="11"/>
           </p:nvPr>
         </p:nvSpPr>
         <p:spPr/>
@@ -7817,25 +6776,22 @@
             <a:pPr>
               <a:defRPr/>
             </a:pPr>
-            <a:fld id="{DC3734AA-3150-D947-AC52-2F5DF48BFCD5}" type="slidenum">
+            <a:r>
               <a:rPr lang="en-US" smtClean="0"/>
-              <a:pPr>
-                <a:defRPr/>
-              </a:pPr>
-              <a:t>50</a:t>
-            </a:fld>
-            <a:endParaRPr lang="en-US" dirty="0"/>
-          </a:p>
-        </p:txBody>
-      </p:sp>
-      <p:sp>
-        <p:nvSpPr>
-          <p:cNvPr id="5" name="Header Placeholder 4"/>
-          <p:cNvSpPr>
-            <a:spLocks noGrp="1"/>
-          </p:cNvSpPr>
-          <p:nvPr>
-            <p:ph type="hdr" sz="quarter" idx="11"/>
+              <a:t>Test Driven Cookbook Development</a:t>
+            </a:r>
+            <a:endParaRPr lang="en-US"/>
+          </a:p>
+        </p:txBody>
+      </p:sp>
+      <p:sp>
+        <p:nvSpPr>
+          <p:cNvPr id="7" name="Date Placeholder 6"/>
+          <p:cNvSpPr>
+            <a:spLocks noGrp="1"/>
+          </p:cNvSpPr>
+          <p:nvPr>
+            <p:ph type="dt" idx="13"/>
           </p:nvPr>
         </p:nvSpPr>
         <p:spPr/>
@@ -7846,29 +6802,11 @@
             <a:pPr>
               <a:defRPr/>
             </a:pPr>
-            <a:endParaRPr lang="en-US"/>
-          </a:p>
-        </p:txBody>
-      </p:sp>
-      <p:sp>
-        <p:nvSpPr>
-          <p:cNvPr id="6" name="Footer Placeholder 5"/>
-          <p:cNvSpPr>
-            <a:spLocks noGrp="1"/>
-          </p:cNvSpPr>
-          <p:nvPr>
-            <p:ph type="ftr" sz="quarter" idx="12"/>
-          </p:nvPr>
-        </p:nvSpPr>
-        <p:spPr/>
-        <p:txBody>
-          <a:bodyPr/>
-          <a:lstStyle/>
-          <a:p>
-            <a:pPr>
-              <a:defRPr/>
-            </a:pPr>
-            <a:endParaRPr lang="en-US"/>
+            <a:r>
+              <a:rPr lang="en-US" smtClean="0"/>
+              <a:t>Chef Software, Inc.</a:t>
+            </a:r>
+            <a:endParaRPr lang="en-US" dirty="0"/>
           </a:p>
         </p:txBody>
       </p:sp>
@@ -7958,12 +6896,12 @@
       </p:sp>
       <p:sp>
         <p:nvSpPr>
-          <p:cNvPr id="4" name="Slide Number Placeholder 3"/>
-          <p:cNvSpPr>
-            <a:spLocks noGrp="1"/>
-          </p:cNvSpPr>
-          <p:nvPr>
-            <p:ph type="sldNum" sz="quarter" idx="10"/>
+          <p:cNvPr id="5" name="Header Placeholder 4"/>
+          <p:cNvSpPr>
+            <a:spLocks noGrp="1"/>
+          </p:cNvSpPr>
+          <p:nvPr>
+            <p:ph type="hdr" sz="quarter" idx="11"/>
           </p:nvPr>
         </p:nvSpPr>
         <p:spPr/>
@@ -7974,25 +6912,22 @@
             <a:pPr>
               <a:defRPr/>
             </a:pPr>
-            <a:fld id="{DC3734AA-3150-D947-AC52-2F5DF48BFCD5}" type="slidenum">
+            <a:r>
               <a:rPr lang="en-US" smtClean="0"/>
-              <a:pPr>
-                <a:defRPr/>
-              </a:pPr>
-              <a:t>6</a:t>
-            </a:fld>
-            <a:endParaRPr lang="en-US" dirty="0"/>
-          </a:p>
-        </p:txBody>
-      </p:sp>
-      <p:sp>
-        <p:nvSpPr>
-          <p:cNvPr id="5" name="Header Placeholder 4"/>
-          <p:cNvSpPr>
-            <a:spLocks noGrp="1"/>
-          </p:cNvSpPr>
-          <p:nvPr>
-            <p:ph type="hdr" sz="quarter" idx="11"/>
+              <a:t>Test Driven Cookbook Development</a:t>
+            </a:r>
+            <a:endParaRPr lang="en-US"/>
+          </a:p>
+        </p:txBody>
+      </p:sp>
+      <p:sp>
+        <p:nvSpPr>
+          <p:cNvPr id="7" name="Date Placeholder 6"/>
+          <p:cNvSpPr>
+            <a:spLocks noGrp="1"/>
+          </p:cNvSpPr>
+          <p:nvPr>
+            <p:ph type="dt" idx="13"/>
           </p:nvPr>
         </p:nvSpPr>
         <p:spPr/>
@@ -8003,29 +6938,11 @@
             <a:pPr>
               <a:defRPr/>
             </a:pPr>
-            <a:endParaRPr lang="en-US"/>
-          </a:p>
-        </p:txBody>
-      </p:sp>
-      <p:sp>
-        <p:nvSpPr>
-          <p:cNvPr id="6" name="Footer Placeholder 5"/>
-          <p:cNvSpPr>
-            <a:spLocks noGrp="1"/>
-          </p:cNvSpPr>
-          <p:nvPr>
-            <p:ph type="ftr" sz="quarter" idx="12"/>
-          </p:nvPr>
-        </p:nvSpPr>
-        <p:spPr/>
-        <p:txBody>
-          <a:bodyPr/>
-          <a:lstStyle/>
-          <a:p>
-            <a:pPr>
-              <a:defRPr/>
-            </a:pPr>
-            <a:endParaRPr lang="en-US"/>
+            <a:r>
+              <a:rPr lang="en-US" smtClean="0"/>
+              <a:t>Chef Software, Inc.</a:t>
+            </a:r>
+            <a:endParaRPr lang="en-US" dirty="0"/>
           </a:p>
         </p:txBody>
       </p:sp>
@@ -8165,12 +7082,12 @@
       </p:sp>
       <p:sp>
         <p:nvSpPr>
-          <p:cNvPr id="4" name="Slide Number Placeholder 3"/>
-          <p:cNvSpPr>
-            <a:spLocks noGrp="1"/>
-          </p:cNvSpPr>
-          <p:nvPr>
-            <p:ph type="sldNum" sz="quarter" idx="10"/>
+          <p:cNvPr id="5" name="Header Placeholder 4"/>
+          <p:cNvSpPr>
+            <a:spLocks noGrp="1"/>
+          </p:cNvSpPr>
+          <p:nvPr>
+            <p:ph type="hdr" sz="quarter" idx="11"/>
           </p:nvPr>
         </p:nvSpPr>
         <p:spPr/>
@@ -8181,25 +7098,22 @@
             <a:pPr>
               <a:defRPr/>
             </a:pPr>
-            <a:fld id="{DC3734AA-3150-D947-AC52-2F5DF48BFCD5}" type="slidenum">
+            <a:r>
               <a:rPr lang="en-US" smtClean="0"/>
-              <a:pPr>
-                <a:defRPr/>
-              </a:pPr>
-              <a:t>7</a:t>
-            </a:fld>
-            <a:endParaRPr lang="en-US" dirty="0"/>
-          </a:p>
-        </p:txBody>
-      </p:sp>
-      <p:sp>
-        <p:nvSpPr>
-          <p:cNvPr id="5" name="Header Placeholder 4"/>
-          <p:cNvSpPr>
-            <a:spLocks noGrp="1"/>
-          </p:cNvSpPr>
-          <p:nvPr>
-            <p:ph type="hdr" sz="quarter" idx="11"/>
+              <a:t>Test Driven Cookbook Development</a:t>
+            </a:r>
+            <a:endParaRPr lang="en-US"/>
+          </a:p>
+        </p:txBody>
+      </p:sp>
+      <p:sp>
+        <p:nvSpPr>
+          <p:cNvPr id="7" name="Date Placeholder 6"/>
+          <p:cNvSpPr>
+            <a:spLocks noGrp="1"/>
+          </p:cNvSpPr>
+          <p:nvPr>
+            <p:ph type="dt" idx="13"/>
           </p:nvPr>
         </p:nvSpPr>
         <p:spPr/>
@@ -8210,29 +7124,11 @@
             <a:pPr>
               <a:defRPr/>
             </a:pPr>
-            <a:endParaRPr lang="en-US"/>
-          </a:p>
-        </p:txBody>
-      </p:sp>
-      <p:sp>
-        <p:nvSpPr>
-          <p:cNvPr id="6" name="Footer Placeholder 5"/>
-          <p:cNvSpPr>
-            <a:spLocks noGrp="1"/>
-          </p:cNvSpPr>
-          <p:nvPr>
-            <p:ph type="ftr" sz="quarter" idx="12"/>
-          </p:nvPr>
-        </p:nvSpPr>
-        <p:spPr/>
-        <p:txBody>
-          <a:bodyPr/>
-          <a:lstStyle/>
-          <a:p>
-            <a:pPr>
-              <a:defRPr/>
-            </a:pPr>
-            <a:endParaRPr lang="en-US"/>
+            <a:r>
+              <a:rPr lang="en-US" smtClean="0"/>
+              <a:t>Chef Software, Inc.</a:t>
+            </a:r>
+            <a:endParaRPr lang="en-US" dirty="0"/>
           </a:p>
         </p:txBody>
       </p:sp>
@@ -8307,12 +7203,12 @@
       </p:sp>
       <p:sp>
         <p:nvSpPr>
-          <p:cNvPr id="4" name="Slide Number Placeholder 3"/>
-          <p:cNvSpPr>
-            <a:spLocks noGrp="1"/>
-          </p:cNvSpPr>
-          <p:nvPr>
-            <p:ph type="sldNum" sz="quarter" idx="10"/>
+          <p:cNvPr id="5" name="Header Placeholder 4"/>
+          <p:cNvSpPr>
+            <a:spLocks noGrp="1"/>
+          </p:cNvSpPr>
+          <p:nvPr>
+            <p:ph type="hdr" sz="quarter" idx="11"/>
           </p:nvPr>
         </p:nvSpPr>
         <p:spPr/>
@@ -8323,25 +7219,22 @@
             <a:pPr>
               <a:defRPr/>
             </a:pPr>
-            <a:fld id="{DC3734AA-3150-D947-AC52-2F5DF48BFCD5}" type="slidenum">
+            <a:r>
               <a:rPr lang="en-US" smtClean="0"/>
-              <a:pPr>
-                <a:defRPr/>
-              </a:pPr>
-              <a:t>8</a:t>
-            </a:fld>
-            <a:endParaRPr lang="en-US" dirty="0"/>
-          </a:p>
-        </p:txBody>
-      </p:sp>
-      <p:sp>
-        <p:nvSpPr>
-          <p:cNvPr id="5" name="Header Placeholder 4"/>
-          <p:cNvSpPr>
-            <a:spLocks noGrp="1"/>
-          </p:cNvSpPr>
-          <p:nvPr>
-            <p:ph type="hdr" sz="quarter" idx="11"/>
+              <a:t>Test Driven Cookbook Development</a:t>
+            </a:r>
+            <a:endParaRPr lang="en-US"/>
+          </a:p>
+        </p:txBody>
+      </p:sp>
+      <p:sp>
+        <p:nvSpPr>
+          <p:cNvPr id="7" name="Date Placeholder 6"/>
+          <p:cNvSpPr>
+            <a:spLocks noGrp="1"/>
+          </p:cNvSpPr>
+          <p:nvPr>
+            <p:ph type="dt" idx="13"/>
           </p:nvPr>
         </p:nvSpPr>
         <p:spPr/>
@@ -8352,29 +7245,11 @@
             <a:pPr>
               <a:defRPr/>
             </a:pPr>
-            <a:endParaRPr lang="en-US"/>
-          </a:p>
-        </p:txBody>
-      </p:sp>
-      <p:sp>
-        <p:nvSpPr>
-          <p:cNvPr id="6" name="Footer Placeholder 5"/>
-          <p:cNvSpPr>
-            <a:spLocks noGrp="1"/>
-          </p:cNvSpPr>
-          <p:nvPr>
-            <p:ph type="ftr" sz="quarter" idx="12"/>
-          </p:nvPr>
-        </p:nvSpPr>
-        <p:spPr/>
-        <p:txBody>
-          <a:bodyPr/>
-          <a:lstStyle/>
-          <a:p>
-            <a:pPr>
-              <a:defRPr/>
-            </a:pPr>
-            <a:endParaRPr lang="en-US"/>
+            <a:r>
+              <a:rPr lang="en-US" smtClean="0"/>
+              <a:t>Chef Software, Inc.</a:t>
+            </a:r>
+            <a:endParaRPr lang="en-US" dirty="0"/>
           </a:p>
         </p:txBody>
       </p:sp>
@@ -8490,12 +7365,12 @@
       </p:sp>
       <p:sp>
         <p:nvSpPr>
-          <p:cNvPr id="4" name="Slide Number Placeholder 3"/>
-          <p:cNvSpPr>
-            <a:spLocks noGrp="1"/>
-          </p:cNvSpPr>
-          <p:nvPr>
-            <p:ph type="sldNum" sz="quarter" idx="10"/>
+          <p:cNvPr id="5" name="Header Placeholder 4"/>
+          <p:cNvSpPr>
+            <a:spLocks noGrp="1"/>
+          </p:cNvSpPr>
+          <p:nvPr>
+            <p:ph type="hdr" sz="quarter" idx="11"/>
           </p:nvPr>
         </p:nvSpPr>
         <p:spPr/>
@@ -8506,25 +7381,22 @@
             <a:pPr>
               <a:defRPr/>
             </a:pPr>
-            <a:fld id="{DC3734AA-3150-D947-AC52-2F5DF48BFCD5}" type="slidenum">
+            <a:r>
               <a:rPr lang="en-US" smtClean="0"/>
-              <a:pPr>
-                <a:defRPr/>
-              </a:pPr>
-              <a:t>9</a:t>
-            </a:fld>
-            <a:endParaRPr lang="en-US" dirty="0"/>
-          </a:p>
-        </p:txBody>
-      </p:sp>
-      <p:sp>
-        <p:nvSpPr>
-          <p:cNvPr id="5" name="Header Placeholder 4"/>
-          <p:cNvSpPr>
-            <a:spLocks noGrp="1"/>
-          </p:cNvSpPr>
-          <p:nvPr>
-            <p:ph type="hdr" sz="quarter" idx="11"/>
+              <a:t>Test Driven Cookbook Development</a:t>
+            </a:r>
+            <a:endParaRPr lang="en-US"/>
+          </a:p>
+        </p:txBody>
+      </p:sp>
+      <p:sp>
+        <p:nvSpPr>
+          <p:cNvPr id="7" name="Date Placeholder 6"/>
+          <p:cNvSpPr>
+            <a:spLocks noGrp="1"/>
+          </p:cNvSpPr>
+          <p:nvPr>
+            <p:ph type="dt" idx="13"/>
           </p:nvPr>
         </p:nvSpPr>
         <p:spPr/>
@@ -8535,29 +7407,11 @@
             <a:pPr>
               <a:defRPr/>
             </a:pPr>
-            <a:endParaRPr lang="en-US"/>
-          </a:p>
-        </p:txBody>
-      </p:sp>
-      <p:sp>
-        <p:nvSpPr>
-          <p:cNvPr id="6" name="Footer Placeholder 5"/>
-          <p:cNvSpPr>
-            <a:spLocks noGrp="1"/>
-          </p:cNvSpPr>
-          <p:nvPr>
-            <p:ph type="ftr" sz="quarter" idx="12"/>
-          </p:nvPr>
-        </p:nvSpPr>
-        <p:spPr/>
-        <p:txBody>
-          <a:bodyPr/>
-          <a:lstStyle/>
-          <a:p>
-            <a:pPr>
-              <a:defRPr/>
-            </a:pPr>
-            <a:endParaRPr lang="en-US"/>
+            <a:r>
+              <a:rPr lang="en-US" smtClean="0"/>
+              <a:t>Chef Software, Inc.</a:t>
+            </a:r>
+            <a:endParaRPr lang="en-US" dirty="0"/>
           </a:p>
         </p:txBody>
       </p:sp>
@@ -8711,7 +7565,7 @@
   <p:clrMapOvr>
     <a:masterClrMapping/>
   </p:clrMapOvr>
-  <p:transition xmlns:p14="http://schemas.microsoft.com/office/powerpoint/2010/main" spd="med">
+  <p:transition spd="med">
     <p:fade/>
   </p:transition>
 </p:sldLayout>
@@ -9006,7 +7860,7 @@
   <p:clrMapOvr>
     <a:overrideClrMapping bg1="lt1" tx1="dk1" bg2="lt2" tx2="dk2" accent1="accent1" accent2="accent2" accent3="accent3" accent4="accent4" accent5="accent5" accent6="accent6" hlink="hlink" folHlink="folHlink"/>
   </p:clrMapOvr>
-  <p:transition xmlns:p14="http://schemas.microsoft.com/office/powerpoint/2010/main" spd="med">
+  <p:transition spd="med">
     <p:fade/>
   </p:transition>
 </p:sldLayout>
@@ -9139,14 +7993,14 @@
           </a:ln>
           <a:extLst>
             <a:ext uri="{909E8E84-426E-40dd-AFC4-6F175D3DCCD1}">
-              <a14:hiddenFill xmlns:a14="http://schemas.microsoft.com/office/drawing/2010/main">
+              <a14:hiddenFill xmlns="" xmlns:a14="http://schemas.microsoft.com/office/drawing/2010/main">
                 <a:solidFill>
                   <a:srgbClr val="FFFFFF"/>
                 </a:solidFill>
               </a14:hiddenFill>
             </a:ext>
             <a:ext uri="{91240B29-F687-4f45-9708-019B960494DF}">
-              <a14:hiddenLine xmlns:a14="http://schemas.microsoft.com/office/drawing/2010/main" w="9525">
+              <a14:hiddenLine xmlns="" xmlns:a14="http://schemas.microsoft.com/office/drawing/2010/main" w="9525">
                 <a:solidFill>
                   <a:srgbClr val="000000"/>
                 </a:solidFill>
@@ -9294,14 +8148,14 @@
           </a:ln>
           <a:extLst>
             <a:ext uri="{909E8E84-426E-40dd-AFC4-6F175D3DCCD1}">
-              <a14:hiddenFill xmlns:a14="http://schemas.microsoft.com/office/drawing/2010/main">
+              <a14:hiddenFill xmlns="" xmlns:a14="http://schemas.microsoft.com/office/drawing/2010/main">
                 <a:solidFill>
                   <a:srgbClr val="FFFFFF"/>
                 </a:solidFill>
               </a14:hiddenFill>
             </a:ext>
             <a:ext uri="{91240B29-F687-4f45-9708-019B960494DF}">
-              <a14:hiddenLine xmlns:a14="http://schemas.microsoft.com/office/drawing/2010/main" w="9525">
+              <a14:hiddenLine xmlns="" xmlns:a14="http://schemas.microsoft.com/office/drawing/2010/main" w="9525">
                 <a:solidFill>
                   <a:srgbClr val="000000"/>
                 </a:solidFill>
@@ -9699,7 +8553,7 @@
   <p:clrMapOvr>
     <a:overrideClrMapping bg1="lt1" tx1="dk1" bg2="lt2" tx2="dk2" accent1="accent1" accent2="accent2" accent3="accent3" accent4="accent4" accent5="accent5" accent6="accent6" hlink="hlink" folHlink="folHlink"/>
   </p:clrMapOvr>
-  <p:transition xmlns:p14="http://schemas.microsoft.com/office/powerpoint/2010/main" spd="med">
+  <p:transition spd="med">
     <p:fade/>
   </p:transition>
 </p:sldLayout>
@@ -9792,14 +8646,14 @@
           </a:ln>
           <a:extLst>
             <a:ext uri="{909E8E84-426E-40dd-AFC4-6F175D3DCCD1}">
-              <a14:hiddenFill xmlns:a14="http://schemas.microsoft.com/office/drawing/2010/main">
+              <a14:hiddenFill xmlns="" xmlns:a14="http://schemas.microsoft.com/office/drawing/2010/main">
                 <a:solidFill>
                   <a:srgbClr val="FFFFFF"/>
                 </a:solidFill>
               </a14:hiddenFill>
             </a:ext>
             <a:ext uri="{91240B29-F687-4f45-9708-019B960494DF}">
-              <a14:hiddenLine xmlns:a14="http://schemas.microsoft.com/office/drawing/2010/main" w="9525">
+              <a14:hiddenLine xmlns="" xmlns:a14="http://schemas.microsoft.com/office/drawing/2010/main" w="9525">
                 <a:solidFill>
                   <a:srgbClr val="000000"/>
                 </a:solidFill>
@@ -9821,7 +8675,7 @@
   <p:clrMapOvr>
     <a:masterClrMapping/>
   </p:clrMapOvr>
-  <p:transition xmlns:p14="http://schemas.microsoft.com/office/powerpoint/2010/main" spd="med">
+  <p:transition spd="med">
     <p:fade/>
   </p:transition>
 </p:sldLayout>
@@ -10038,14 +8892,14 @@
           </a:ln>
           <a:extLst>
             <a:ext uri="{909E8E84-426E-40dd-AFC4-6F175D3DCCD1}">
-              <a14:hiddenFill xmlns:a14="http://schemas.microsoft.com/office/drawing/2010/main">
+              <a14:hiddenFill xmlns="" xmlns:a14="http://schemas.microsoft.com/office/drawing/2010/main">
                 <a:solidFill>
                   <a:srgbClr val="FFFFFF"/>
                 </a:solidFill>
               </a14:hiddenFill>
             </a:ext>
             <a:ext uri="{91240B29-F687-4f45-9708-019B960494DF}">
-              <a14:hiddenLine xmlns:a14="http://schemas.microsoft.com/office/drawing/2010/main" w="9525">
+              <a14:hiddenLine xmlns="" xmlns:a14="http://schemas.microsoft.com/office/drawing/2010/main" w="9525">
                 <a:solidFill>
                   <a:srgbClr val="000000"/>
                 </a:solidFill>
@@ -10242,7 +9096,7 @@
   <p:clrMapOvr>
     <a:masterClrMapping/>
   </p:clrMapOvr>
-  <p:transition xmlns:p14="http://schemas.microsoft.com/office/powerpoint/2010/main" spd="med">
+  <p:transition spd="med">
     <p:fade/>
   </p:transition>
 </p:sldLayout>
@@ -10530,7 +9384,7 @@
   <p:clrMapOvr>
     <a:masterClrMapping/>
   </p:clrMapOvr>
-  <p:transition xmlns:p14="http://schemas.microsoft.com/office/powerpoint/2010/main" spd="med">
+  <p:transition spd="med">
     <p:fade/>
   </p:transition>
 </p:sldLayout>
@@ -10817,7 +9671,7 @@
   <p:clrMapOvr>
     <a:masterClrMapping/>
   </p:clrMapOvr>
-  <p:transition xmlns:p14="http://schemas.microsoft.com/office/powerpoint/2010/main" spd="med">
+  <p:transition spd="med">
     <p:fade/>
   </p:transition>
 </p:sldLayout>
@@ -11104,7 +9958,7 @@
   <p:clrMapOvr>
     <a:masterClrMapping/>
   </p:clrMapOvr>
-  <p:transition xmlns:p14="http://schemas.microsoft.com/office/powerpoint/2010/main" spd="med">
+  <p:transition spd="med">
     <p:fade/>
   </p:transition>
 </p:sldLayout>
@@ -11453,7 +10307,7 @@
   <p:clrMapOvr>
     <a:masterClrMapping/>
   </p:clrMapOvr>
-  <p:transition xmlns:p14="http://schemas.microsoft.com/office/powerpoint/2010/main" spd="med">
+  <p:transition spd="med">
     <p:fade/>
   </p:transition>
 </p:sldLayout>
@@ -11740,7 +10594,7 @@
   <p:clrMapOvr>
     <a:masterClrMapping/>
   </p:clrMapOvr>
-  <p:transition xmlns:p14="http://schemas.microsoft.com/office/powerpoint/2010/main" spd="med">
+  <p:transition spd="med">
     <p:fade/>
   </p:transition>
 </p:sldLayout>
@@ -11957,14 +10811,14 @@
           </a:ln>
           <a:extLst>
             <a:ext uri="{909E8E84-426E-40dd-AFC4-6F175D3DCCD1}">
-              <a14:hiddenFill xmlns:a14="http://schemas.microsoft.com/office/drawing/2010/main">
+              <a14:hiddenFill xmlns="" xmlns:a14="http://schemas.microsoft.com/office/drawing/2010/main">
                 <a:solidFill>
                   <a:srgbClr val="FFFFFF"/>
                 </a:solidFill>
               </a14:hiddenFill>
             </a:ext>
             <a:ext uri="{91240B29-F687-4f45-9708-019B960494DF}">
-              <a14:hiddenLine xmlns:a14="http://schemas.microsoft.com/office/drawing/2010/main" w="9525">
+              <a14:hiddenLine xmlns="" xmlns:a14="http://schemas.microsoft.com/office/drawing/2010/main" w="9525">
                 <a:solidFill>
                   <a:srgbClr val="000000"/>
                 </a:solidFill>
@@ -12161,7 +11015,7 @@
   <p:clrMapOvr>
     <a:masterClrMapping/>
   </p:clrMapOvr>
-  <p:transition xmlns:p14="http://schemas.microsoft.com/office/powerpoint/2010/main" spd="med">
+  <p:transition spd="med">
     <p:fade/>
   </p:transition>
 </p:sldLayout>
@@ -12338,7 +11192,7 @@
   <p:clrMapOvr>
     <a:masterClrMapping/>
   </p:clrMapOvr>
-  <p:transition xmlns:p14="http://schemas.microsoft.com/office/powerpoint/2010/main" spd="med">
+  <p:transition spd="med">
     <p:fade/>
   </p:transition>
 </p:sldLayout>
@@ -12626,7 +11480,7 @@
   <p:clrMapOvr>
     <a:masterClrMapping/>
   </p:clrMapOvr>
-  <p:transition xmlns:p14="http://schemas.microsoft.com/office/powerpoint/2010/main" spd="med">
+  <p:transition spd="med">
     <p:fade/>
   </p:transition>
 </p:sldLayout>
@@ -12938,7 +11792,7 @@
   <p:clrMapOvr>
     <a:masterClrMapping/>
   </p:clrMapOvr>
-  <p:transition xmlns:p14="http://schemas.microsoft.com/office/powerpoint/2010/main" spd="med">
+  <p:transition spd="med">
     <p:fade/>
   </p:transition>
 </p:sldLayout>
@@ -13242,7 +12096,7 @@
   <p:clrMapOvr>
     <a:masterClrMapping/>
   </p:clrMapOvr>
-  <p:transition xmlns:p14="http://schemas.microsoft.com/office/powerpoint/2010/main" spd="med">
+  <p:transition spd="med">
     <p:fade/>
   </p:transition>
 </p:sldLayout>
@@ -13318,14 +12172,14 @@
           </a:ln>
           <a:extLst>
             <a:ext uri="{909E8E84-426E-40dd-AFC4-6F175D3DCCD1}">
-              <a14:hiddenFill xmlns:a14="http://schemas.microsoft.com/office/drawing/2010/main">
+              <a14:hiddenFill xmlns="" xmlns:a14="http://schemas.microsoft.com/office/drawing/2010/main">
                 <a:solidFill>
                   <a:srgbClr val="FFFFFF"/>
                 </a:solidFill>
               </a14:hiddenFill>
             </a:ext>
             <a:ext uri="{91240B29-F687-4f45-9708-019B960494DF}">
-              <a14:hiddenLine xmlns:a14="http://schemas.microsoft.com/office/drawing/2010/main" w="9525">
+              <a14:hiddenLine xmlns="" xmlns:a14="http://schemas.microsoft.com/office/drawing/2010/main" w="9525">
                 <a:solidFill>
                   <a:srgbClr val="000000"/>
                 </a:solidFill>
@@ -13601,7 +12455,7 @@
   <p:clrMapOvr>
     <a:overrideClrMapping bg1="lt1" tx1="dk1" bg2="lt2" tx2="dk2" accent1="accent1" accent2="accent2" accent3="accent3" accent4="accent4" accent5="accent5" accent6="accent6" hlink="hlink" folHlink="folHlink"/>
   </p:clrMapOvr>
-  <p:transition xmlns:p14="http://schemas.microsoft.com/office/powerpoint/2010/main" spd="med">
+  <p:transition spd="med">
     <p:fade/>
   </p:transition>
 </p:sldLayout>
@@ -13807,7 +12661,7 @@
   <p:clrMapOvr>
     <a:overrideClrMapping bg1="lt1" tx1="dk1" bg2="lt2" tx2="dk2" accent1="accent1" accent2="accent2" accent3="accent3" accent4="accent4" accent5="accent5" accent6="accent6" hlink="hlink" folHlink="folHlink"/>
   </p:clrMapOvr>
-  <p:transition xmlns:p14="http://schemas.microsoft.com/office/powerpoint/2010/main" spd="med">
+  <p:transition spd="med">
     <p:fade/>
   </p:transition>
 </p:sldLayout>
@@ -13883,14 +12737,14 @@
           </a:ln>
           <a:extLst>
             <a:ext uri="{909E8E84-426E-40dd-AFC4-6F175D3DCCD1}">
-              <a14:hiddenFill xmlns:a14="http://schemas.microsoft.com/office/drawing/2010/main">
+              <a14:hiddenFill xmlns="" xmlns:a14="http://schemas.microsoft.com/office/drawing/2010/main">
                 <a:solidFill>
                   <a:srgbClr val="FFFFFF"/>
                 </a:solidFill>
               </a14:hiddenFill>
             </a:ext>
             <a:ext uri="{91240B29-F687-4f45-9708-019B960494DF}">
-              <a14:hiddenLine xmlns:a14="http://schemas.microsoft.com/office/drawing/2010/main" w="9525">
+              <a14:hiddenLine xmlns="" xmlns:a14="http://schemas.microsoft.com/office/drawing/2010/main" w="9525">
                 <a:solidFill>
                   <a:srgbClr val="000000"/>
                 </a:solidFill>
@@ -14173,7 +13027,7 @@
   <p:clrMapOvr>
     <a:overrideClrMapping bg1="lt1" tx1="dk1" bg2="lt2" tx2="dk2" accent1="accent1" accent2="accent2" accent3="accent3" accent4="accent4" accent5="accent5" accent6="accent6" hlink="hlink" folHlink="folHlink"/>
   </p:clrMapOvr>
-  <p:transition xmlns:p14="http://schemas.microsoft.com/office/powerpoint/2010/main" spd="med">
+  <p:transition spd="med">
     <p:fade/>
   </p:transition>
 </p:sldLayout>
@@ -14381,7 +13235,7 @@
   <p:clrMapOvr>
     <a:overrideClrMapping bg1="lt1" tx1="dk1" bg2="lt2" tx2="dk2" accent1="accent1" accent2="accent2" accent3="accent3" accent4="accent4" accent5="accent5" accent6="accent6" hlink="hlink" folHlink="folHlink"/>
   </p:clrMapOvr>
-  <p:transition xmlns:p14="http://schemas.microsoft.com/office/powerpoint/2010/main" spd="med">
+  <p:transition spd="med">
     <p:fade/>
   </p:transition>
 </p:sldLayout>
@@ -14457,14 +13311,14 @@
           </a:ln>
           <a:extLst>
             <a:ext uri="{909E8E84-426E-40dd-AFC4-6F175D3DCCD1}">
-              <a14:hiddenFill xmlns:a14="http://schemas.microsoft.com/office/drawing/2010/main">
+              <a14:hiddenFill xmlns="" xmlns:a14="http://schemas.microsoft.com/office/drawing/2010/main">
                 <a:solidFill>
                   <a:srgbClr val="FFFFFF"/>
                 </a:solidFill>
               </a14:hiddenFill>
             </a:ext>
             <a:ext uri="{91240B29-F687-4f45-9708-019B960494DF}">
-              <a14:hiddenLine xmlns:a14="http://schemas.microsoft.com/office/drawing/2010/main" w="9525">
+              <a14:hiddenLine xmlns="" xmlns:a14="http://schemas.microsoft.com/office/drawing/2010/main" w="9525">
                 <a:solidFill>
                   <a:srgbClr val="000000"/>
                 </a:solidFill>
@@ -14732,7 +13586,7 @@
   <p:clrMapOvr>
     <a:overrideClrMapping bg1="lt1" tx1="dk1" bg2="lt2" tx2="dk2" accent1="accent1" accent2="accent2" accent3="accent3" accent4="accent4" accent5="accent5" accent6="accent6" hlink="hlink" folHlink="folHlink"/>
   </p:clrMapOvr>
-  <p:transition xmlns:p14="http://schemas.microsoft.com/office/powerpoint/2010/main" spd="med">
+  <p:transition spd="med">
     <p:fade/>
   </p:transition>
 </p:sldLayout>
@@ -14960,7 +13814,7 @@
   <p:clrMapOvr>
     <a:overrideClrMapping bg1="lt1" tx1="dk1" bg2="lt2" tx2="dk2" accent1="accent1" accent2="accent2" accent3="accent3" accent4="accent4" accent5="accent5" accent6="accent6" hlink="hlink" folHlink="folHlink"/>
   </p:clrMapOvr>
-  <p:transition xmlns:p14="http://schemas.microsoft.com/office/powerpoint/2010/main" spd="med">
+  <p:transition spd="med">
     <p:fade/>
   </p:transition>
 </p:sldLayout>
@@ -15248,7 +14102,7 @@
   <p:clrMapOvr>
     <a:overrideClrMapping bg1="lt1" tx1="dk1" bg2="lt2" tx2="dk2" accent1="accent1" accent2="accent2" accent3="accent3" accent4="accent4" accent5="accent5" accent6="accent6" hlink="hlink" folHlink="folHlink"/>
   </p:clrMapOvr>
-  <p:transition xmlns:p14="http://schemas.microsoft.com/office/powerpoint/2010/main" spd="med">
+  <p:transition spd="med">
     <p:fade/>
   </p:transition>
 </p:sldLayout>
@@ -15404,14 +14258,14 @@
           </a:ln>
           <a:extLst>
             <a:ext uri="{909E8E84-426E-40dd-AFC4-6F175D3DCCD1}">
-              <a14:hiddenFill xmlns:a14="http://schemas.microsoft.com/office/drawing/2010/main">
+              <a14:hiddenFill xmlns="" xmlns:a14="http://schemas.microsoft.com/office/drawing/2010/main">
                 <a:solidFill>
                   <a:srgbClr val="FFFFFF"/>
                 </a:solidFill>
               </a14:hiddenFill>
             </a:ext>
             <a:ext uri="{91240B29-F687-4f45-9708-019B960494DF}">
-              <a14:hiddenLine xmlns:a14="http://schemas.microsoft.com/office/drawing/2010/main" w="9525">
+              <a14:hiddenLine xmlns="" xmlns:a14="http://schemas.microsoft.com/office/drawing/2010/main" w="9525">
                 <a:solidFill>
                   <a:srgbClr val="000000"/>
                 </a:solidFill>
@@ -15510,7 +14364,7 @@
                 <a:ea typeface="+mn-ea"/>
                 <a:cs typeface="+mn-cs"/>
               </a:rPr>
-              <a:t>2016</a:t>
+              <a:t>2017</a:t>
             </a:r>
             <a:r>
               <a:rPr lang="en-US" dirty="0" smtClean="0">
@@ -15663,13 +14517,13 @@
     <p:sldLayoutId id="2147483867" r:id="rId13"/>
     <p:sldLayoutId id="2147483868" r:id="rId14"/>
   </p:sldLayoutIdLst>
-  <p:transition xmlns:p14="http://schemas.microsoft.com/office/powerpoint/2010/main" spd="med">
+  <p:transition spd="med">
     <p:fade/>
   </p:transition>
   <p:timing>
     <p:tnLst>
       <p:par>
-        <p:cTn xmlns:p14="http://schemas.microsoft.com/office/powerpoint/2010/main" id="1" dur="indefinite" restart="never" nodeType="tmRoot"/>
+        <p:cTn id="1" dur="indefinite" restart="never" nodeType="tmRoot"/>
       </p:par>
     </p:tnLst>
   </p:timing>
@@ -16197,14 +15051,14 @@
           </a:ln>
           <a:extLst>
             <a:ext uri="{909E8E84-426E-40dd-AFC4-6F175D3DCCD1}">
-              <a14:hiddenFill xmlns:a14="http://schemas.microsoft.com/office/drawing/2010/main">
+              <a14:hiddenFill xmlns="" xmlns:a14="http://schemas.microsoft.com/office/drawing/2010/main">
                 <a:solidFill>
                   <a:srgbClr val="FFFFFF"/>
                 </a:solidFill>
               </a14:hiddenFill>
             </a:ext>
             <a:ext uri="{91240B29-F687-4f45-9708-019B960494DF}">
-              <a14:hiddenLine xmlns:a14="http://schemas.microsoft.com/office/drawing/2010/main" w="9525">
+              <a14:hiddenLine xmlns="" xmlns:a14="http://schemas.microsoft.com/office/drawing/2010/main" w="9525">
                 <a:solidFill>
                   <a:srgbClr val="000000"/>
                 </a:solidFill>
@@ -16303,7 +15157,7 @@
                 <a:ea typeface="+mn-ea"/>
                 <a:cs typeface="+mn-cs"/>
               </a:rPr>
-              <a:t>2016</a:t>
+              <a:t>2017</a:t>
             </a:r>
             <a:r>
               <a:rPr lang="en-US" dirty="0" smtClean="0">
@@ -16525,13 +15379,13 @@
     <p:sldLayoutId id="2147483856" r:id="rId7"/>
     <p:sldLayoutId id="2147483866" r:id="rId8"/>
   </p:sldLayoutIdLst>
-  <p:transition xmlns:p14="http://schemas.microsoft.com/office/powerpoint/2010/main" spd="med">
+  <p:transition spd="med">
     <p:fade/>
   </p:transition>
   <p:timing>
     <p:tnLst>
       <p:par>
-        <p:cTn xmlns:p14="http://schemas.microsoft.com/office/powerpoint/2010/main" id="1" dur="indefinite" restart="never" nodeType="tmRoot"/>
+        <p:cTn id="1" dur="indefinite" restart="never" nodeType="tmRoot"/>
       </p:par>
     </p:tnLst>
   </p:timing>
@@ -17088,13 +15942,13 @@
   <p:clrMapOvr>
     <a:masterClrMapping/>
   </p:clrMapOvr>
-  <p:transition xmlns:p14="http://schemas.microsoft.com/office/powerpoint/2010/main" spd="med">
+  <p:transition spd="med">
     <p:fade/>
   </p:transition>
   <p:timing>
     <p:tnLst>
       <p:par>
-        <p:cTn xmlns:p14="http://schemas.microsoft.com/office/powerpoint/2010/main" id="1" dur="indefinite" restart="never" nodeType="tmRoot"/>
+        <p:cTn id="1" dur="indefinite" restart="never" nodeType="tmRoot"/>
       </p:par>
     </p:tnLst>
   </p:timing>
@@ -17193,7 +16047,7 @@
             </a:r>
             <a:r>
               <a:rPr lang="is-IS" b="1" dirty="0" smtClean="0"/>
-              <a:t>2016</a:t>
+              <a:t>2017</a:t>
             </a:r>
             <a:r>
               <a:rPr lang="en-US" b="1" dirty="0" smtClean="0"/>
@@ -17328,13 +16182,13 @@
   <p:clrMapOvr>
     <a:masterClrMapping/>
   </p:clrMapOvr>
-  <p:transition xmlns:p14="http://schemas.microsoft.com/office/powerpoint/2010/main" spd="med">
+  <p:transition spd="med">
     <p:fade/>
   </p:transition>
   <p:timing>
     <p:tnLst>
       <p:par>
-        <p:cTn xmlns:p14="http://schemas.microsoft.com/office/powerpoint/2010/main" id="1" dur="indefinite" restart="never" nodeType="tmRoot"/>
+        <p:cTn id="1" dur="indefinite" restart="never" nodeType="tmRoot"/>
       </p:par>
     </p:tnLst>
   </p:timing>
@@ -17639,13 +16493,13 @@
   <p:clrMapOvr>
     <a:masterClrMapping/>
   </p:clrMapOvr>
-  <p:transition xmlns:p14="http://schemas.microsoft.com/office/powerpoint/2010/main" spd="med">
+  <p:transition spd="med">
     <p:fade/>
   </p:transition>
   <p:timing>
     <p:tnLst>
       <p:par>
-        <p:cTn xmlns:p14="http://schemas.microsoft.com/office/powerpoint/2010/main" id="1" dur="indefinite" restart="never" nodeType="tmRoot"/>
+        <p:cTn id="1" dur="indefinite" restart="never" nodeType="tmRoot"/>
       </p:par>
     </p:tnLst>
   </p:timing>
@@ -17808,13 +16662,13 @@
   <p:clrMapOvr>
     <a:masterClrMapping/>
   </p:clrMapOvr>
-  <p:transition xmlns:p14="http://schemas.microsoft.com/office/powerpoint/2010/main" spd="med">
+  <p:transition spd="med">
     <p:fade/>
   </p:transition>
   <p:timing>
     <p:tnLst>
       <p:par>
-        <p:cTn xmlns:p14="http://schemas.microsoft.com/office/powerpoint/2010/main" id="1" dur="indefinite" restart="never" nodeType="tmRoot"/>
+        <p:cTn id="1" dur="indefinite" restart="never" nodeType="tmRoot"/>
       </p:par>
     </p:tnLst>
   </p:timing>
@@ -18215,13 +17069,13 @@
   <p:clrMapOvr>
     <a:masterClrMapping/>
   </p:clrMapOvr>
-  <p:transition xmlns:p14="http://schemas.microsoft.com/office/powerpoint/2010/main" spd="med">
+  <p:transition spd="med">
     <p:fade/>
   </p:transition>
   <p:timing>
     <p:tnLst>
       <p:par>
-        <p:cTn xmlns:p14="http://schemas.microsoft.com/office/powerpoint/2010/main" id="1" dur="indefinite" restart="never" nodeType="tmRoot"/>
+        <p:cTn id="1" dur="indefinite" restart="never" nodeType="tmRoot"/>
       </p:par>
     </p:tnLst>
   </p:timing>
@@ -18388,13 +17242,13 @@
   <p:clrMapOvr>
     <a:masterClrMapping/>
   </p:clrMapOvr>
-  <p:transition xmlns:p14="http://schemas.microsoft.com/office/powerpoint/2010/main" spd="med">
+  <p:transition spd="med">
     <p:fade/>
   </p:transition>
   <p:timing>
     <p:tnLst>
       <p:par>
-        <p:cTn xmlns:p14="http://schemas.microsoft.com/office/powerpoint/2010/main" id="1" dur="indefinite" restart="never" nodeType="tmRoot"/>
+        <p:cTn id="1" dur="indefinite" restart="never" nodeType="tmRoot"/>
       </p:par>
     </p:tnLst>
   </p:timing>
@@ -18830,13 +17684,13 @@
   <p:clrMapOvr>
     <a:masterClrMapping/>
   </p:clrMapOvr>
-  <p:transition xmlns:p14="http://schemas.microsoft.com/office/powerpoint/2010/main" spd="med">
+  <p:transition spd="med">
     <p:fade/>
   </p:transition>
   <p:timing>
     <p:tnLst>
       <p:par>
-        <p:cTn xmlns:p14="http://schemas.microsoft.com/office/powerpoint/2010/main" id="1" dur="indefinite" restart="never" nodeType="tmRoot"/>
+        <p:cTn id="1" dur="indefinite" restart="never" nodeType="tmRoot"/>
       </p:par>
     </p:tnLst>
   </p:timing>
@@ -18997,13 +17851,13 @@
   <p:clrMapOvr>
     <a:masterClrMapping/>
   </p:clrMapOvr>
-  <p:transition xmlns:p14="http://schemas.microsoft.com/office/powerpoint/2010/main" spd="med">
+  <p:transition spd="med">
     <p:fade/>
   </p:transition>
   <p:timing>
     <p:tnLst>
       <p:par>
-        <p:cTn xmlns:p14="http://schemas.microsoft.com/office/powerpoint/2010/main" id="1" dur="indefinite" restart="never" nodeType="tmRoot"/>
+        <p:cTn id="1" dur="indefinite" restart="never" nodeType="tmRoot"/>
       </p:par>
     </p:tnLst>
   </p:timing>
@@ -19221,13 +18075,13 @@
   <p:clrMapOvr>
     <a:masterClrMapping/>
   </p:clrMapOvr>
-  <p:transition xmlns:p14="http://schemas.microsoft.com/office/powerpoint/2010/main" spd="med">
+  <p:transition spd="med">
     <p:fade/>
   </p:transition>
   <p:timing>
     <p:tnLst>
       <p:par>
-        <p:cTn xmlns:p14="http://schemas.microsoft.com/office/powerpoint/2010/main" id="1" dur="indefinite" restart="never" nodeType="tmRoot"/>
+        <p:cTn id="1" dur="indefinite" restart="never" nodeType="tmRoot"/>
       </p:par>
     </p:tnLst>
   </p:timing>
@@ -19388,13 +18242,13 @@
   <p:clrMapOvr>
     <a:masterClrMapping/>
   </p:clrMapOvr>
-  <p:transition xmlns:p14="http://schemas.microsoft.com/office/powerpoint/2010/main" spd="med">
+  <p:transition spd="med">
     <p:fade/>
   </p:transition>
   <p:timing>
     <p:tnLst>
       <p:par>
-        <p:cTn xmlns:p14="http://schemas.microsoft.com/office/powerpoint/2010/main" id="1" dur="indefinite" restart="never" nodeType="tmRoot"/>
+        <p:cTn id="1" dur="indefinite" restart="never" nodeType="tmRoot"/>
       </p:par>
     </p:tnLst>
   </p:timing>
@@ -19475,28 +18329,10 @@
           <a:p>
             <a:pPr algn="ctr"/>
             <a:r>
-              <a:rPr lang="en-US" dirty="0">
+              <a:rPr lang="en-US" dirty="0" smtClean="0">
                 <a:hlinkClick r:id="rId3"/>
               </a:rPr>
-              <a:t>https://</a:t>
-            </a:r>
-            <a:r>
-              <a:rPr lang="en-US" dirty="0" err="1">
-                <a:hlinkClick r:id="rId3"/>
-              </a:rPr>
-              <a:t>docs.chef.io</a:t>
-            </a:r>
-            <a:r>
-              <a:rPr lang="en-US" dirty="0">
-                <a:hlinkClick r:id="rId3"/>
-              </a:rPr>
-              <a:t>/</a:t>
-            </a:r>
-            <a:r>
-              <a:rPr lang="en-US" dirty="0" err="1">
-                <a:hlinkClick r:id="rId3"/>
-              </a:rPr>
-              <a:t>dsl_recipe.html#case-statements</a:t>
+              <a:t>https://docs.chef.io/release/12-1/dsl_recipe.html</a:t>
             </a:r>
             <a:endParaRPr lang="en-US" dirty="0"/>
           </a:p>
@@ -19512,13 +18348,13 @@
   <p:clrMapOvr>
     <a:masterClrMapping/>
   </p:clrMapOvr>
-  <p:transition xmlns:p14="http://schemas.microsoft.com/office/powerpoint/2010/main" spd="med">
+  <p:transition spd="med">
     <p:fade/>
   </p:transition>
   <p:timing>
     <p:tnLst>
       <p:par>
-        <p:cTn xmlns:p14="http://schemas.microsoft.com/office/powerpoint/2010/main" id="1" dur="indefinite" restart="never" nodeType="tmRoot"/>
+        <p:cTn id="1" dur="indefinite" restart="never" nodeType="tmRoot"/>
       </p:par>
     </p:tnLst>
   </p:timing>
@@ -19621,13 +18457,13 @@
   <p:clrMapOvr>
     <a:masterClrMapping/>
   </p:clrMapOvr>
-  <p:transition xmlns:p14="http://schemas.microsoft.com/office/powerpoint/2010/main" spd="med">
+  <p:transition spd="med">
     <p:fade/>
   </p:transition>
   <p:timing>
     <p:tnLst>
       <p:par>
-        <p:cTn xmlns:p14="http://schemas.microsoft.com/office/powerpoint/2010/main" id="1" dur="indefinite" restart="never" nodeType="tmRoot"/>
+        <p:cTn id="1" dur="indefinite" restart="never" nodeType="tmRoot"/>
       </p:par>
     </p:tnLst>
   </p:timing>
@@ -19995,13 +18831,13 @@
   <p:clrMapOvr>
     <a:masterClrMapping/>
   </p:clrMapOvr>
-  <p:transition xmlns:p14="http://schemas.microsoft.com/office/powerpoint/2010/main" spd="med">
+  <p:transition spd="med">
     <p:fade/>
   </p:transition>
   <p:timing>
     <p:tnLst>
       <p:par>
-        <p:cTn xmlns:p14="http://schemas.microsoft.com/office/powerpoint/2010/main" id="1" dur="indefinite" restart="never" nodeType="tmRoot"/>
+        <p:cTn id="1" dur="indefinite" restart="never" nodeType="tmRoot"/>
       </p:par>
     </p:tnLst>
   </p:timing>
@@ -20162,13 +18998,13 @@
   <p:clrMapOvr>
     <a:masterClrMapping/>
   </p:clrMapOvr>
-  <p:transition xmlns:p14="http://schemas.microsoft.com/office/powerpoint/2010/main" spd="med">
+  <p:transition spd="med">
     <p:fade/>
   </p:transition>
   <p:timing>
     <p:tnLst>
       <p:par>
-        <p:cTn xmlns:p14="http://schemas.microsoft.com/office/powerpoint/2010/main" id="1" dur="indefinite" restart="never" nodeType="tmRoot"/>
+        <p:cTn id="1" dur="indefinite" restart="never" nodeType="tmRoot"/>
       </p:par>
     </p:tnLst>
   </p:timing>
@@ -20321,13 +19157,13 @@
   <p:clrMapOvr>
     <a:masterClrMapping/>
   </p:clrMapOvr>
-  <p:transition xmlns:p14="http://schemas.microsoft.com/office/powerpoint/2010/main" spd="med">
+  <p:transition spd="med">
     <p:fade/>
   </p:transition>
   <p:timing>
     <p:tnLst>
       <p:par>
-        <p:cTn xmlns:p14="http://schemas.microsoft.com/office/powerpoint/2010/main" id="1" dur="indefinite" restart="never" nodeType="tmRoot"/>
+        <p:cTn id="1" dur="indefinite" restart="never" nodeType="tmRoot"/>
       </p:par>
     </p:tnLst>
   </p:timing>
@@ -20488,13 +19324,13 @@
   <p:clrMapOvr>
     <a:masterClrMapping/>
   </p:clrMapOvr>
-  <p:transition xmlns:p14="http://schemas.microsoft.com/office/powerpoint/2010/main" spd="med">
+  <p:transition spd="med">
     <p:fade/>
   </p:transition>
   <p:timing>
     <p:tnLst>
       <p:par>
-        <p:cTn xmlns:p14="http://schemas.microsoft.com/office/powerpoint/2010/main" id="1" dur="indefinite" restart="never" nodeType="tmRoot"/>
+        <p:cTn id="1" dur="indefinite" restart="never" nodeType="tmRoot"/>
       </p:par>
     </p:tnLst>
   </p:timing>
@@ -20676,13 +19512,13 @@
   <p:clrMapOvr>
     <a:masterClrMapping/>
   </p:clrMapOvr>
-  <p:transition xmlns:p14="http://schemas.microsoft.com/office/powerpoint/2010/main" spd="med">
+  <p:transition spd="med">
     <p:fade/>
   </p:transition>
   <p:timing>
     <p:tnLst>
       <p:par>
-        <p:cTn xmlns:p14="http://schemas.microsoft.com/office/powerpoint/2010/main" id="1" dur="indefinite" restart="never" nodeType="tmRoot"/>
+        <p:cTn id="1" dur="indefinite" restart="never" nodeType="tmRoot"/>
       </p:par>
     </p:tnLst>
   </p:timing>
@@ -21108,13 +19944,13 @@
   <p:clrMapOvr>
     <a:masterClrMapping/>
   </p:clrMapOvr>
-  <p:transition xmlns:p14="http://schemas.microsoft.com/office/powerpoint/2010/main" spd="med">
+  <p:transition spd="med">
     <p:fade/>
   </p:transition>
   <p:timing>
     <p:tnLst>
       <p:par>
-        <p:cTn xmlns:p14="http://schemas.microsoft.com/office/powerpoint/2010/main" id="1" dur="indefinite" restart="never" nodeType="tmRoot"/>
+        <p:cTn id="1" dur="indefinite" restart="never" nodeType="tmRoot"/>
       </p:par>
     </p:tnLst>
   </p:timing>
@@ -21608,13 +20444,13 @@
   <p:clrMapOvr>
     <a:masterClrMapping/>
   </p:clrMapOvr>
-  <p:transition xmlns:p14="http://schemas.microsoft.com/office/powerpoint/2010/main" spd="med">
+  <p:transition spd="med">
     <p:fade/>
   </p:transition>
   <p:timing>
     <p:tnLst>
       <p:par>
-        <p:cTn xmlns:p14="http://schemas.microsoft.com/office/powerpoint/2010/main" id="1" dur="indefinite" restart="never" nodeType="tmRoot"/>
+        <p:cTn id="1" dur="indefinite" restart="never" nodeType="tmRoot"/>
       </p:par>
     </p:tnLst>
   </p:timing>
@@ -21824,13 +20660,13 @@
   <p:clrMapOvr>
     <a:masterClrMapping/>
   </p:clrMapOvr>
-  <p:transition xmlns:p14="http://schemas.microsoft.com/office/powerpoint/2010/main" spd="med">
+  <p:transition spd="med">
     <p:fade/>
   </p:transition>
   <p:timing>
     <p:tnLst>
       <p:par>
-        <p:cTn xmlns:p14="http://schemas.microsoft.com/office/powerpoint/2010/main" id="1" dur="indefinite" restart="never" nodeType="tmRoot"/>
+        <p:cTn id="1" dur="indefinite" restart="never" nodeType="tmRoot"/>
       </p:par>
     </p:tnLst>
   </p:timing>
@@ -22304,13 +21140,13 @@
   <p:clrMapOvr>
     <a:masterClrMapping/>
   </p:clrMapOvr>
-  <p:transition xmlns:p14="http://schemas.microsoft.com/office/powerpoint/2010/main" spd="med">
+  <p:transition spd="med">
     <p:fade/>
   </p:transition>
   <p:timing>
     <p:tnLst>
       <p:par>
-        <p:cTn xmlns:p14="http://schemas.microsoft.com/office/powerpoint/2010/main" id="1" dur="indefinite" restart="never" nodeType="tmRoot"/>
+        <p:cTn id="1" dur="indefinite" restart="never" nodeType="tmRoot"/>
       </p:par>
     </p:tnLst>
   </p:timing>
@@ -22463,13 +21299,13 @@
   <p:clrMapOvr>
     <a:masterClrMapping/>
   </p:clrMapOvr>
-  <p:transition xmlns:p14="http://schemas.microsoft.com/office/powerpoint/2010/main" spd="med">
+  <p:transition spd="med">
     <p:fade/>
   </p:transition>
   <p:timing>
     <p:tnLst>
       <p:par>
-        <p:cTn xmlns:p14="http://schemas.microsoft.com/office/powerpoint/2010/main" id="1" dur="indefinite" restart="never" nodeType="tmRoot"/>
+        <p:cTn id="1" dur="indefinite" restart="never" nodeType="tmRoot"/>
       </p:par>
     </p:tnLst>
   </p:timing>
@@ -22863,13 +21699,13 @@
   <p:clrMapOvr>
     <a:masterClrMapping/>
   </p:clrMapOvr>
-  <p:transition xmlns:p14="http://schemas.microsoft.com/office/powerpoint/2010/main" spd="med">
+  <p:transition spd="med">
     <p:fade/>
   </p:transition>
   <p:timing>
     <p:tnLst>
       <p:par>
-        <p:cTn xmlns:p14="http://schemas.microsoft.com/office/powerpoint/2010/main" id="1" dur="indefinite" restart="never" nodeType="tmRoot"/>
+        <p:cTn id="1" dur="indefinite" restart="never" nodeType="tmRoot"/>
       </p:par>
     </p:tnLst>
   </p:timing>
@@ -23054,13 +21890,13 @@
   <p:clrMapOvr>
     <a:masterClrMapping/>
   </p:clrMapOvr>
-  <p:transition xmlns:p14="http://schemas.microsoft.com/office/powerpoint/2010/main" spd="med">
+  <p:transition spd="med">
     <p:fade/>
   </p:transition>
   <p:timing>
     <p:tnLst>
       <p:par>
-        <p:cTn xmlns:p14="http://schemas.microsoft.com/office/powerpoint/2010/main" id="1" dur="indefinite" restart="never" nodeType="tmRoot"/>
+        <p:cTn id="1" dur="indefinite" restart="never" nodeType="tmRoot"/>
       </p:par>
     </p:tnLst>
   </p:timing>
@@ -23415,13 +22251,13 @@
   <p:clrMapOvr>
     <a:masterClrMapping/>
   </p:clrMapOvr>
-  <p:transition xmlns:p14="http://schemas.microsoft.com/office/powerpoint/2010/main" spd="med">
+  <p:transition spd="med">
     <p:fade/>
   </p:transition>
   <p:timing>
     <p:tnLst>
       <p:par>
-        <p:cTn xmlns:p14="http://schemas.microsoft.com/office/powerpoint/2010/main" id="1" dur="indefinite" restart="never" nodeType="tmRoot"/>
+        <p:cTn id="1" dur="indefinite" restart="never" nodeType="tmRoot"/>
       </p:par>
     </p:tnLst>
   </p:timing>
@@ -23810,13 +22646,13 @@
   <p:clrMapOvr>
     <a:masterClrMapping/>
   </p:clrMapOvr>
-  <p:transition xmlns:p14="http://schemas.microsoft.com/office/powerpoint/2010/main" spd="med">
+  <p:transition spd="med">
     <p:fade/>
   </p:transition>
   <p:timing>
     <p:tnLst>
       <p:par>
-        <p:cTn xmlns:p14="http://schemas.microsoft.com/office/powerpoint/2010/main" id="1" dur="indefinite" restart="never" nodeType="tmRoot"/>
+        <p:cTn id="1" dur="indefinite" restart="never" nodeType="tmRoot"/>
       </p:par>
     </p:tnLst>
   </p:timing>
@@ -23947,8 +22783,12 @@
               <a:t>ubuntu</a:t>
             </a:r>
             <a:r>
+              <a:rPr lang="en-US" sz="2400" b="1" smtClean="0"/>
+              <a:t>',version: '14.04</a:t>
+            </a:r>
+            <a:r>
               <a:rPr lang="en-US" sz="2400" b="1" dirty="0" smtClean="0"/>
-              <a:t>', version: '14.04')</a:t>
+              <a:t>')</a:t>
             </a:r>
             <a:endParaRPr lang="en-US" sz="2400" b="1" dirty="0"/>
           </a:p>
@@ -24206,13 +23046,13 @@
   <p:clrMapOvr>
     <a:masterClrMapping/>
   </p:clrMapOvr>
-  <p:transition xmlns:p14="http://schemas.microsoft.com/office/powerpoint/2010/main" spd="med">
+  <p:transition spd="med">
     <p:fade/>
   </p:transition>
   <p:timing>
     <p:tnLst>
       <p:par>
-        <p:cTn xmlns:p14="http://schemas.microsoft.com/office/powerpoint/2010/main" id="1" dur="indefinite" restart="never" nodeType="tmRoot"/>
+        <p:cTn id="1" dur="indefinite" restart="never" nodeType="tmRoot"/>
       </p:par>
     </p:tnLst>
   </p:timing>
@@ -24374,13 +23214,13 @@
   <p:clrMapOvr>
     <a:masterClrMapping/>
   </p:clrMapOvr>
-  <p:transition xmlns:p14="http://schemas.microsoft.com/office/powerpoint/2010/main" spd="med">
+  <p:transition spd="med">
     <p:fade/>
   </p:transition>
   <p:timing>
     <p:tnLst>
       <p:par>
-        <p:cTn xmlns:p14="http://schemas.microsoft.com/office/powerpoint/2010/main" id="1" dur="indefinite" restart="never" nodeType="tmRoot"/>
+        <p:cTn id="1" dur="indefinite" restart="never" nodeType="tmRoot"/>
       </p:par>
     </p:tnLst>
   </p:timing>
@@ -24950,13 +23790,13 @@
   <p:clrMapOvr>
     <a:masterClrMapping/>
   </p:clrMapOvr>
-  <p:transition xmlns:p14="http://schemas.microsoft.com/office/powerpoint/2010/main" spd="med">
+  <p:transition spd="med">
     <p:fade/>
   </p:transition>
   <p:timing>
     <p:tnLst>
       <p:par>
-        <p:cTn xmlns:p14="http://schemas.microsoft.com/office/powerpoint/2010/main" id="1" dur="indefinite" restart="never" nodeType="tmRoot"/>
+        <p:cTn id="1" dur="indefinite" restart="never" nodeType="tmRoot"/>
       </p:par>
     </p:tnLst>
   </p:timing>
@@ -25118,13 +23958,13 @@
   <p:clrMapOvr>
     <a:masterClrMapping/>
   </p:clrMapOvr>
-  <p:transition xmlns:p14="http://schemas.microsoft.com/office/powerpoint/2010/main" spd="med">
+  <p:transition spd="med">
     <p:fade/>
   </p:transition>
   <p:timing>
     <p:tnLst>
       <p:par>
-        <p:cTn xmlns:p14="http://schemas.microsoft.com/office/powerpoint/2010/main" id="1" dur="indefinite" restart="never" nodeType="tmRoot"/>
+        <p:cTn id="1" dur="indefinite" restart="never" nodeType="tmRoot"/>
       </p:par>
     </p:tnLst>
   </p:timing>
@@ -25512,13 +24352,13 @@
   <p:clrMapOvr>
     <a:masterClrMapping/>
   </p:clrMapOvr>
-  <p:transition xmlns:p14="http://schemas.microsoft.com/office/powerpoint/2010/main" spd="med">
+  <p:transition spd="med">
     <p:fade/>
   </p:transition>
   <p:timing>
     <p:tnLst>
       <p:par>
-        <p:cTn xmlns:p14="http://schemas.microsoft.com/office/powerpoint/2010/main" id="1" dur="indefinite" restart="never" nodeType="tmRoot"/>
+        <p:cTn id="1" dur="indefinite" restart="never" nodeType="tmRoot"/>
       </p:par>
     </p:tnLst>
   </p:timing>
@@ -25688,13 +24528,13 @@
   <p:clrMapOvr>
     <a:masterClrMapping/>
   </p:clrMapOvr>
-  <p:transition xmlns:p14="http://schemas.microsoft.com/office/powerpoint/2010/main" spd="med">
+  <p:transition spd="med">
     <p:fade/>
   </p:transition>
   <p:timing>
     <p:tnLst>
       <p:par>
-        <p:cTn xmlns:p14="http://schemas.microsoft.com/office/powerpoint/2010/main" id="1" dur="indefinite" restart="never" nodeType="tmRoot"/>
+        <p:cTn id="1" dur="indefinite" restart="never" nodeType="tmRoot"/>
       </p:par>
     </p:tnLst>
   </p:timing>
@@ -26259,13 +25099,13 @@
   <p:clrMapOvr>
     <a:masterClrMapping/>
   </p:clrMapOvr>
-  <p:transition xmlns:p14="http://schemas.microsoft.com/office/powerpoint/2010/main" spd="med">
+  <p:transition spd="med">
     <p:fade/>
   </p:transition>
   <p:timing>
     <p:tnLst>
       <p:par>
-        <p:cTn xmlns:p14="http://schemas.microsoft.com/office/powerpoint/2010/main" id="1" dur="indefinite" restart="never" nodeType="tmRoot"/>
+        <p:cTn id="1" dur="indefinite" restart="never" nodeType="tmRoot"/>
       </p:par>
     </p:tnLst>
   </p:timing>
@@ -26362,7 +25202,7 @@
             </a:r>
             <a:r>
               <a:rPr lang="is-IS" b="1" dirty="0" smtClean="0"/>
-              <a:t>2016</a:t>
+              <a:t>2017</a:t>
             </a:r>
             <a:r>
               <a:rPr lang="en-US" b="1" dirty="0" smtClean="0"/>
@@ -26525,13 +25365,13 @@
   <p:clrMapOvr>
     <a:masterClrMapping/>
   </p:clrMapOvr>
-  <p:transition xmlns:p14="http://schemas.microsoft.com/office/powerpoint/2010/main" spd="med">
+  <p:transition spd="med">
     <p:fade/>
   </p:transition>
   <p:timing>
     <p:tnLst>
       <p:par>
-        <p:cTn xmlns:p14="http://schemas.microsoft.com/office/powerpoint/2010/main" id="1" dur="indefinite" restart="never" nodeType="tmRoot"/>
+        <p:cTn id="1" dur="indefinite" restart="never" nodeType="tmRoot"/>
       </p:par>
     </p:tnLst>
   </p:timing>
@@ -26914,13 +25754,13 @@
   <p:clrMapOvr>
     <a:masterClrMapping/>
   </p:clrMapOvr>
-  <p:transition xmlns:p14="http://schemas.microsoft.com/office/powerpoint/2010/main" spd="med">
+  <p:transition spd="med">
     <p:fade/>
   </p:transition>
   <p:timing>
     <p:tnLst>
       <p:par>
-        <p:cTn xmlns:p14="http://schemas.microsoft.com/office/powerpoint/2010/main" id="1" dur="indefinite" restart="never" nodeType="tmRoot"/>
+        <p:cTn id="1" dur="indefinite" restart="never" nodeType="tmRoot"/>
       </p:par>
     </p:tnLst>
   </p:timing>
@@ -27018,13 +25858,13 @@
   <p:clrMapOvr>
     <a:masterClrMapping/>
   </p:clrMapOvr>
-  <p:transition xmlns:p14="http://schemas.microsoft.com/office/powerpoint/2010/main" spd="med">
+  <p:transition spd="med">
     <p:fade/>
   </p:transition>
   <p:timing>
     <p:tnLst>
       <p:par>
-        <p:cTn xmlns:p14="http://schemas.microsoft.com/office/powerpoint/2010/main" id="1" dur="indefinite" restart="never" nodeType="tmRoot"/>
+        <p:cTn id="1" dur="indefinite" restart="never" nodeType="tmRoot"/>
       </p:par>
     </p:tnLst>
   </p:timing>
@@ -27143,13 +25983,13 @@
   <p:clrMapOvr>
     <a:masterClrMapping/>
   </p:clrMapOvr>
-  <p:transition xmlns:p14="http://schemas.microsoft.com/office/powerpoint/2010/main" spd="med">
+  <p:transition spd="med">
     <p:fade/>
   </p:transition>
   <p:timing>
     <p:tnLst>
       <p:par>
-        <p:cTn xmlns:p14="http://schemas.microsoft.com/office/powerpoint/2010/main" id="1" dur="indefinite" restart="never" nodeType="tmRoot"/>
+        <p:cTn id="1" dur="indefinite" restart="never" nodeType="tmRoot"/>
       </p:par>
     </p:tnLst>
   </p:timing>
@@ -27382,13 +26222,13 @@
   <p:clrMapOvr>
     <a:masterClrMapping/>
   </p:clrMapOvr>
-  <p:transition xmlns:p14="http://schemas.microsoft.com/office/powerpoint/2010/main" spd="med">
+  <p:transition spd="med">
     <p:fade/>
   </p:transition>
   <p:timing>
     <p:tnLst>
       <p:par>
-        <p:cTn xmlns:p14="http://schemas.microsoft.com/office/powerpoint/2010/main" id="1" dur="indefinite" restart="never" nodeType="tmRoot"/>
+        <p:cTn id="1" dur="indefinite" restart="never" nodeType="tmRoot"/>
       </p:par>
     </p:tnLst>
   </p:timing>
@@ -27475,11 +26315,7 @@
             </a:r>
             <a:r>
               <a:rPr lang="en-US" sz="2400" dirty="0" smtClean="0"/>
-              <a:t>        </a:t>
-            </a:r>
-            <a:r>
-              <a:rPr lang="en-US" sz="2400" dirty="0" smtClean="0"/>
-              <a:t>Set Up</a:t>
+              <a:t>        Set Up</a:t>
             </a:r>
             <a:endParaRPr lang="en-US" sz="2400" dirty="0"/>
           </a:p>
@@ -27602,13 +26438,13 @@
   <p:clrMapOvr>
     <a:masterClrMapping/>
   </p:clrMapOvr>
-  <p:transition xmlns:p14="http://schemas.microsoft.com/office/powerpoint/2010/main" spd="med">
+  <p:transition spd="med">
     <p:fade/>
   </p:transition>
   <p:timing>
     <p:tnLst>
       <p:par>
-        <p:cTn xmlns:p14="http://schemas.microsoft.com/office/powerpoint/2010/main" id="1" dur="indefinite" restart="never" nodeType="tmRoot"/>
+        <p:cTn id="1" dur="indefinite" restart="never" nodeType="tmRoot"/>
       </p:par>
     </p:tnLst>
   </p:timing>
@@ -27727,13 +26563,13 @@
   <p:clrMapOvr>
     <a:masterClrMapping/>
   </p:clrMapOvr>
-  <p:transition xmlns:p14="http://schemas.microsoft.com/office/powerpoint/2010/main" spd="med">
+  <p:transition spd="med">
     <p:fade/>
   </p:transition>
   <p:timing>
     <p:tnLst>
       <p:par>
-        <p:cTn xmlns:p14="http://schemas.microsoft.com/office/powerpoint/2010/main" id="1" dur="indefinite" restart="never" nodeType="tmRoot"/>
+        <p:cTn id="1" dur="indefinite" restart="never" nodeType="tmRoot"/>
       </p:par>
     </p:tnLst>
   </p:timing>
@@ -27819,15 +26655,7 @@
           <a:p>
             <a:r>
               <a:rPr lang="en-US" dirty="0" smtClean="0"/>
-              <a:t>       .</a:t>
-            </a:r>
-            <a:r>
-              <a:rPr lang="en-US" dirty="0" smtClean="0"/>
-              <a:t>.</a:t>
-            </a:r>
-            <a:r>
-              <a:rPr lang="en-US" dirty="0" smtClean="0"/>
-              <a:t>.</a:t>
+              <a:t>       ...</a:t>
             </a:r>
           </a:p>
           <a:p>
@@ -27839,7 +26667,6 @@
               <a:rPr lang="en-US" dirty="0"/>
               <a:t>..</a:t>
             </a:r>
-            <a:endParaRPr lang="en-US" dirty="0"/>
           </a:p>
         </p:txBody>
       </p:sp>
@@ -27927,13 +26754,13 @@
   <p:clrMapOvr>
     <a:masterClrMapping/>
   </p:clrMapOvr>
-  <p:transition xmlns:p14="http://schemas.microsoft.com/office/powerpoint/2010/main" spd="med">
+  <p:transition spd="med">
     <p:fade/>
   </p:transition>
   <p:timing>
     <p:tnLst>
       <p:par>
-        <p:cTn xmlns:p14="http://schemas.microsoft.com/office/powerpoint/2010/main" id="1" dur="indefinite" restart="never" nodeType="tmRoot"/>
+        <p:cTn id="1" dur="indefinite" restart="never" nodeType="tmRoot"/>
       </p:par>
     </p:tnLst>
   </p:timing>
@@ -28196,13 +27023,13 @@
   <p:clrMapOvr>
     <a:masterClrMapping/>
   </p:clrMapOvr>
-  <p:transition xmlns:p14="http://schemas.microsoft.com/office/powerpoint/2010/main" spd="med">
+  <p:transition spd="med">
     <p:fade/>
   </p:transition>
   <p:timing>
     <p:tnLst>
       <p:par>
-        <p:cTn xmlns:p14="http://schemas.microsoft.com/office/powerpoint/2010/main" id="1" dur="indefinite" restart="never" nodeType="tmRoot"/>
+        <p:cTn id="1" dur="indefinite" restart="never" nodeType="tmRoot"/>
       </p:par>
     </p:tnLst>
   </p:timing>
@@ -28322,13 +27149,13 @@
   <p:clrMapOvr>
     <a:masterClrMapping/>
   </p:clrMapOvr>
-  <p:transition xmlns:p14="http://schemas.microsoft.com/office/powerpoint/2010/main" spd="med">
+  <p:transition spd="med">
     <p:fade/>
   </p:transition>
   <p:timing>
     <p:tnLst>
       <p:par>
-        <p:cTn xmlns:p14="http://schemas.microsoft.com/office/powerpoint/2010/main" id="1" dur="indefinite" restart="never" nodeType="tmRoot"/>
+        <p:cTn id="1" dur="indefinite" restart="never" nodeType="tmRoot"/>
       </p:par>
     </p:tnLst>
   </p:timing>
@@ -28410,13 +27237,13 @@
   <p:clrMapOvr>
     <a:masterClrMapping/>
   </p:clrMapOvr>
-  <p:transition xmlns:p14="http://schemas.microsoft.com/office/powerpoint/2010/main" spd="med">
+  <p:transition spd="med">
     <p:fade/>
   </p:transition>
   <p:timing>
     <p:tnLst>
       <p:par>
-        <p:cTn xmlns:p14="http://schemas.microsoft.com/office/powerpoint/2010/main" id="1" dur="indefinite" restart="never" nodeType="tmRoot"/>
+        <p:cTn id="1" dur="indefinite" restart="never" nodeType="tmRoot"/>
       </p:par>
     </p:tnLst>
   </p:timing>
@@ -28472,7 +27299,7 @@
             </a:r>
             <a:r>
               <a:rPr lang="is-IS" sz="2400" dirty="0" smtClean="0"/>
-              <a:t>2016</a:t>
+              <a:t>2017</a:t>
             </a:r>
             <a:r>
               <a:rPr lang="en-US" sz="2400" dirty="0" smtClean="0"/>
@@ -28548,7 +27375,7 @@
             </a:r>
             <a:r>
               <a:rPr lang="is-IS" sz="2400" dirty="0" smtClean="0"/>
-              <a:t>2016</a:t>
+              <a:t>2017</a:t>
             </a:r>
             <a:r>
               <a:rPr lang="en-US" sz="2400" dirty="0" smtClean="0"/>
@@ -28706,13 +27533,13 @@
   <p:clrMapOvr>
     <a:masterClrMapping/>
   </p:clrMapOvr>
-  <p:transition xmlns:p14="http://schemas.microsoft.com/office/powerpoint/2010/main" spd="med">
+  <p:transition spd="med">
     <p:fade/>
   </p:transition>
   <p:timing>
     <p:tnLst>
       <p:par>
-        <p:cTn xmlns:p14="http://schemas.microsoft.com/office/powerpoint/2010/main" id="1" dur="indefinite" restart="never" nodeType="tmRoot"/>
+        <p:cTn id="1" dur="indefinite" restart="never" nodeType="tmRoot"/>
       </p:par>
     </p:tnLst>
   </p:timing>
@@ -28873,13 +27700,13 @@
   <p:clrMapOvr>
     <a:masterClrMapping/>
   </p:clrMapOvr>
-  <p:transition xmlns:p14="http://schemas.microsoft.com/office/powerpoint/2010/main" spd="med">
+  <p:transition spd="med">
     <p:fade/>
   </p:transition>
   <p:timing>
     <p:tnLst>
       <p:par>
-        <p:cTn xmlns:p14="http://schemas.microsoft.com/office/powerpoint/2010/main" id="1" dur="indefinite" restart="never" nodeType="tmRoot"/>
+        <p:cTn id="1" dur="indefinite" restart="never" nodeType="tmRoot"/>
       </p:par>
     </p:tnLst>
   </p:timing>
@@ -28913,13 +27740,13 @@
   <p:clrMapOvr>
     <a:masterClrMapping/>
   </p:clrMapOvr>
-  <p:transition xmlns:p14="http://schemas.microsoft.com/office/powerpoint/2010/main" spd="med">
+  <p:transition spd="med">
     <p:fade/>
   </p:transition>
   <p:timing>
     <p:tnLst>
       <p:par>
-        <p:cTn xmlns:p14="http://schemas.microsoft.com/office/powerpoint/2010/main" id="1" dur="indefinite" restart="never" nodeType="tmRoot"/>
+        <p:cTn id="1" dur="indefinite" restart="never" nodeType="tmRoot"/>
       </p:par>
     </p:tnLst>
   </p:timing>
@@ -28995,11 +27822,7 @@
             </a:r>
             <a:r>
               <a:rPr lang="en-US" dirty="0" smtClean="0"/>
-              <a:t>&gt; </a:t>
-            </a:r>
-            <a:r>
-              <a:rPr lang="en-US" dirty="0" err="1" smtClean="0"/>
-              <a:t>node.platform</a:t>
+              <a:t>&gt; node['platform']</a:t>
             </a:r>
             <a:endParaRPr lang="en-US" dirty="0"/>
           </a:p>
@@ -29062,13 +27885,13 @@
   <p:clrMapOvr>
     <a:masterClrMapping/>
   </p:clrMapOvr>
-  <p:transition xmlns:p14="http://schemas.microsoft.com/office/powerpoint/2010/main" spd="med">
+  <p:transition spd="med">
     <p:fade/>
   </p:transition>
   <p:timing>
     <p:tnLst>
       <p:par>
-        <p:cTn xmlns:p14="http://schemas.microsoft.com/office/powerpoint/2010/main" id="1" dur="indefinite" restart="never" nodeType="tmRoot"/>
+        <p:cTn id="1" dur="indefinite" restart="never" nodeType="tmRoot"/>
       </p:par>
     </p:tnLst>
   </p:timing>
@@ -29299,13 +28122,13 @@
   <p:clrMapOvr>
     <a:masterClrMapping/>
   </p:clrMapOvr>
-  <p:transition xmlns:p14="http://schemas.microsoft.com/office/powerpoint/2010/main" spd="med">
+  <p:transition spd="med">
     <p:fade/>
   </p:transition>
   <p:timing>
     <p:tnLst>
       <p:par>
-        <p:cTn xmlns:p14="http://schemas.microsoft.com/office/powerpoint/2010/main" id="1" dur="indefinite" restart="never" nodeType="tmRoot"/>
+        <p:cTn id="1" dur="indefinite" restart="never" nodeType="tmRoot"/>
       </p:par>
     </p:tnLst>
   </p:timing>
@@ -29412,13 +28235,13 @@
   <p:clrMapOvr>
     <a:masterClrMapping/>
   </p:clrMapOvr>
-  <p:transition xmlns:p14="http://schemas.microsoft.com/office/powerpoint/2010/main" spd="med">
+  <p:transition spd="med">
     <p:fade/>
   </p:transition>
   <p:timing>
     <p:tnLst>
       <p:par>
-        <p:cTn xmlns:p14="http://schemas.microsoft.com/office/powerpoint/2010/main" id="1" dur="indefinite" restart="never" nodeType="tmRoot"/>
+        <p:cTn id="1" dur="indefinite" restart="never" nodeType="tmRoot"/>
       </p:par>
     </p:tnLst>
   </p:timing>
@@ -29777,13 +28600,13 @@
   <p:clrMapOvr>
     <a:masterClrMapping/>
   </p:clrMapOvr>
-  <p:transition xmlns:p14="http://schemas.microsoft.com/office/powerpoint/2010/main" spd="med">
+  <p:transition spd="med">
     <p:fade/>
   </p:transition>
   <p:timing>
     <p:tnLst>
       <p:par>
-        <p:cTn xmlns:p14="http://schemas.microsoft.com/office/powerpoint/2010/main" id="1" dur="indefinite" restart="never" nodeType="tmRoot"/>
+        <p:cTn id="1" dur="indefinite" restart="never" nodeType="tmRoot"/>
       </p:par>
     </p:tnLst>
   </p:timing>
@@ -30166,7 +28989,7 @@
   <a:extraClrSchemeLst/>
   <a:extLst>
     <a:ext uri="{05A4C25C-085E-4340-85A3-A5531E510DB2}">
-      <thm15:themeFamily xmlns:thm15="http://schemas.microsoft.com/office/thememl/2012/main" xmlns="" name="Chef-TemplateComps_v09-16x9-Light.potx" id="{078CEFDB-FA7A-4E36-9964-13EF367585CB}" vid="{8B87B0F3-7308-43D5-8388-E1B49EA02652}"/>
+      <thm15:themeFamily xmlns:thm15="http://schemas.microsoft.com/office/thememl/2012/main" name="Chef-TemplateComps_v09-16x9-Light.potx" id="{078CEFDB-FA7A-4E36-9964-13EF367585CB}" vid="{8B87B0F3-7308-43D5-8388-E1B49EA02652}"/>
     </a:ext>
   </a:extLst>
 </a:theme>
@@ -30548,7 +29371,7 @@
   <a:extraClrSchemeLst/>
   <a:extLst>
     <a:ext uri="{05A4C25C-085E-4340-85A3-A5531E510DB2}">
-      <thm15:themeFamily xmlns:thm15="http://schemas.microsoft.com/office/thememl/2012/main" xmlns="" name="Chef-TemplateComps_v09-16x9-Light.potx" id="{078CEFDB-FA7A-4E36-9964-13EF367585CB}" vid="{8B87B0F3-7308-43D5-8388-E1B49EA02652}"/>
+      <thm15:themeFamily xmlns:thm15="http://schemas.microsoft.com/office/thememl/2012/main" name="Chef-TemplateComps_v09-16x9-Light.potx" id="{078CEFDB-FA7A-4E36-9964-13EF367585CB}" vid="{8B87B0F3-7308-43D5-8388-E1B49EA02652}"/>
     </a:ext>
   </a:extLst>
 </a:theme>
